--- a/Mountaineer.pptx
+++ b/Mountaineer.pptx
@@ -14,6 +14,7 @@
     <p:sldId id="262" r:id="rId8"/>
     <p:sldId id="263" r:id="rId9"/>
     <p:sldId id="264" r:id="rId10"/>
+    <p:sldId id="265" r:id="rId11"/>
   </p:sldIdLst>
   <p:sldSz cx="12192000" cy="6858000"/>
   <p:notesSz cx="6858000" cy="9144000"/>
@@ -112,7 +113,16 @@
       </a:defRPr>
     </a:lvl9pPr>
   </p:defaultTextStyle>
+  <p:extLst>
+    <p:ext uri="{EFAFB233-063F-42B5-8137-9DF3F51BA10A}">
+      <p15:sldGuideLst xmlns:p15="http://schemas.microsoft.com/office/powerpoint/2012/main"/>
+    </p:ext>
+  </p:extLst>
 </p:presentation>
+</file>
+
+<file path=ppt/revisionInfo.xml><?xml version="1.0" encoding="utf-8"?>
+<p1510:revInfo xmlns:a="http://schemas.openxmlformats.org/drawingml/2006/main" xmlns:r="http://schemas.openxmlformats.org/officeDocument/2006/relationships" xmlns:p1510="http://schemas.microsoft.com/office/powerpoint/2015/10/main"/>
 </file>
 
 <file path=ppt/slideLayouts/slideLayout1.xml><?xml version="1.0" encoding="utf-8"?>
@@ -3538,6 +3548,251 @@
     <p:extLst>
       <p:ext uri="{BB962C8B-B14F-4D97-AF65-F5344CB8AC3E}">
         <p14:creationId xmlns:p14="http://schemas.microsoft.com/office/powerpoint/2010/main" val="2153881472"/>
+      </p:ext>
+    </p:extLst>
+  </p:cSld>
+  <p:clrMapOvr>
+    <a:masterClrMapping/>
+  </p:clrMapOvr>
+</p:sld>
+</file>
+
+<file path=ppt/slides/slide10.xml><?xml version="1.0" encoding="utf-8"?>
+<p:sld xmlns:a="http://schemas.openxmlformats.org/drawingml/2006/main" xmlns:r="http://schemas.openxmlformats.org/officeDocument/2006/relationships" xmlns:p="http://schemas.openxmlformats.org/presentationml/2006/main">
+  <p:cSld>
+    <p:bg>
+      <p:bgPr>
+        <a:solidFill>
+          <a:srgbClr val="9CD3D3"/>
+        </a:solidFill>
+        <a:effectLst/>
+      </p:bgPr>
+    </p:bg>
+    <p:spTree>
+      <p:nvGrpSpPr>
+        <p:cNvPr id="1" name=""/>
+        <p:cNvGrpSpPr/>
+        <p:nvPr/>
+      </p:nvGrpSpPr>
+      <p:grpSpPr>
+        <a:xfrm>
+          <a:off x="0" y="0"/>
+          <a:ext cx="0" cy="0"/>
+          <a:chOff x="0" y="0"/>
+          <a:chExt cx="0" cy="0"/>
+        </a:xfrm>
+      </p:grpSpPr>
+      <p:sp>
+        <p:nvSpPr>
+          <p:cNvPr id="2" name="Titel 1">
+            <a:extLst>
+              <a:ext uri="{FF2B5EF4-FFF2-40B4-BE49-F238E27FC236}">
+                <a16:creationId xmlns:a16="http://schemas.microsoft.com/office/drawing/2014/main" id="{096B1446-D6BE-4976-8B4E-16271507C8FB}"/>
+              </a:ext>
+            </a:extLst>
+          </p:cNvPr>
+          <p:cNvSpPr>
+            <a:spLocks noGrp="1"/>
+          </p:cNvSpPr>
+          <p:nvPr>
+            <p:ph type="title"/>
+          </p:nvPr>
+        </p:nvSpPr>
+        <p:spPr/>
+        <p:txBody>
+          <a:bodyPr/>
+          <a:lstStyle/>
+          <a:p>
+            <a:r>
+              <a:rPr lang="de-AT" dirty="0" err="1">
+                <a:solidFill>
+                  <a:schemeClr val="bg1"/>
+                </a:solidFill>
+              </a:rPr>
+              <a:t>Current</a:t>
+            </a:r>
+            <a:r>
+              <a:rPr lang="de-AT" dirty="0">
+                <a:solidFill>
+                  <a:schemeClr val="bg1"/>
+                </a:solidFill>
+              </a:rPr>
+              <a:t> </a:t>
+            </a:r>
+            <a:r>
+              <a:rPr lang="de-AT" dirty="0" err="1">
+                <a:solidFill>
+                  <a:schemeClr val="bg1"/>
+                </a:solidFill>
+              </a:rPr>
+              <a:t>status</a:t>
+            </a:r>
+            <a:endParaRPr lang="de-AT" dirty="0">
+              <a:solidFill>
+                <a:schemeClr val="bg1"/>
+              </a:solidFill>
+            </a:endParaRPr>
+          </a:p>
+        </p:txBody>
+      </p:sp>
+      <p:sp>
+        <p:nvSpPr>
+          <p:cNvPr id="3" name="Inhaltsplatzhalter 2">
+            <a:extLst>
+              <a:ext uri="{FF2B5EF4-FFF2-40B4-BE49-F238E27FC236}">
+                <a16:creationId xmlns:a16="http://schemas.microsoft.com/office/drawing/2014/main" id="{B8C8239C-6554-4B52-BE10-0A2A30C6449E}"/>
+              </a:ext>
+            </a:extLst>
+          </p:cNvPr>
+          <p:cNvSpPr>
+            <a:spLocks noGrp="1"/>
+          </p:cNvSpPr>
+          <p:nvPr>
+            <p:ph idx="1"/>
+          </p:nvPr>
+        </p:nvSpPr>
+        <p:spPr>
+          <a:xfrm>
+            <a:off x="4555958" y="1825625"/>
+            <a:ext cx="6797842" cy="4351338"/>
+          </a:xfrm>
+        </p:spPr>
+        <p:txBody>
+          <a:bodyPr/>
+          <a:lstStyle/>
+          <a:p>
+            <a:r>
+              <a:rPr lang="de-AT" dirty="0"/>
+              <a:t>Pedometer</a:t>
+            </a:r>
+          </a:p>
+          <a:p>
+            <a:pPr lvl="1"/>
+            <a:r>
+              <a:rPr lang="de-AT" dirty="0"/>
+              <a:t>Running </a:t>
+            </a:r>
+            <a:r>
+              <a:rPr lang="de-AT" dirty="0" err="1"/>
+              <a:t>as</a:t>
+            </a:r>
+            <a:r>
+              <a:rPr lang="de-AT" dirty="0"/>
+              <a:t> a </a:t>
+            </a:r>
+            <a:r>
+              <a:rPr lang="de-AT" dirty="0" err="1"/>
+              <a:t>service</a:t>
+            </a:r>
+            <a:endParaRPr lang="de-AT" dirty="0"/>
+          </a:p>
+          <a:p>
+            <a:r>
+              <a:rPr lang="de-AT" dirty="0"/>
+              <a:t>Simulation + Live-View</a:t>
+            </a:r>
+          </a:p>
+          <a:p>
+            <a:r>
+              <a:rPr lang="de-AT" dirty="0"/>
+              <a:t>Graph</a:t>
+            </a:r>
+          </a:p>
+          <a:p>
+            <a:pPr lvl="1"/>
+            <a:r>
+              <a:rPr lang="de-AT" dirty="0" err="1"/>
+              <a:t>Measured</a:t>
+            </a:r>
+            <a:r>
+              <a:rPr lang="de-AT" dirty="0"/>
+              <a:t> </a:t>
+            </a:r>
+            <a:r>
+              <a:rPr lang="de-AT" dirty="0" err="1"/>
+              <a:t>values</a:t>
+            </a:r>
+            <a:endParaRPr lang="de-AT" dirty="0"/>
+          </a:p>
+          <a:p>
+            <a:pPr lvl="1"/>
+            <a:r>
+              <a:rPr lang="de-AT" dirty="0"/>
+              <a:t>Max + Min</a:t>
+            </a:r>
+          </a:p>
+          <a:p>
+            <a:pPr lvl="1"/>
+            <a:r>
+              <a:rPr lang="de-AT" dirty="0"/>
+              <a:t>Threshold</a:t>
+            </a:r>
+          </a:p>
+          <a:p>
+            <a:pPr lvl="1"/>
+            <a:r>
+              <a:rPr lang="de-AT" dirty="0" err="1"/>
+              <a:t>Detected</a:t>
+            </a:r>
+            <a:r>
+              <a:rPr lang="de-AT" dirty="0"/>
+              <a:t> </a:t>
+            </a:r>
+            <a:r>
+              <a:rPr lang="de-AT" dirty="0" err="1"/>
+              <a:t>steps</a:t>
+            </a:r>
+            <a:endParaRPr lang="de-AT" dirty="0"/>
+          </a:p>
+        </p:txBody>
+      </p:sp>
+      <p:pic>
+        <p:nvPicPr>
+          <p:cNvPr id="8" name="Grafik 7">
+            <a:extLst>
+              <a:ext uri="{FF2B5EF4-FFF2-40B4-BE49-F238E27FC236}">
+                <a16:creationId xmlns:a16="http://schemas.microsoft.com/office/drawing/2014/main" id="{C7B11425-9402-49C6-8559-7E00B1BF2066}"/>
+              </a:ext>
+            </a:extLst>
+          </p:cNvPr>
+          <p:cNvPicPr>
+            <a:picLocks noChangeAspect="1"/>
+          </p:cNvPicPr>
+          <p:nvPr/>
+        </p:nvPicPr>
+        <p:blipFill>
+          <a:blip r:embed="rId2">
+            <a:extLst>
+              <a:ext uri="{28A0092B-C50C-407E-A947-70E740481C1C}">
+                <a14:useLocalDpi xmlns:a14="http://schemas.microsoft.com/office/drawing/2010/main" val="0"/>
+              </a:ext>
+            </a:extLst>
+          </a:blip>
+          <a:stretch>
+            <a:fillRect/>
+          </a:stretch>
+        </p:blipFill>
+        <p:spPr>
+          <a:xfrm>
+            <a:off x="1688791" y="1887845"/>
+            <a:ext cx="2054368" cy="3652209"/>
+          </a:xfrm>
+          <a:prstGeom prst="rect">
+            <a:avLst/>
+          </a:prstGeom>
+          <a:effectLst>
+            <a:outerShdw blurRad="127000" sx="102000" sy="102000" algn="ctr" rotWithShape="0">
+              <a:prstClr val="black">
+                <a:alpha val="23000"/>
+              </a:prstClr>
+            </a:outerShdw>
+          </a:effectLst>
+        </p:spPr>
+      </p:pic>
+    </p:spTree>
+    <p:extLst>
+      <p:ext uri="{BB962C8B-B14F-4D97-AF65-F5344CB8AC3E}">
+        <p14:creationId xmlns:p14="http://schemas.microsoft.com/office/powerpoint/2010/main" val="1811457704"/>
       </p:ext>
     </p:extLst>
   </p:cSld>

--- a/Mountaineer.pptx
+++ b/Mountaineer.pptx
@@ -15,6 +15,7 @@
     <p:sldId id="263" r:id="rId9"/>
     <p:sldId id="264" r:id="rId10"/>
     <p:sldId id="265" r:id="rId11"/>
+    <p:sldId id="266" r:id="rId12"/>
   </p:sldIdLst>
   <p:sldSz cx="12192000" cy="6858000"/>
   <p:notesSz cx="6858000" cy="9144000"/>
@@ -3793,6 +3794,114 @@
     <p:extLst>
       <p:ext uri="{BB962C8B-B14F-4D97-AF65-F5344CB8AC3E}">
         <p14:creationId xmlns:p14="http://schemas.microsoft.com/office/powerpoint/2010/main" val="1811457704"/>
+      </p:ext>
+    </p:extLst>
+  </p:cSld>
+  <p:clrMapOvr>
+    <a:masterClrMapping/>
+  </p:clrMapOvr>
+</p:sld>
+</file>
+
+<file path=ppt/slides/slide11.xml><?xml version="1.0" encoding="utf-8"?>
+<p:sld xmlns:a="http://schemas.openxmlformats.org/drawingml/2006/main" xmlns:r="http://schemas.openxmlformats.org/officeDocument/2006/relationships" xmlns:p="http://schemas.openxmlformats.org/presentationml/2006/main">
+  <p:cSld>
+    <p:spTree>
+      <p:nvGrpSpPr>
+        <p:cNvPr id="1" name=""/>
+        <p:cNvGrpSpPr/>
+        <p:nvPr/>
+      </p:nvGrpSpPr>
+      <p:grpSpPr>
+        <a:xfrm>
+          <a:off x="0" y="0"/>
+          <a:ext cx="0" cy="0"/>
+          <a:chOff x="0" y="0"/>
+          <a:chExt cx="0" cy="0"/>
+        </a:xfrm>
+      </p:grpSpPr>
+      <p:sp>
+        <p:nvSpPr>
+          <p:cNvPr id="2" name="Titel 1">
+            <a:extLst>
+              <a:ext uri="{FF2B5EF4-FFF2-40B4-BE49-F238E27FC236}">
+                <a16:creationId xmlns:a16="http://schemas.microsoft.com/office/drawing/2014/main" id="{3BC381C4-762F-49EC-A88E-C3D5DDA8A4B2}"/>
+              </a:ext>
+            </a:extLst>
+          </p:cNvPr>
+          <p:cNvSpPr>
+            <a:spLocks noGrp="1"/>
+          </p:cNvSpPr>
+          <p:nvPr>
+            <p:ph type="ctrTitle"/>
+          </p:nvPr>
+        </p:nvSpPr>
+        <p:spPr>
+          <a:xfrm>
+            <a:off x="1021347" y="1122363"/>
+            <a:ext cx="6160168" cy="2387600"/>
+          </a:xfrm>
+        </p:spPr>
+        <p:txBody>
+          <a:bodyPr/>
+          <a:lstStyle/>
+          <a:p>
+            <a:pPr algn="r"/>
+            <a:r>
+              <a:rPr lang="de-AT" dirty="0" err="1">
+                <a:latin typeface="Aleo" panose="020F0502020204030203" pitchFamily="34" charset="0"/>
+              </a:rPr>
+              <a:t>Thanks</a:t>
+            </a:r>
+            <a:r>
+              <a:rPr lang="de-AT" dirty="0">
+                <a:latin typeface="Aleo" panose="020F0502020204030203" pitchFamily="34" charset="0"/>
+              </a:rPr>
+              <a:t>!</a:t>
+            </a:r>
+          </a:p>
+        </p:txBody>
+      </p:sp>
+      <p:pic>
+        <p:nvPicPr>
+          <p:cNvPr id="5" name="Grafik 4">
+            <a:extLst>
+              <a:ext uri="{FF2B5EF4-FFF2-40B4-BE49-F238E27FC236}">
+                <a16:creationId xmlns:a16="http://schemas.microsoft.com/office/drawing/2014/main" id="{673F195F-2A5C-4D6B-84DE-236675A8B0E8}"/>
+              </a:ext>
+            </a:extLst>
+          </p:cNvPr>
+          <p:cNvPicPr>
+            <a:picLocks noChangeAspect="1"/>
+          </p:cNvPicPr>
+          <p:nvPr/>
+        </p:nvPicPr>
+        <p:blipFill>
+          <a:blip r:embed="rId2">
+            <a:extLst>
+              <a:ext uri="{28A0092B-C50C-407E-A947-70E740481C1C}">
+                <a14:useLocalDpi xmlns:a14="http://schemas.microsoft.com/office/drawing/2010/main" val="0"/>
+              </a:ext>
+            </a:extLst>
+          </a:blip>
+          <a:stretch>
+            <a:fillRect/>
+          </a:stretch>
+        </p:blipFill>
+        <p:spPr>
+          <a:xfrm>
+            <a:off x="7277768" y="2173038"/>
+            <a:ext cx="1760621" cy="1760621"/>
+          </a:xfrm>
+          <a:prstGeom prst="rect">
+            <a:avLst/>
+          </a:prstGeom>
+        </p:spPr>
+      </p:pic>
+    </p:spTree>
+    <p:extLst>
+      <p:ext uri="{BB962C8B-B14F-4D97-AF65-F5344CB8AC3E}">
+        <p14:creationId xmlns:p14="http://schemas.microsoft.com/office/powerpoint/2010/main" val="3385866219"/>
       </p:ext>
     </p:extLst>
   </p:cSld>

--- a/Mountaineer.pptx
+++ b/Mountaineer.pptx
@@ -12,10 +12,12 @@
     <p:sldId id="260" r:id="rId6"/>
     <p:sldId id="261" r:id="rId7"/>
     <p:sldId id="262" r:id="rId8"/>
-    <p:sldId id="263" r:id="rId9"/>
-    <p:sldId id="264" r:id="rId10"/>
-    <p:sldId id="265" r:id="rId11"/>
-    <p:sldId id="266" r:id="rId12"/>
+    <p:sldId id="267" r:id="rId9"/>
+    <p:sldId id="268" r:id="rId10"/>
+    <p:sldId id="263" r:id="rId11"/>
+    <p:sldId id="264" r:id="rId12"/>
+    <p:sldId id="265" r:id="rId13"/>
+    <p:sldId id="266" r:id="rId14"/>
   </p:sldIdLst>
   <p:sldSz cx="12192000" cy="6858000"/>
   <p:notesSz cx="6858000" cy="9144000"/>
@@ -293,7 +295,7 @@
           <a:p>
             <a:fld id="{ACE3B52F-493B-4126-A797-2AC36596430B}" type="datetimeFigureOut">
               <a:rPr lang="de-AT" smtClean="0"/>
-              <a:t>16.11.2017</a:t>
+              <a:t>17.11.2017</a:t>
             </a:fld>
             <a:endParaRPr lang="de-AT"/>
           </a:p>
@@ -493,7 +495,7 @@
           <a:p>
             <a:fld id="{ACE3B52F-493B-4126-A797-2AC36596430B}" type="datetimeFigureOut">
               <a:rPr lang="de-AT" smtClean="0"/>
-              <a:t>16.11.2017</a:t>
+              <a:t>17.11.2017</a:t>
             </a:fld>
             <a:endParaRPr lang="de-AT"/>
           </a:p>
@@ -703,7 +705,7 @@
           <a:p>
             <a:fld id="{ACE3B52F-493B-4126-A797-2AC36596430B}" type="datetimeFigureOut">
               <a:rPr lang="de-AT" smtClean="0"/>
-              <a:t>16.11.2017</a:t>
+              <a:t>17.11.2017</a:t>
             </a:fld>
             <a:endParaRPr lang="de-AT"/>
           </a:p>
@@ -944,7 +946,7 @@
           <a:p>
             <a:fld id="{ACE3B52F-493B-4126-A797-2AC36596430B}" type="datetimeFigureOut">
               <a:rPr lang="de-AT" smtClean="0"/>
-              <a:t>16.11.2017</a:t>
+              <a:t>17.11.2017</a:t>
             </a:fld>
             <a:endParaRPr lang="de-AT"/>
           </a:p>
@@ -1220,7 +1222,7 @@
           <a:p>
             <a:fld id="{ACE3B52F-493B-4126-A797-2AC36596430B}" type="datetimeFigureOut">
               <a:rPr lang="de-AT" smtClean="0"/>
-              <a:t>16.11.2017</a:t>
+              <a:t>17.11.2017</a:t>
             </a:fld>
             <a:endParaRPr lang="de-AT"/>
           </a:p>
@@ -1488,7 +1490,7 @@
           <a:p>
             <a:fld id="{ACE3B52F-493B-4126-A797-2AC36596430B}" type="datetimeFigureOut">
               <a:rPr lang="de-AT" smtClean="0"/>
-              <a:t>16.11.2017</a:t>
+              <a:t>17.11.2017</a:t>
             </a:fld>
             <a:endParaRPr lang="de-AT"/>
           </a:p>
@@ -1903,7 +1905,7 @@
           <a:p>
             <a:fld id="{ACE3B52F-493B-4126-A797-2AC36596430B}" type="datetimeFigureOut">
               <a:rPr lang="de-AT" smtClean="0"/>
-              <a:t>16.11.2017</a:t>
+              <a:t>17.11.2017</a:t>
             </a:fld>
             <a:endParaRPr lang="de-AT"/>
           </a:p>
@@ -2045,7 +2047,7 @@
           <a:p>
             <a:fld id="{ACE3B52F-493B-4126-A797-2AC36596430B}" type="datetimeFigureOut">
               <a:rPr lang="de-AT" smtClean="0"/>
-              <a:t>16.11.2017</a:t>
+              <a:t>17.11.2017</a:t>
             </a:fld>
             <a:endParaRPr lang="de-AT"/>
           </a:p>
@@ -2158,7 +2160,7 @@
           <a:p>
             <a:fld id="{ACE3B52F-493B-4126-A797-2AC36596430B}" type="datetimeFigureOut">
               <a:rPr lang="de-AT" smtClean="0"/>
-              <a:t>16.11.2017</a:t>
+              <a:t>17.11.2017</a:t>
             </a:fld>
             <a:endParaRPr lang="de-AT"/>
           </a:p>
@@ -2471,7 +2473,7 @@
           <a:p>
             <a:fld id="{ACE3B52F-493B-4126-A797-2AC36596430B}" type="datetimeFigureOut">
               <a:rPr lang="de-AT" smtClean="0"/>
-              <a:t>16.11.2017</a:t>
+              <a:t>17.11.2017</a:t>
             </a:fld>
             <a:endParaRPr lang="de-AT"/>
           </a:p>
@@ -2760,7 +2762,7 @@
           <a:p>
             <a:fld id="{ACE3B52F-493B-4126-A797-2AC36596430B}" type="datetimeFigureOut">
               <a:rPr lang="de-AT" smtClean="0"/>
-              <a:t>16.11.2017</a:t>
+              <a:t>17.11.2017</a:t>
             </a:fld>
             <a:endParaRPr lang="de-AT"/>
           </a:p>
@@ -3003,7 +3005,7 @@
           <a:p>
             <a:fld id="{ACE3B52F-493B-4126-A797-2AC36596430B}" type="datetimeFigureOut">
               <a:rPr lang="de-AT" smtClean="0"/>
-              <a:t>16.11.2017</a:t>
+              <a:t>17.11.2017</a:t>
             </a:fld>
             <a:endParaRPr lang="de-AT"/>
           </a:p>
@@ -3537,7 +3539,7 @@
         </p:blipFill>
         <p:spPr>
           <a:xfrm>
-            <a:off x="7277768" y="2173038"/>
+            <a:off x="7277768" y="2181916"/>
             <a:ext cx="1760621" cy="1760621"/>
           </a:xfrm>
           <a:prstGeom prst="rect">
@@ -3559,6 +3561,572 @@
 </file>
 
 <file path=ppt/slides/slide10.xml><?xml version="1.0" encoding="utf-8"?>
+<p:sld xmlns:a="http://schemas.openxmlformats.org/drawingml/2006/main" xmlns:r="http://schemas.openxmlformats.org/officeDocument/2006/relationships" xmlns:p="http://schemas.openxmlformats.org/presentationml/2006/main">
+  <p:cSld>
+    <p:spTree>
+      <p:nvGrpSpPr>
+        <p:cNvPr id="1" name=""/>
+        <p:cNvGrpSpPr/>
+        <p:nvPr/>
+      </p:nvGrpSpPr>
+      <p:grpSpPr>
+        <a:xfrm>
+          <a:off x="0" y="0"/>
+          <a:ext cx="0" cy="0"/>
+          <a:chOff x="0" y="0"/>
+          <a:chExt cx="0" cy="0"/>
+        </a:xfrm>
+      </p:grpSpPr>
+      <p:sp>
+        <p:nvSpPr>
+          <p:cNvPr id="2" name="Titel 1">
+            <a:extLst>
+              <a:ext uri="{FF2B5EF4-FFF2-40B4-BE49-F238E27FC236}">
+                <a16:creationId xmlns:a16="http://schemas.microsoft.com/office/drawing/2014/main" id="{C14847C9-F8CC-4206-B212-F0A6205771CA}"/>
+              </a:ext>
+            </a:extLst>
+          </p:cNvPr>
+          <p:cNvSpPr>
+            <a:spLocks noGrp="1"/>
+          </p:cNvSpPr>
+          <p:nvPr>
+            <p:ph type="title"/>
+          </p:nvPr>
+        </p:nvSpPr>
+        <p:spPr/>
+        <p:txBody>
+          <a:bodyPr/>
+          <a:lstStyle/>
+          <a:p>
+            <a:r>
+              <a:rPr lang="de-AT" dirty="0" err="1"/>
+              <a:t>Planned</a:t>
+            </a:r>
+            <a:r>
+              <a:rPr lang="de-AT" dirty="0"/>
+              <a:t> Design</a:t>
+            </a:r>
+          </a:p>
+        </p:txBody>
+      </p:sp>
+      <p:sp>
+        <p:nvSpPr>
+          <p:cNvPr id="4" name="Textfeld 3">
+            <a:extLst>
+              <a:ext uri="{FF2B5EF4-FFF2-40B4-BE49-F238E27FC236}">
+                <a16:creationId xmlns:a16="http://schemas.microsoft.com/office/drawing/2014/main" id="{FC8CF503-84BE-4DAB-9E09-B984A6B08EEA}"/>
+              </a:ext>
+            </a:extLst>
+          </p:cNvPr>
+          <p:cNvSpPr txBox="1"/>
+          <p:nvPr/>
+        </p:nvSpPr>
+        <p:spPr>
+          <a:xfrm>
+            <a:off x="838200" y="6445584"/>
+            <a:ext cx="10515600" cy="246221"/>
+          </a:xfrm>
+          <a:prstGeom prst="rect">
+            <a:avLst/>
+          </a:prstGeom>
+          <a:noFill/>
+        </p:spPr>
+        <p:txBody>
+          <a:bodyPr wrap="square" rtlCol="0">
+            <a:spAutoFit/>
+          </a:bodyPr>
+          <a:lstStyle/>
+          <a:p>
+            <a:pPr algn="ctr"/>
+            <a:r>
+              <a:rPr lang="de-AT" sz="1000" dirty="0" err="1">
+                <a:latin typeface="Roboto Light" panose="02000000000000000000" pitchFamily="2" charset="0"/>
+                <a:ea typeface="Roboto Light" panose="02000000000000000000" pitchFamily="2" charset="0"/>
+              </a:rPr>
+              <a:t>Subject</a:t>
+            </a:r>
+            <a:r>
+              <a:rPr lang="de-AT" sz="1000" dirty="0">
+                <a:latin typeface="Roboto Light" panose="02000000000000000000" pitchFamily="2" charset="0"/>
+                <a:ea typeface="Roboto Light" panose="02000000000000000000" pitchFamily="2" charset="0"/>
+              </a:rPr>
+              <a:t> </a:t>
+            </a:r>
+            <a:r>
+              <a:rPr lang="de-AT" sz="1000" dirty="0" err="1">
+                <a:latin typeface="Roboto Light" panose="02000000000000000000" pitchFamily="2" charset="0"/>
+                <a:ea typeface="Roboto Light" panose="02000000000000000000" pitchFamily="2" charset="0"/>
+              </a:rPr>
+              <a:t>to</a:t>
+            </a:r>
+            <a:r>
+              <a:rPr lang="de-AT" sz="1000" dirty="0">
+                <a:latin typeface="Roboto Light" panose="02000000000000000000" pitchFamily="2" charset="0"/>
+                <a:ea typeface="Roboto Light" panose="02000000000000000000" pitchFamily="2" charset="0"/>
+              </a:rPr>
+              <a:t> </a:t>
+            </a:r>
+            <a:r>
+              <a:rPr lang="de-AT" sz="1000" dirty="0" err="1">
+                <a:latin typeface="Roboto Light" panose="02000000000000000000" pitchFamily="2" charset="0"/>
+                <a:ea typeface="Roboto Light" panose="02000000000000000000" pitchFamily="2" charset="0"/>
+              </a:rPr>
+              <a:t>change</a:t>
+            </a:r>
+            <a:r>
+              <a:rPr lang="de-AT" sz="1000" dirty="0">
+                <a:latin typeface="Roboto Light" panose="02000000000000000000" pitchFamily="2" charset="0"/>
+                <a:ea typeface="Roboto Light" panose="02000000000000000000" pitchFamily="2" charset="0"/>
+              </a:rPr>
+              <a:t> </a:t>
+            </a:r>
+            <a:r>
+              <a:rPr lang="de-AT" sz="1000" dirty="0" err="1">
+                <a:latin typeface="Roboto Light" panose="02000000000000000000" pitchFamily="2" charset="0"/>
+                <a:ea typeface="Roboto Light" panose="02000000000000000000" pitchFamily="2" charset="0"/>
+              </a:rPr>
+              <a:t>without</a:t>
+            </a:r>
+            <a:r>
+              <a:rPr lang="de-AT" sz="1000" dirty="0">
+                <a:latin typeface="Roboto Light" panose="02000000000000000000" pitchFamily="2" charset="0"/>
+                <a:ea typeface="Roboto Light" panose="02000000000000000000" pitchFamily="2" charset="0"/>
+              </a:rPr>
+              <a:t> </a:t>
+            </a:r>
+            <a:r>
+              <a:rPr lang="de-AT" sz="1000" dirty="0" err="1">
+                <a:latin typeface="Roboto Light" panose="02000000000000000000" pitchFamily="2" charset="0"/>
+                <a:ea typeface="Roboto Light" panose="02000000000000000000" pitchFamily="2" charset="0"/>
+              </a:rPr>
+              <a:t>prior</a:t>
+            </a:r>
+            <a:r>
+              <a:rPr lang="de-AT" sz="1000" dirty="0">
+                <a:latin typeface="Roboto Light" panose="02000000000000000000" pitchFamily="2" charset="0"/>
+                <a:ea typeface="Roboto Light" panose="02000000000000000000" pitchFamily="2" charset="0"/>
+              </a:rPr>
+              <a:t> </a:t>
+            </a:r>
+            <a:r>
+              <a:rPr lang="de-AT" sz="1000" dirty="0" err="1">
+                <a:latin typeface="Roboto Light" panose="02000000000000000000" pitchFamily="2" charset="0"/>
+                <a:ea typeface="Roboto Light" panose="02000000000000000000" pitchFamily="2" charset="0"/>
+              </a:rPr>
+              <a:t>notice</a:t>
+            </a:r>
+            <a:r>
+              <a:rPr lang="de-AT" sz="1000" dirty="0">
+                <a:latin typeface="Roboto Light" panose="02000000000000000000" pitchFamily="2" charset="0"/>
+                <a:ea typeface="Roboto Light" panose="02000000000000000000" pitchFamily="2" charset="0"/>
+              </a:rPr>
+              <a:t>.</a:t>
+            </a:r>
+          </a:p>
+        </p:txBody>
+      </p:sp>
+      <p:pic>
+        <p:nvPicPr>
+          <p:cNvPr id="6" name="Grafik 5">
+            <a:extLst>
+              <a:ext uri="{FF2B5EF4-FFF2-40B4-BE49-F238E27FC236}">
+                <a16:creationId xmlns:a16="http://schemas.microsoft.com/office/drawing/2014/main" id="{5718301A-01DA-42EE-AE6B-1521FED9E218}"/>
+              </a:ext>
+            </a:extLst>
+          </p:cNvPr>
+          <p:cNvPicPr>
+            <a:picLocks noChangeAspect="1"/>
+          </p:cNvPicPr>
+          <p:nvPr/>
+        </p:nvPicPr>
+        <p:blipFill rotWithShape="1">
+          <a:blip r:embed="rId2">
+            <a:extLst>
+              <a:ext uri="{28A0092B-C50C-407E-A947-70E740481C1C}">
+                <a14:useLocalDpi xmlns:a14="http://schemas.microsoft.com/office/drawing/2010/main" val="0"/>
+              </a:ext>
+            </a:extLst>
+          </a:blip>
+          <a:srcRect l="659" t="546" r="1349" b="1054"/>
+          <a:stretch/>
+        </p:blipFill>
+        <p:spPr>
+          <a:xfrm>
+            <a:off x="945147" y="1690688"/>
+            <a:ext cx="2435716" cy="4335504"/>
+          </a:xfrm>
+          <a:prstGeom prst="rect">
+            <a:avLst/>
+          </a:prstGeom>
+          <a:effectLst>
+            <a:outerShdw blurRad="127000" sx="102000" sy="102000" algn="ctr" rotWithShape="0">
+              <a:prstClr val="black">
+                <a:alpha val="10000"/>
+              </a:prstClr>
+            </a:outerShdw>
+          </a:effectLst>
+        </p:spPr>
+      </p:pic>
+      <p:pic>
+        <p:nvPicPr>
+          <p:cNvPr id="10" name="Grafik 9">
+            <a:extLst>
+              <a:ext uri="{FF2B5EF4-FFF2-40B4-BE49-F238E27FC236}">
+                <a16:creationId xmlns:a16="http://schemas.microsoft.com/office/drawing/2014/main" id="{2A4ECD4E-6BFD-42D1-B49D-581FE6564DAA}"/>
+              </a:ext>
+            </a:extLst>
+          </p:cNvPr>
+          <p:cNvPicPr>
+            <a:picLocks noChangeAspect="1"/>
+          </p:cNvPicPr>
+          <p:nvPr/>
+        </p:nvPicPr>
+        <p:blipFill rotWithShape="1">
+          <a:blip r:embed="rId3">
+            <a:extLst>
+              <a:ext uri="{28A0092B-C50C-407E-A947-70E740481C1C}">
+                <a14:useLocalDpi xmlns:a14="http://schemas.microsoft.com/office/drawing/2010/main" val="0"/>
+              </a:ext>
+            </a:extLst>
+          </a:blip>
+          <a:srcRect l="941" t="624" r="941" b="896"/>
+          <a:stretch/>
+        </p:blipFill>
+        <p:spPr>
+          <a:xfrm>
+            <a:off x="4873958" y="1690688"/>
+            <a:ext cx="2444084" cy="4335504"/>
+          </a:xfrm>
+          <a:prstGeom prst="rect">
+            <a:avLst/>
+          </a:prstGeom>
+          <a:effectLst>
+            <a:outerShdw blurRad="127000" sx="102000" sy="102000" algn="ctr" rotWithShape="0">
+              <a:prstClr val="black">
+                <a:alpha val="10000"/>
+              </a:prstClr>
+            </a:outerShdw>
+          </a:effectLst>
+        </p:spPr>
+      </p:pic>
+      <p:pic>
+        <p:nvPicPr>
+          <p:cNvPr id="14" name="Grafik 13">
+            <a:extLst>
+              <a:ext uri="{FF2B5EF4-FFF2-40B4-BE49-F238E27FC236}">
+                <a16:creationId xmlns:a16="http://schemas.microsoft.com/office/drawing/2014/main" id="{B87F5D50-FF93-4327-B2DF-18B69D151C4D}"/>
+              </a:ext>
+            </a:extLst>
+          </p:cNvPr>
+          <p:cNvPicPr>
+            <a:picLocks noChangeAspect="1"/>
+          </p:cNvPicPr>
+          <p:nvPr/>
+        </p:nvPicPr>
+        <p:blipFill rotWithShape="1">
+          <a:blip r:embed="rId4">
+            <a:extLst>
+              <a:ext uri="{28A0092B-C50C-407E-A947-70E740481C1C}">
+                <a14:useLocalDpi xmlns:a14="http://schemas.microsoft.com/office/drawing/2010/main" val="0"/>
+              </a:ext>
+            </a:extLst>
+          </a:blip>
+          <a:srcRect l="1189" t="546" r="1050" b="897"/>
+          <a:stretch/>
+        </p:blipFill>
+        <p:spPr>
+          <a:xfrm>
+            <a:off x="8921938" y="1690688"/>
+            <a:ext cx="2431862" cy="4335504"/>
+          </a:xfrm>
+          <a:prstGeom prst="rect">
+            <a:avLst/>
+          </a:prstGeom>
+          <a:effectLst>
+            <a:outerShdw blurRad="127000" sx="102000" sy="102000" algn="ctr" rotWithShape="0">
+              <a:prstClr val="black">
+                <a:alpha val="10000"/>
+              </a:prstClr>
+            </a:outerShdw>
+          </a:effectLst>
+        </p:spPr>
+      </p:pic>
+    </p:spTree>
+    <p:extLst>
+      <p:ext uri="{BB962C8B-B14F-4D97-AF65-F5344CB8AC3E}">
+        <p14:creationId xmlns:p14="http://schemas.microsoft.com/office/powerpoint/2010/main" val="663719567"/>
+      </p:ext>
+    </p:extLst>
+  </p:cSld>
+  <p:clrMapOvr>
+    <a:masterClrMapping/>
+  </p:clrMapOvr>
+</p:sld>
+</file>
+
+<file path=ppt/slides/slide11.xml><?xml version="1.0" encoding="utf-8"?>
+<p:sld xmlns:a="http://schemas.openxmlformats.org/drawingml/2006/main" xmlns:r="http://schemas.openxmlformats.org/officeDocument/2006/relationships" xmlns:p="http://schemas.openxmlformats.org/presentationml/2006/main">
+  <p:cSld>
+    <p:spTree>
+      <p:nvGrpSpPr>
+        <p:cNvPr id="1" name=""/>
+        <p:cNvGrpSpPr/>
+        <p:nvPr/>
+      </p:nvGrpSpPr>
+      <p:grpSpPr>
+        <a:xfrm>
+          <a:off x="0" y="0"/>
+          <a:ext cx="0" cy="0"/>
+          <a:chOff x="0" y="0"/>
+          <a:chExt cx="0" cy="0"/>
+        </a:xfrm>
+      </p:grpSpPr>
+      <p:sp>
+        <p:nvSpPr>
+          <p:cNvPr id="2" name="Titel 1">
+            <a:extLst>
+              <a:ext uri="{FF2B5EF4-FFF2-40B4-BE49-F238E27FC236}">
+                <a16:creationId xmlns:a16="http://schemas.microsoft.com/office/drawing/2014/main" id="{C14847C9-F8CC-4206-B212-F0A6205771CA}"/>
+              </a:ext>
+            </a:extLst>
+          </p:cNvPr>
+          <p:cNvSpPr>
+            <a:spLocks noGrp="1"/>
+          </p:cNvSpPr>
+          <p:nvPr>
+            <p:ph type="title"/>
+          </p:nvPr>
+        </p:nvSpPr>
+        <p:spPr/>
+        <p:txBody>
+          <a:bodyPr/>
+          <a:lstStyle/>
+          <a:p>
+            <a:r>
+              <a:rPr lang="de-AT" dirty="0" err="1"/>
+              <a:t>Planned</a:t>
+            </a:r>
+            <a:r>
+              <a:rPr lang="de-AT" dirty="0"/>
+              <a:t> Design</a:t>
+            </a:r>
+          </a:p>
+        </p:txBody>
+      </p:sp>
+      <p:sp>
+        <p:nvSpPr>
+          <p:cNvPr id="4" name="Textfeld 3">
+            <a:extLst>
+              <a:ext uri="{FF2B5EF4-FFF2-40B4-BE49-F238E27FC236}">
+                <a16:creationId xmlns:a16="http://schemas.microsoft.com/office/drawing/2014/main" id="{FC8CF503-84BE-4DAB-9E09-B984A6B08EEA}"/>
+              </a:ext>
+            </a:extLst>
+          </p:cNvPr>
+          <p:cNvSpPr txBox="1"/>
+          <p:nvPr/>
+        </p:nvSpPr>
+        <p:spPr>
+          <a:xfrm>
+            <a:off x="838200" y="6445584"/>
+            <a:ext cx="10515600" cy="246221"/>
+          </a:xfrm>
+          <a:prstGeom prst="rect">
+            <a:avLst/>
+          </a:prstGeom>
+          <a:noFill/>
+        </p:spPr>
+        <p:txBody>
+          <a:bodyPr wrap="square" rtlCol="0">
+            <a:spAutoFit/>
+          </a:bodyPr>
+          <a:lstStyle/>
+          <a:p>
+            <a:pPr algn="ctr"/>
+            <a:r>
+              <a:rPr lang="de-AT" sz="1000" dirty="0" err="1">
+                <a:latin typeface="Roboto Light" panose="02000000000000000000" pitchFamily="2" charset="0"/>
+                <a:ea typeface="Roboto Light" panose="02000000000000000000" pitchFamily="2" charset="0"/>
+              </a:rPr>
+              <a:t>Subject</a:t>
+            </a:r>
+            <a:r>
+              <a:rPr lang="de-AT" sz="1000" dirty="0">
+                <a:latin typeface="Roboto Light" panose="02000000000000000000" pitchFamily="2" charset="0"/>
+                <a:ea typeface="Roboto Light" panose="02000000000000000000" pitchFamily="2" charset="0"/>
+              </a:rPr>
+              <a:t> </a:t>
+            </a:r>
+            <a:r>
+              <a:rPr lang="de-AT" sz="1000" dirty="0" err="1">
+                <a:latin typeface="Roboto Light" panose="02000000000000000000" pitchFamily="2" charset="0"/>
+                <a:ea typeface="Roboto Light" panose="02000000000000000000" pitchFamily="2" charset="0"/>
+              </a:rPr>
+              <a:t>to</a:t>
+            </a:r>
+            <a:r>
+              <a:rPr lang="de-AT" sz="1000" dirty="0">
+                <a:latin typeface="Roboto Light" panose="02000000000000000000" pitchFamily="2" charset="0"/>
+                <a:ea typeface="Roboto Light" panose="02000000000000000000" pitchFamily="2" charset="0"/>
+              </a:rPr>
+              <a:t> </a:t>
+            </a:r>
+            <a:r>
+              <a:rPr lang="de-AT" sz="1000" dirty="0" err="1">
+                <a:latin typeface="Roboto Light" panose="02000000000000000000" pitchFamily="2" charset="0"/>
+                <a:ea typeface="Roboto Light" panose="02000000000000000000" pitchFamily="2" charset="0"/>
+              </a:rPr>
+              <a:t>change</a:t>
+            </a:r>
+            <a:r>
+              <a:rPr lang="de-AT" sz="1000" dirty="0">
+                <a:latin typeface="Roboto Light" panose="02000000000000000000" pitchFamily="2" charset="0"/>
+                <a:ea typeface="Roboto Light" panose="02000000000000000000" pitchFamily="2" charset="0"/>
+              </a:rPr>
+              <a:t> </a:t>
+            </a:r>
+            <a:r>
+              <a:rPr lang="de-AT" sz="1000" dirty="0" err="1">
+                <a:latin typeface="Roboto Light" panose="02000000000000000000" pitchFamily="2" charset="0"/>
+                <a:ea typeface="Roboto Light" panose="02000000000000000000" pitchFamily="2" charset="0"/>
+              </a:rPr>
+              <a:t>without</a:t>
+            </a:r>
+            <a:r>
+              <a:rPr lang="de-AT" sz="1000" dirty="0">
+                <a:latin typeface="Roboto Light" panose="02000000000000000000" pitchFamily="2" charset="0"/>
+                <a:ea typeface="Roboto Light" panose="02000000000000000000" pitchFamily="2" charset="0"/>
+              </a:rPr>
+              <a:t> </a:t>
+            </a:r>
+            <a:r>
+              <a:rPr lang="de-AT" sz="1000" dirty="0" err="1">
+                <a:latin typeface="Roboto Light" panose="02000000000000000000" pitchFamily="2" charset="0"/>
+                <a:ea typeface="Roboto Light" panose="02000000000000000000" pitchFamily="2" charset="0"/>
+              </a:rPr>
+              <a:t>prior</a:t>
+            </a:r>
+            <a:r>
+              <a:rPr lang="de-AT" sz="1000" dirty="0">
+                <a:latin typeface="Roboto Light" panose="02000000000000000000" pitchFamily="2" charset="0"/>
+                <a:ea typeface="Roboto Light" panose="02000000000000000000" pitchFamily="2" charset="0"/>
+              </a:rPr>
+              <a:t> </a:t>
+            </a:r>
+            <a:r>
+              <a:rPr lang="de-AT" sz="1000" dirty="0" err="1">
+                <a:latin typeface="Roboto Light" panose="02000000000000000000" pitchFamily="2" charset="0"/>
+                <a:ea typeface="Roboto Light" panose="02000000000000000000" pitchFamily="2" charset="0"/>
+              </a:rPr>
+              <a:t>notice</a:t>
+            </a:r>
+            <a:r>
+              <a:rPr lang="de-AT" sz="1000" dirty="0">
+                <a:latin typeface="Roboto Light" panose="02000000000000000000" pitchFamily="2" charset="0"/>
+                <a:ea typeface="Roboto Light" panose="02000000000000000000" pitchFamily="2" charset="0"/>
+              </a:rPr>
+              <a:t>.</a:t>
+            </a:r>
+          </a:p>
+        </p:txBody>
+      </p:sp>
+      <p:pic>
+        <p:nvPicPr>
+          <p:cNvPr id="12" name="Grafik 11">
+            <a:extLst>
+              <a:ext uri="{FF2B5EF4-FFF2-40B4-BE49-F238E27FC236}">
+                <a16:creationId xmlns:a16="http://schemas.microsoft.com/office/drawing/2014/main" id="{FC2DB18A-E7C4-4C87-AD60-A610D5E0A180}"/>
+              </a:ext>
+            </a:extLst>
+          </p:cNvPr>
+          <p:cNvPicPr>
+            <a:picLocks noChangeAspect="1"/>
+          </p:cNvPicPr>
+          <p:nvPr/>
+        </p:nvPicPr>
+        <p:blipFill rotWithShape="1">
+          <a:blip r:embed="rId2">
+            <a:extLst>
+              <a:ext uri="{28A0092B-C50C-407E-A947-70E740481C1C}">
+                <a14:useLocalDpi xmlns:a14="http://schemas.microsoft.com/office/drawing/2010/main" val="0"/>
+              </a:ext>
+            </a:extLst>
+          </a:blip>
+          <a:srcRect l="943" t="702" r="1217" b="897"/>
+          <a:stretch/>
+        </p:blipFill>
+        <p:spPr>
+          <a:xfrm>
+            <a:off x="6938797" y="1690689"/>
+            <a:ext cx="2439151" cy="4335504"/>
+          </a:xfrm>
+          <a:prstGeom prst="rect">
+            <a:avLst/>
+          </a:prstGeom>
+          <a:effectLst>
+            <a:outerShdw blurRad="127000" sx="102000" sy="102000" algn="ctr" rotWithShape="0">
+              <a:prstClr val="black">
+                <a:alpha val="10000"/>
+              </a:prstClr>
+            </a:outerShdw>
+          </a:effectLst>
+        </p:spPr>
+      </p:pic>
+      <p:pic>
+        <p:nvPicPr>
+          <p:cNvPr id="5" name="Grafik 4">
+            <a:extLst>
+              <a:ext uri="{FF2B5EF4-FFF2-40B4-BE49-F238E27FC236}">
+                <a16:creationId xmlns:a16="http://schemas.microsoft.com/office/drawing/2014/main" id="{F73D1ED2-459F-4873-B09E-616980BAD00B}"/>
+              </a:ext>
+            </a:extLst>
+          </p:cNvPr>
+          <p:cNvPicPr>
+            <a:picLocks noChangeAspect="1"/>
+          </p:cNvPicPr>
+          <p:nvPr/>
+        </p:nvPicPr>
+        <p:blipFill rotWithShape="1">
+          <a:blip r:embed="rId3">
+            <a:extLst>
+              <a:ext uri="{28A0092B-C50C-407E-A947-70E740481C1C}">
+                <a14:useLocalDpi xmlns:a14="http://schemas.microsoft.com/office/drawing/2010/main" val="0"/>
+              </a:ext>
+            </a:extLst>
+          </a:blip>
+          <a:srcRect l="1139" t="624" r="1414" b="975"/>
+          <a:stretch/>
+        </p:blipFill>
+        <p:spPr>
+          <a:xfrm>
+            <a:off x="2672930" y="1690689"/>
+            <a:ext cx="2431137" cy="4333468"/>
+          </a:xfrm>
+          <a:prstGeom prst="rect">
+            <a:avLst/>
+          </a:prstGeom>
+          <a:effectLst>
+            <a:outerShdw blurRad="127000" sx="102000" sy="102000" algn="ctr" rotWithShape="0">
+              <a:prstClr val="black">
+                <a:alpha val="10000"/>
+              </a:prstClr>
+            </a:outerShdw>
+          </a:effectLst>
+        </p:spPr>
+      </p:pic>
+    </p:spTree>
+    <p:extLst>
+      <p:ext uri="{BB962C8B-B14F-4D97-AF65-F5344CB8AC3E}">
+        <p14:creationId xmlns:p14="http://schemas.microsoft.com/office/powerpoint/2010/main" val="1218415181"/>
+      </p:ext>
+    </p:extLst>
+  </p:cSld>
+  <p:clrMapOvr>
+    <a:masterClrMapping/>
+  </p:clrMapOvr>
+</p:sld>
+</file>
+
+<file path=ppt/slides/slide12.xml><?xml version="1.0" encoding="utf-8"?>
 <p:sld xmlns:a="http://schemas.openxmlformats.org/drawingml/2006/main" xmlns:r="http://schemas.openxmlformats.org/officeDocument/2006/relationships" xmlns:p="http://schemas.openxmlformats.org/presentationml/2006/main">
   <p:cSld>
     <p:bg>
@@ -3618,21 +4186,8 @@
                   <a:schemeClr val="bg1"/>
                 </a:solidFill>
               </a:rPr>
-              <a:t> </a:t>
-            </a:r>
-            <a:r>
-              <a:rPr lang="de-AT" dirty="0" err="1">
-                <a:solidFill>
-                  <a:schemeClr val="bg1"/>
-                </a:solidFill>
-              </a:rPr>
-              <a:t>status</a:t>
-            </a:r>
-            <a:endParaRPr lang="de-AT" dirty="0">
-              <a:solidFill>
-                <a:schemeClr val="bg1"/>
-              </a:solidFill>
-            </a:endParaRPr>
+              <a:t> Status</a:t>
+            </a:r>
           </a:p>
         </p:txBody>
       </p:sp>
@@ -3742,6 +4297,13 @@
             <a:r>
               <a:rPr lang="de-AT" dirty="0" err="1"/>
               <a:t>steps</a:t>
+            </a:r>
+            <a:endParaRPr lang="de-AT" dirty="0"/>
+          </a:p>
+          <a:p>
+            <a:r>
+              <a:rPr lang="de-AT" dirty="0" err="1"/>
+              <a:t>Firebase</a:t>
             </a:r>
             <a:endParaRPr lang="de-AT" dirty="0"/>
           </a:p>
@@ -3775,7 +4337,7 @@
         </p:blipFill>
         <p:spPr>
           <a:xfrm>
-            <a:off x="1688791" y="1887845"/>
+            <a:off x="1688791" y="2175189"/>
             <a:ext cx="2054368" cy="3652209"/>
           </a:xfrm>
           <a:prstGeom prst="rect">
@@ -3803,7 +4365,7 @@
 </p:sld>
 </file>
 
-<file path=ppt/slides/slide11.xml><?xml version="1.0" encoding="utf-8"?>
+<file path=ppt/slides/slide13.xml><?xml version="1.0" encoding="utf-8"?>
 <p:sld xmlns:a="http://schemas.openxmlformats.org/drawingml/2006/main" xmlns:r="http://schemas.openxmlformats.org/officeDocument/2006/relationships" xmlns:p="http://schemas.openxmlformats.org/presentationml/2006/main">
   <p:cSld>
     <p:spTree>
@@ -4170,7 +4732,7 @@
           <a:bodyPr/>
           <a:lstStyle/>
           <a:p>
-            <a:endParaRPr lang="de-AT"/>
+            <a:endParaRPr lang="de-AT" dirty="0"/>
           </a:p>
         </p:txBody>
       </p:sp>
@@ -4498,7 +5060,7 @@
           <a:p>
             <a:r>
               <a:rPr lang="de-AT" dirty="0"/>
-              <a:t>See </a:t>
+              <a:t>Display </a:t>
             </a:r>
             <a:r>
               <a:rPr lang="de-AT" dirty="0" err="1"/>
@@ -4955,7 +5517,7 @@
           <p:cNvPr id="2" name="Titel 1">
             <a:extLst>
               <a:ext uri="{FF2B5EF4-FFF2-40B4-BE49-F238E27FC236}">
-                <a16:creationId xmlns:a16="http://schemas.microsoft.com/office/drawing/2014/main" id="{C14847C9-F8CC-4206-B212-F0A6205771CA}"/>
+                <a16:creationId xmlns:a16="http://schemas.microsoft.com/office/drawing/2014/main" id="{EFF99189-EC9F-42B4-8C3A-2E2B6784768E}"/>
               </a:ext>
             </a:extLst>
           </p:cNvPr>
@@ -4972,262 +5534,68 @@
           <a:lstStyle/>
           <a:p>
             <a:r>
+              <a:rPr lang="de-AT" dirty="0"/>
+              <a:t>Technical </a:t>
+            </a:r>
+            <a:r>
               <a:rPr lang="de-AT" dirty="0" err="1"/>
-              <a:t>Planned</a:t>
+              <a:t>Stuff</a:t>
+            </a:r>
+            <a:endParaRPr lang="de-AT" dirty="0"/>
+          </a:p>
+        </p:txBody>
+      </p:sp>
+      <p:sp>
+        <p:nvSpPr>
+          <p:cNvPr id="3" name="Inhaltsplatzhalter 2">
+            <a:extLst>
+              <a:ext uri="{FF2B5EF4-FFF2-40B4-BE49-F238E27FC236}">
+                <a16:creationId xmlns:a16="http://schemas.microsoft.com/office/drawing/2014/main" id="{0B16AF84-EE35-48A4-B0E5-673928F706A7}"/>
+              </a:ext>
+            </a:extLst>
+          </p:cNvPr>
+          <p:cNvSpPr>
+            <a:spLocks noGrp="1"/>
+          </p:cNvSpPr>
+          <p:nvPr>
+            <p:ph idx="1"/>
+          </p:nvPr>
+        </p:nvSpPr>
+        <p:spPr/>
+        <p:txBody>
+          <a:bodyPr/>
+          <a:lstStyle/>
+          <a:p>
+            <a:r>
+              <a:rPr lang="de-AT" dirty="0" err="1"/>
+              <a:t>Shared</a:t>
             </a:r>
             <a:r>
               <a:rPr lang="de-AT" dirty="0"/>
-              <a:t> Design</a:t>
-            </a:r>
-          </a:p>
-        </p:txBody>
-      </p:sp>
-      <p:sp>
-        <p:nvSpPr>
-          <p:cNvPr id="4" name="Textfeld 3">
-            <a:extLst>
-              <a:ext uri="{FF2B5EF4-FFF2-40B4-BE49-F238E27FC236}">
-                <a16:creationId xmlns:a16="http://schemas.microsoft.com/office/drawing/2014/main" id="{FC8CF503-84BE-4DAB-9E09-B984A6B08EEA}"/>
-              </a:ext>
-            </a:extLst>
-          </p:cNvPr>
-          <p:cNvSpPr txBox="1"/>
-          <p:nvPr/>
-        </p:nvSpPr>
-        <p:spPr>
-          <a:xfrm>
-            <a:off x="838200" y="6445584"/>
-            <a:ext cx="10515600" cy="246221"/>
-          </a:xfrm>
-          <a:prstGeom prst="rect">
-            <a:avLst/>
-          </a:prstGeom>
-          <a:noFill/>
-        </p:spPr>
-        <p:txBody>
-          <a:bodyPr wrap="square" rtlCol="0">
-            <a:spAutoFit/>
-          </a:bodyPr>
-          <a:lstStyle/>
-          <a:p>
-            <a:pPr algn="ctr"/>
-            <a:r>
-              <a:rPr lang="de-AT" sz="1000" dirty="0" err="1">
-                <a:latin typeface="Roboto Light" panose="02000000000000000000" pitchFamily="2" charset="0"/>
-                <a:ea typeface="Roboto Light" panose="02000000000000000000" pitchFamily="2" charset="0"/>
-              </a:rPr>
-              <a:t>Subject</a:t>
-            </a:r>
-            <a:r>
-              <a:rPr lang="de-AT" sz="1000" dirty="0">
-                <a:latin typeface="Roboto Light" panose="02000000000000000000" pitchFamily="2" charset="0"/>
-                <a:ea typeface="Roboto Light" panose="02000000000000000000" pitchFamily="2" charset="0"/>
-              </a:rPr>
               <a:t> </a:t>
             </a:r>
             <a:r>
-              <a:rPr lang="de-AT" sz="1000" dirty="0" err="1">
-                <a:latin typeface="Roboto Light" panose="02000000000000000000" pitchFamily="2" charset="0"/>
-                <a:ea typeface="Roboto Light" panose="02000000000000000000" pitchFamily="2" charset="0"/>
-              </a:rPr>
-              <a:t>to</a:t>
-            </a:r>
-            <a:r>
-              <a:rPr lang="de-AT" sz="1000" dirty="0">
-                <a:latin typeface="Roboto Light" panose="02000000000000000000" pitchFamily="2" charset="0"/>
-                <a:ea typeface="Roboto Light" panose="02000000000000000000" pitchFamily="2" charset="0"/>
-              </a:rPr>
-              <a:t> </a:t>
-            </a:r>
-            <a:r>
-              <a:rPr lang="de-AT" sz="1000" dirty="0" err="1">
-                <a:latin typeface="Roboto Light" panose="02000000000000000000" pitchFamily="2" charset="0"/>
-                <a:ea typeface="Roboto Light" panose="02000000000000000000" pitchFamily="2" charset="0"/>
-              </a:rPr>
-              <a:t>change</a:t>
-            </a:r>
-            <a:r>
-              <a:rPr lang="de-AT" sz="1000" dirty="0">
-                <a:latin typeface="Roboto Light" panose="02000000000000000000" pitchFamily="2" charset="0"/>
-                <a:ea typeface="Roboto Light" panose="02000000000000000000" pitchFamily="2" charset="0"/>
-              </a:rPr>
-              <a:t> </a:t>
-            </a:r>
-            <a:r>
-              <a:rPr lang="de-AT" sz="1000" dirty="0" err="1">
-                <a:latin typeface="Roboto Light" panose="02000000000000000000" pitchFamily="2" charset="0"/>
-                <a:ea typeface="Roboto Light" panose="02000000000000000000" pitchFamily="2" charset="0"/>
-              </a:rPr>
-              <a:t>without</a:t>
-            </a:r>
-            <a:r>
-              <a:rPr lang="de-AT" sz="1000" dirty="0">
-                <a:latin typeface="Roboto Light" panose="02000000000000000000" pitchFamily="2" charset="0"/>
-                <a:ea typeface="Roboto Light" panose="02000000000000000000" pitchFamily="2" charset="0"/>
-              </a:rPr>
-              <a:t> </a:t>
-            </a:r>
-            <a:r>
-              <a:rPr lang="de-AT" sz="1000" dirty="0" err="1">
-                <a:latin typeface="Roboto Light" panose="02000000000000000000" pitchFamily="2" charset="0"/>
-                <a:ea typeface="Roboto Light" panose="02000000000000000000" pitchFamily="2" charset="0"/>
-              </a:rPr>
-              <a:t>prior</a:t>
-            </a:r>
-            <a:r>
-              <a:rPr lang="de-AT" sz="1000" dirty="0">
-                <a:latin typeface="Roboto Light" panose="02000000000000000000" pitchFamily="2" charset="0"/>
-                <a:ea typeface="Roboto Light" panose="02000000000000000000" pitchFamily="2" charset="0"/>
-              </a:rPr>
-              <a:t> </a:t>
-            </a:r>
-            <a:r>
-              <a:rPr lang="de-AT" sz="1000" dirty="0" err="1">
-                <a:latin typeface="Roboto Light" panose="02000000000000000000" pitchFamily="2" charset="0"/>
-                <a:ea typeface="Roboto Light" panose="02000000000000000000" pitchFamily="2" charset="0"/>
-              </a:rPr>
-              <a:t>notice</a:t>
-            </a:r>
-            <a:r>
-              <a:rPr lang="de-AT" sz="1000" dirty="0">
-                <a:latin typeface="Roboto Light" panose="02000000000000000000" pitchFamily="2" charset="0"/>
-                <a:ea typeface="Roboto Light" panose="02000000000000000000" pitchFamily="2" charset="0"/>
-              </a:rPr>
-              <a:t>.</a:t>
-            </a:r>
-          </a:p>
-        </p:txBody>
-      </p:sp>
-      <p:pic>
-        <p:nvPicPr>
-          <p:cNvPr id="6" name="Grafik 5">
-            <a:extLst>
-              <a:ext uri="{FF2B5EF4-FFF2-40B4-BE49-F238E27FC236}">
-                <a16:creationId xmlns:a16="http://schemas.microsoft.com/office/drawing/2014/main" id="{5718301A-01DA-42EE-AE6B-1521FED9E218}"/>
-              </a:ext>
-            </a:extLst>
-          </p:cNvPr>
-          <p:cNvPicPr>
-            <a:picLocks noChangeAspect="1"/>
-          </p:cNvPicPr>
-          <p:nvPr/>
-        </p:nvPicPr>
-        <p:blipFill rotWithShape="1">
-          <a:blip r:embed="rId2">
-            <a:extLst>
-              <a:ext uri="{28A0092B-C50C-407E-A947-70E740481C1C}">
-                <a14:useLocalDpi xmlns:a14="http://schemas.microsoft.com/office/drawing/2010/main" val="0"/>
-              </a:ext>
-            </a:extLst>
-          </a:blip>
-          <a:srcRect l="659" t="546" r="1349" b="1054"/>
-          <a:stretch/>
-        </p:blipFill>
-        <p:spPr>
-          <a:xfrm>
-            <a:off x="945147" y="1690688"/>
-            <a:ext cx="2435716" cy="4335504"/>
-          </a:xfrm>
-          <a:prstGeom prst="rect">
-            <a:avLst/>
-          </a:prstGeom>
-          <a:effectLst>
-            <a:outerShdw blurRad="127000" sx="102000" sy="102000" algn="ctr" rotWithShape="0">
-              <a:prstClr val="black">
-                <a:alpha val="10000"/>
-              </a:prstClr>
-            </a:outerShdw>
-          </a:effectLst>
-        </p:spPr>
-      </p:pic>
-      <p:pic>
-        <p:nvPicPr>
-          <p:cNvPr id="10" name="Grafik 9">
-            <a:extLst>
-              <a:ext uri="{FF2B5EF4-FFF2-40B4-BE49-F238E27FC236}">
-                <a16:creationId xmlns:a16="http://schemas.microsoft.com/office/drawing/2014/main" id="{2A4ECD4E-6BFD-42D1-B49D-581FE6564DAA}"/>
-              </a:ext>
-            </a:extLst>
-          </p:cNvPr>
-          <p:cNvPicPr>
-            <a:picLocks noChangeAspect="1"/>
-          </p:cNvPicPr>
-          <p:nvPr/>
-        </p:nvPicPr>
-        <p:blipFill rotWithShape="1">
-          <a:blip r:embed="rId3">
-            <a:extLst>
-              <a:ext uri="{28A0092B-C50C-407E-A947-70E740481C1C}">
-                <a14:useLocalDpi xmlns:a14="http://schemas.microsoft.com/office/drawing/2010/main" val="0"/>
-              </a:ext>
-            </a:extLst>
-          </a:blip>
-          <a:srcRect l="941" t="624" r="941" b="896"/>
-          <a:stretch/>
-        </p:blipFill>
-        <p:spPr>
-          <a:xfrm>
-            <a:off x="4873958" y="1690688"/>
-            <a:ext cx="2444084" cy="4335504"/>
-          </a:xfrm>
-          <a:prstGeom prst="rect">
-            <a:avLst/>
-          </a:prstGeom>
-          <a:effectLst>
-            <a:outerShdw blurRad="127000" sx="102000" sy="102000" algn="ctr" rotWithShape="0">
-              <a:prstClr val="black">
-                <a:alpha val="10000"/>
-              </a:prstClr>
-            </a:outerShdw>
-          </a:effectLst>
-        </p:spPr>
-      </p:pic>
-      <p:pic>
-        <p:nvPicPr>
-          <p:cNvPr id="14" name="Grafik 13">
-            <a:extLst>
-              <a:ext uri="{FF2B5EF4-FFF2-40B4-BE49-F238E27FC236}">
-                <a16:creationId xmlns:a16="http://schemas.microsoft.com/office/drawing/2014/main" id="{B87F5D50-FF93-4327-B2DF-18B69D151C4D}"/>
-              </a:ext>
-            </a:extLst>
-          </p:cNvPr>
-          <p:cNvPicPr>
-            <a:picLocks noChangeAspect="1"/>
-          </p:cNvPicPr>
-          <p:nvPr/>
-        </p:nvPicPr>
-        <p:blipFill rotWithShape="1">
-          <a:blip r:embed="rId4">
-            <a:extLst>
-              <a:ext uri="{28A0092B-C50C-407E-A947-70E740481C1C}">
-                <a14:useLocalDpi xmlns:a14="http://schemas.microsoft.com/office/drawing/2010/main" val="0"/>
-              </a:ext>
-            </a:extLst>
-          </a:blip>
-          <a:srcRect l="1189" t="546" r="1050" b="897"/>
-          <a:stretch/>
-        </p:blipFill>
-        <p:spPr>
-          <a:xfrm>
-            <a:off x="8921938" y="1690688"/>
-            <a:ext cx="2431862" cy="4335504"/>
-          </a:xfrm>
-          <a:prstGeom prst="rect">
-            <a:avLst/>
-          </a:prstGeom>
-          <a:effectLst>
-            <a:outerShdw blurRad="127000" sx="102000" sy="102000" algn="ctr" rotWithShape="0">
-              <a:prstClr val="black">
-                <a:alpha val="10000"/>
-              </a:prstClr>
-            </a:outerShdw>
-          </a:effectLst>
-        </p:spPr>
-      </p:pic>
+              <a:rPr lang="de-AT" dirty="0" err="1"/>
+              <a:t>Preferences</a:t>
+            </a:r>
+            <a:endParaRPr lang="de-AT" dirty="0"/>
+          </a:p>
+          <a:p>
+            <a:endParaRPr lang="de-AT" dirty="0"/>
+          </a:p>
+          <a:p>
+            <a:r>
+              <a:rPr lang="de-AT" dirty="0" err="1"/>
+              <a:t>Firebase</a:t>
+            </a:r>
+            <a:endParaRPr lang="de-AT" dirty="0"/>
+          </a:p>
+        </p:txBody>
+      </p:sp>
     </p:spTree>
     <p:extLst>
       <p:ext uri="{BB962C8B-B14F-4D97-AF65-F5344CB8AC3E}">
-        <p14:creationId xmlns:p14="http://schemas.microsoft.com/office/powerpoint/2010/main" val="663719567"/>
+        <p14:creationId xmlns:p14="http://schemas.microsoft.com/office/powerpoint/2010/main" val="890219084"/>
       </p:ext>
     </p:extLst>
   </p:cSld>
@@ -5259,7 +5627,7 @@
           <p:cNvPr id="2" name="Titel 1">
             <a:extLst>
               <a:ext uri="{FF2B5EF4-FFF2-40B4-BE49-F238E27FC236}">
-                <a16:creationId xmlns:a16="http://schemas.microsoft.com/office/drawing/2014/main" id="{C14847C9-F8CC-4206-B212-F0A6205771CA}"/>
+                <a16:creationId xmlns:a16="http://schemas.microsoft.com/office/drawing/2014/main" id="{3302CAE4-6E84-43CD-BF4B-6E7E36799787}"/>
               </a:ext>
             </a:extLst>
           </p:cNvPr>
@@ -5276,220 +5644,88 @@
           <a:lstStyle/>
           <a:p>
             <a:r>
+              <a:rPr lang="de-AT" dirty="0"/>
+              <a:t>Database</a:t>
+            </a:r>
+          </a:p>
+        </p:txBody>
+      </p:sp>
+      <p:sp>
+        <p:nvSpPr>
+          <p:cNvPr id="3" name="Inhaltsplatzhalter 2">
+            <a:extLst>
+              <a:ext uri="{FF2B5EF4-FFF2-40B4-BE49-F238E27FC236}">
+                <a16:creationId xmlns:a16="http://schemas.microsoft.com/office/drawing/2014/main" id="{4D107A3C-3D41-4573-B665-6FF7AA8E0DD5}"/>
+              </a:ext>
+            </a:extLst>
+          </p:cNvPr>
+          <p:cNvSpPr>
+            <a:spLocks noGrp="1"/>
+          </p:cNvSpPr>
+          <p:nvPr>
+            <p:ph idx="1"/>
+          </p:nvPr>
+        </p:nvSpPr>
+        <p:spPr/>
+        <p:txBody>
+          <a:bodyPr/>
+          <a:lstStyle/>
+          <a:p>
+            <a:r>
               <a:rPr lang="de-AT" dirty="0" err="1"/>
-              <a:t>Planned</a:t>
+              <a:t>Firebase</a:t>
+            </a:r>
+            <a:endParaRPr lang="de-AT" dirty="0"/>
+          </a:p>
+          <a:p>
+            <a:endParaRPr lang="de-AT" dirty="0"/>
+          </a:p>
+          <a:p>
+            <a:r>
+              <a:rPr lang="de-AT" dirty="0" err="1"/>
+              <a:t>For</a:t>
             </a:r>
             <a:r>
               <a:rPr lang="de-AT" dirty="0"/>
-              <a:t> Design</a:t>
-            </a:r>
-          </a:p>
-        </p:txBody>
-      </p:sp>
-      <p:sp>
-        <p:nvSpPr>
-          <p:cNvPr id="4" name="Textfeld 3">
-            <a:extLst>
-              <a:ext uri="{FF2B5EF4-FFF2-40B4-BE49-F238E27FC236}">
-                <a16:creationId xmlns:a16="http://schemas.microsoft.com/office/drawing/2014/main" id="{FC8CF503-84BE-4DAB-9E09-B984A6B08EEA}"/>
-              </a:ext>
-            </a:extLst>
-          </p:cNvPr>
-          <p:cNvSpPr txBox="1"/>
-          <p:nvPr/>
-        </p:nvSpPr>
-        <p:spPr>
-          <a:xfrm>
-            <a:off x="838200" y="6445584"/>
-            <a:ext cx="10515600" cy="246221"/>
-          </a:xfrm>
-          <a:prstGeom prst="rect">
-            <a:avLst/>
-          </a:prstGeom>
-          <a:noFill/>
-        </p:spPr>
-        <p:txBody>
-          <a:bodyPr wrap="square" rtlCol="0">
-            <a:spAutoFit/>
-          </a:bodyPr>
-          <a:lstStyle/>
-          <a:p>
-            <a:pPr algn="ctr"/>
-            <a:r>
-              <a:rPr lang="de-AT" sz="1000" dirty="0" err="1">
-                <a:latin typeface="Roboto Light" panose="02000000000000000000" pitchFamily="2" charset="0"/>
-                <a:ea typeface="Roboto Light" panose="02000000000000000000" pitchFamily="2" charset="0"/>
-              </a:rPr>
-              <a:t>Subject</a:t>
-            </a:r>
-            <a:r>
-              <a:rPr lang="de-AT" sz="1000" dirty="0">
-                <a:latin typeface="Roboto Light" panose="02000000000000000000" pitchFamily="2" charset="0"/>
-                <a:ea typeface="Roboto Light" panose="02000000000000000000" pitchFamily="2" charset="0"/>
-              </a:rPr>
+              <a:t> Training Units</a:t>
+            </a:r>
+          </a:p>
+          <a:p>
+            <a:endParaRPr lang="de-AT" dirty="0"/>
+          </a:p>
+          <a:p>
+            <a:r>
+              <a:rPr lang="de-AT" dirty="0"/>
+              <a:t>Training IDs </a:t>
+            </a:r>
+            <a:r>
+              <a:rPr lang="de-AT" dirty="0" err="1"/>
+              <a:t>are</a:t>
+            </a:r>
+            <a:r>
+              <a:rPr lang="de-AT" dirty="0"/>
               <a:t> </a:t>
             </a:r>
             <a:r>
-              <a:rPr lang="de-AT" sz="1000" dirty="0" err="1">
-                <a:latin typeface="Roboto Light" panose="02000000000000000000" pitchFamily="2" charset="0"/>
-                <a:ea typeface="Roboto Light" panose="02000000000000000000" pitchFamily="2" charset="0"/>
-              </a:rPr>
-              <a:t>to</a:t>
-            </a:r>
-            <a:r>
-              <a:rPr lang="de-AT" sz="1000" dirty="0">
-                <a:latin typeface="Roboto Light" panose="02000000000000000000" pitchFamily="2" charset="0"/>
-                <a:ea typeface="Roboto Light" panose="02000000000000000000" pitchFamily="2" charset="0"/>
-              </a:rPr>
+              <a:rPr lang="de-AT" dirty="0" err="1"/>
+              <a:t>saved</a:t>
+            </a:r>
+            <a:r>
+              <a:rPr lang="de-AT" dirty="0"/>
               <a:t> </a:t>
             </a:r>
             <a:r>
-              <a:rPr lang="de-AT" sz="1000" dirty="0" err="1">
-                <a:latin typeface="Roboto Light" panose="02000000000000000000" pitchFamily="2" charset="0"/>
-                <a:ea typeface="Roboto Light" panose="02000000000000000000" pitchFamily="2" charset="0"/>
-              </a:rPr>
-              <a:t>change</a:t>
-            </a:r>
-            <a:r>
-              <a:rPr lang="de-AT" sz="1000" dirty="0">
-                <a:latin typeface="Roboto Light" panose="02000000000000000000" pitchFamily="2" charset="0"/>
-                <a:ea typeface="Roboto Light" panose="02000000000000000000" pitchFamily="2" charset="0"/>
-              </a:rPr>
-              <a:t> </a:t>
-            </a:r>
-            <a:r>
-              <a:rPr lang="de-AT" sz="1000" dirty="0" err="1">
-                <a:latin typeface="Roboto Light" panose="02000000000000000000" pitchFamily="2" charset="0"/>
-                <a:ea typeface="Roboto Light" panose="02000000000000000000" pitchFamily="2" charset="0"/>
-              </a:rPr>
-              <a:t>without</a:t>
-            </a:r>
-            <a:r>
-              <a:rPr lang="de-AT" sz="1000" dirty="0">
-                <a:latin typeface="Roboto Light" panose="02000000000000000000" pitchFamily="2" charset="0"/>
-                <a:ea typeface="Roboto Light" panose="02000000000000000000" pitchFamily="2" charset="0"/>
-              </a:rPr>
-              <a:t> </a:t>
-            </a:r>
-            <a:r>
-              <a:rPr lang="de-AT" sz="1000" dirty="0" err="1">
-                <a:latin typeface="Roboto Light" panose="02000000000000000000" pitchFamily="2" charset="0"/>
-                <a:ea typeface="Roboto Light" panose="02000000000000000000" pitchFamily="2" charset="0"/>
-              </a:rPr>
-              <a:t>prior</a:t>
-            </a:r>
-            <a:r>
-              <a:rPr lang="de-AT" sz="1000" dirty="0">
-                <a:latin typeface="Roboto Light" panose="02000000000000000000" pitchFamily="2" charset="0"/>
-                <a:ea typeface="Roboto Light" panose="02000000000000000000" pitchFamily="2" charset="0"/>
-              </a:rPr>
-              <a:t> </a:t>
-            </a:r>
-            <a:r>
-              <a:rPr lang="de-AT" sz="1000" dirty="0" err="1">
-                <a:latin typeface="Roboto Light" panose="02000000000000000000" pitchFamily="2" charset="0"/>
-                <a:ea typeface="Roboto Light" panose="02000000000000000000" pitchFamily="2" charset="0"/>
-              </a:rPr>
-              <a:t>notice</a:t>
-            </a:r>
-            <a:r>
-              <a:rPr lang="de-AT" sz="1000" dirty="0">
-                <a:latin typeface="Roboto Light" panose="02000000000000000000" pitchFamily="2" charset="0"/>
-                <a:ea typeface="Roboto Light" panose="02000000000000000000" pitchFamily="2" charset="0"/>
-              </a:rPr>
-              <a:t>.</a:t>
-            </a:r>
-          </a:p>
-        </p:txBody>
-      </p:sp>
-      <p:pic>
-        <p:nvPicPr>
-          <p:cNvPr id="12" name="Grafik 11">
-            <a:extLst>
-              <a:ext uri="{FF2B5EF4-FFF2-40B4-BE49-F238E27FC236}">
-                <a16:creationId xmlns:a16="http://schemas.microsoft.com/office/drawing/2014/main" id="{FC2DB18A-E7C4-4C87-AD60-A610D5E0A180}"/>
-              </a:ext>
-            </a:extLst>
-          </p:cNvPr>
-          <p:cNvPicPr>
-            <a:picLocks noChangeAspect="1"/>
-          </p:cNvPicPr>
-          <p:nvPr/>
-        </p:nvPicPr>
-        <p:blipFill rotWithShape="1">
-          <a:blip r:embed="rId2">
-            <a:extLst>
-              <a:ext uri="{28A0092B-C50C-407E-A947-70E740481C1C}">
-                <a14:useLocalDpi xmlns:a14="http://schemas.microsoft.com/office/drawing/2010/main" val="0"/>
-              </a:ext>
-            </a:extLst>
-          </a:blip>
-          <a:srcRect l="943" t="702" r="1217" b="897"/>
-          <a:stretch/>
-        </p:blipFill>
-        <p:spPr>
-          <a:xfrm>
-            <a:off x="6938797" y="1690689"/>
-            <a:ext cx="2439151" cy="4335504"/>
-          </a:xfrm>
-          <a:prstGeom prst="rect">
-            <a:avLst/>
-          </a:prstGeom>
-          <a:effectLst>
-            <a:outerShdw blurRad="127000" sx="102000" sy="102000" algn="ctr" rotWithShape="0">
-              <a:prstClr val="black">
-                <a:alpha val="10000"/>
-              </a:prstClr>
-            </a:outerShdw>
-          </a:effectLst>
-        </p:spPr>
-      </p:pic>
-      <p:pic>
-        <p:nvPicPr>
-          <p:cNvPr id="5" name="Grafik 4">
-            <a:extLst>
-              <a:ext uri="{FF2B5EF4-FFF2-40B4-BE49-F238E27FC236}">
-                <a16:creationId xmlns:a16="http://schemas.microsoft.com/office/drawing/2014/main" id="{F73D1ED2-459F-4873-B09E-616980BAD00B}"/>
-              </a:ext>
-            </a:extLst>
-          </p:cNvPr>
-          <p:cNvPicPr>
-            <a:picLocks noChangeAspect="1"/>
-          </p:cNvPicPr>
-          <p:nvPr/>
-        </p:nvPicPr>
-        <p:blipFill rotWithShape="1">
-          <a:blip r:embed="rId3">
-            <a:extLst>
-              <a:ext uri="{28A0092B-C50C-407E-A947-70E740481C1C}">
-                <a14:useLocalDpi xmlns:a14="http://schemas.microsoft.com/office/drawing/2010/main" val="0"/>
-              </a:ext>
-            </a:extLst>
-          </a:blip>
-          <a:srcRect l="1139" t="624" r="1414" b="975"/>
-          <a:stretch/>
-        </p:blipFill>
-        <p:spPr>
-          <a:xfrm>
-            <a:off x="2672930" y="1690689"/>
-            <a:ext cx="2431137" cy="4333468"/>
-          </a:xfrm>
-          <a:prstGeom prst="rect">
-            <a:avLst/>
-          </a:prstGeom>
-          <a:effectLst>
-            <a:outerShdw blurRad="127000" sx="102000" sy="102000" algn="ctr" rotWithShape="0">
-              <a:prstClr val="black">
-                <a:alpha val="10000"/>
-              </a:prstClr>
-            </a:outerShdw>
-          </a:effectLst>
-        </p:spPr>
-      </p:pic>
+              <a:rPr lang="de-AT" dirty="0" err="1"/>
+              <a:t>locally</a:t>
+            </a:r>
+            <a:endParaRPr lang="de-AT" dirty="0"/>
+          </a:p>
+        </p:txBody>
+      </p:sp>
     </p:spTree>
     <p:extLst>
       <p:ext uri="{BB962C8B-B14F-4D97-AF65-F5344CB8AC3E}">
-        <p14:creationId xmlns:p14="http://schemas.microsoft.com/office/powerpoint/2010/main" val="1218415181"/>
+        <p14:creationId xmlns:p14="http://schemas.microsoft.com/office/powerpoint/2010/main" val="2289617362"/>
       </p:ext>
     </p:extLst>
   </p:cSld>

--- a/Mountaineer.pptx
+++ b/Mountaineer.pptx
@@ -18,6 +18,8 @@
     <p:sldId id="264" r:id="rId12"/>
     <p:sldId id="265" r:id="rId13"/>
     <p:sldId id="266" r:id="rId14"/>
+    <p:sldId id="269" r:id="rId15"/>
+    <p:sldId id="270" r:id="rId16"/>
   </p:sldIdLst>
   <p:sldSz cx="12192000" cy="6858000"/>
   <p:notesSz cx="6858000" cy="9144000"/>
@@ -295,7 +297,7 @@
           <a:p>
             <a:fld id="{ACE3B52F-493B-4126-A797-2AC36596430B}" type="datetimeFigureOut">
               <a:rPr lang="de-AT" smtClean="0"/>
-              <a:t>17.11.2017</a:t>
+              <a:t>20.11.2017</a:t>
             </a:fld>
             <a:endParaRPr lang="de-AT"/>
           </a:p>
@@ -495,7 +497,7 @@
           <a:p>
             <a:fld id="{ACE3B52F-493B-4126-A797-2AC36596430B}" type="datetimeFigureOut">
               <a:rPr lang="de-AT" smtClean="0"/>
-              <a:t>17.11.2017</a:t>
+              <a:t>20.11.2017</a:t>
             </a:fld>
             <a:endParaRPr lang="de-AT"/>
           </a:p>
@@ -705,7 +707,7 @@
           <a:p>
             <a:fld id="{ACE3B52F-493B-4126-A797-2AC36596430B}" type="datetimeFigureOut">
               <a:rPr lang="de-AT" smtClean="0"/>
-              <a:t>17.11.2017</a:t>
+              <a:t>20.11.2017</a:t>
             </a:fld>
             <a:endParaRPr lang="de-AT"/>
           </a:p>
@@ -946,7 +948,7 @@
           <a:p>
             <a:fld id="{ACE3B52F-493B-4126-A797-2AC36596430B}" type="datetimeFigureOut">
               <a:rPr lang="de-AT" smtClean="0"/>
-              <a:t>17.11.2017</a:t>
+              <a:t>20.11.2017</a:t>
             </a:fld>
             <a:endParaRPr lang="de-AT"/>
           </a:p>
@@ -1222,7 +1224,7 @@
           <a:p>
             <a:fld id="{ACE3B52F-493B-4126-A797-2AC36596430B}" type="datetimeFigureOut">
               <a:rPr lang="de-AT" smtClean="0"/>
-              <a:t>17.11.2017</a:t>
+              <a:t>20.11.2017</a:t>
             </a:fld>
             <a:endParaRPr lang="de-AT"/>
           </a:p>
@@ -1490,7 +1492,7 @@
           <a:p>
             <a:fld id="{ACE3B52F-493B-4126-A797-2AC36596430B}" type="datetimeFigureOut">
               <a:rPr lang="de-AT" smtClean="0"/>
-              <a:t>17.11.2017</a:t>
+              <a:t>20.11.2017</a:t>
             </a:fld>
             <a:endParaRPr lang="de-AT"/>
           </a:p>
@@ -1905,7 +1907,7 @@
           <a:p>
             <a:fld id="{ACE3B52F-493B-4126-A797-2AC36596430B}" type="datetimeFigureOut">
               <a:rPr lang="de-AT" smtClean="0"/>
-              <a:t>17.11.2017</a:t>
+              <a:t>20.11.2017</a:t>
             </a:fld>
             <a:endParaRPr lang="de-AT"/>
           </a:p>
@@ -2047,7 +2049,7 @@
           <a:p>
             <a:fld id="{ACE3B52F-493B-4126-A797-2AC36596430B}" type="datetimeFigureOut">
               <a:rPr lang="de-AT" smtClean="0"/>
-              <a:t>17.11.2017</a:t>
+              <a:t>20.11.2017</a:t>
             </a:fld>
             <a:endParaRPr lang="de-AT"/>
           </a:p>
@@ -2160,7 +2162,7 @@
           <a:p>
             <a:fld id="{ACE3B52F-493B-4126-A797-2AC36596430B}" type="datetimeFigureOut">
               <a:rPr lang="de-AT" smtClean="0"/>
-              <a:t>17.11.2017</a:t>
+              <a:t>20.11.2017</a:t>
             </a:fld>
             <a:endParaRPr lang="de-AT"/>
           </a:p>
@@ -2473,7 +2475,7 @@
           <a:p>
             <a:fld id="{ACE3B52F-493B-4126-A797-2AC36596430B}" type="datetimeFigureOut">
               <a:rPr lang="de-AT" smtClean="0"/>
-              <a:t>17.11.2017</a:t>
+              <a:t>20.11.2017</a:t>
             </a:fld>
             <a:endParaRPr lang="de-AT"/>
           </a:p>
@@ -2762,7 +2764,7 @@
           <a:p>
             <a:fld id="{ACE3B52F-493B-4126-A797-2AC36596430B}" type="datetimeFigureOut">
               <a:rPr lang="de-AT" smtClean="0"/>
-              <a:t>17.11.2017</a:t>
+              <a:t>20.11.2017</a:t>
             </a:fld>
             <a:endParaRPr lang="de-AT"/>
           </a:p>
@@ -3005,7 +3007,7 @@
           <a:p>
             <a:fld id="{ACE3B52F-493B-4126-A797-2AC36596430B}" type="datetimeFigureOut">
               <a:rPr lang="de-AT" smtClean="0"/>
-              <a:t>17.11.2017</a:t>
+              <a:t>20.11.2017</a:t>
             </a:fld>
             <a:endParaRPr lang="de-AT"/>
           </a:p>
@@ -4186,7 +4188,7 @@
                   <a:schemeClr val="bg1"/>
                 </a:solidFill>
               </a:rPr>
-              <a:t> Status</a:t>
+              <a:t> Status: Pedometer</a:t>
             </a:r>
           </a:p>
         </p:txBody>
@@ -4210,21 +4212,113 @@
         <p:spPr>
           <a:xfrm>
             <a:off x="4555958" y="1825625"/>
-            <a:ext cx="6797842" cy="4351338"/>
+            <a:ext cx="6797842" cy="4533611"/>
           </a:xfrm>
         </p:spPr>
         <p:txBody>
-          <a:bodyPr/>
-          <a:lstStyle/>
-          <a:p>
-            <a:r>
-              <a:rPr lang="de-AT" dirty="0"/>
-              <a:t>Pedometer</a:t>
+          <a:bodyPr>
+            <a:normAutofit/>
+          </a:bodyPr>
+          <a:lstStyle/>
+          <a:p>
+            <a:r>
+              <a:rPr lang="de-AT" dirty="0"/>
+              <a:t>Simulation + Live-View</a:t>
+            </a:r>
+          </a:p>
+          <a:p>
+            <a:r>
+              <a:rPr lang="de-AT" dirty="0"/>
+              <a:t>Graph</a:t>
             </a:r>
           </a:p>
           <a:p>
             <a:pPr lvl="1"/>
             <a:r>
+              <a:rPr lang="de-AT" dirty="0" err="1"/>
+              <a:t>Used</a:t>
+            </a:r>
+            <a:r>
+              <a:rPr lang="de-AT" dirty="0"/>
+              <a:t> </a:t>
+            </a:r>
+            <a:r>
+              <a:rPr lang="de-AT" dirty="0" err="1"/>
+              <a:t>for</a:t>
+            </a:r>
+            <a:r>
+              <a:rPr lang="de-AT" dirty="0"/>
+              <a:t> </a:t>
+            </a:r>
+            <a:r>
+              <a:rPr lang="de-AT" dirty="0" err="1"/>
+              <a:t>debugging</a:t>
+            </a:r>
+            <a:r>
+              <a:rPr lang="de-AT" dirty="0"/>
+              <a:t> and </a:t>
+            </a:r>
+            <a:r>
+              <a:rPr lang="de-AT" dirty="0" err="1"/>
+              <a:t>testing</a:t>
+            </a:r>
+            <a:endParaRPr lang="de-AT" dirty="0"/>
+          </a:p>
+          <a:p>
+            <a:pPr lvl="1"/>
+            <a:r>
+              <a:rPr lang="de-AT" dirty="0" err="1"/>
+              <a:t>Measured</a:t>
+            </a:r>
+            <a:r>
+              <a:rPr lang="de-AT" dirty="0"/>
+              <a:t> </a:t>
+            </a:r>
+            <a:r>
+              <a:rPr lang="de-AT" dirty="0" err="1"/>
+              <a:t>values</a:t>
+            </a:r>
+            <a:endParaRPr lang="de-AT" dirty="0"/>
+          </a:p>
+          <a:p>
+            <a:pPr lvl="1"/>
+            <a:r>
+              <a:rPr lang="de-AT" dirty="0"/>
+              <a:t>Max + Min</a:t>
+            </a:r>
+          </a:p>
+          <a:p>
+            <a:pPr lvl="1"/>
+            <a:r>
+              <a:rPr lang="de-AT" dirty="0"/>
+              <a:t>Threshold</a:t>
+            </a:r>
+          </a:p>
+          <a:p>
+            <a:pPr lvl="1"/>
+            <a:r>
+              <a:rPr lang="de-AT" dirty="0" err="1"/>
+              <a:t>Detected</a:t>
+            </a:r>
+            <a:r>
+              <a:rPr lang="de-AT" dirty="0"/>
+              <a:t> </a:t>
+            </a:r>
+            <a:r>
+              <a:rPr lang="de-AT" dirty="0" err="1"/>
+              <a:t>steps</a:t>
+            </a:r>
+            <a:endParaRPr lang="de-AT" dirty="0"/>
+          </a:p>
+          <a:p>
+            <a:r>
+              <a:rPr lang="de-AT" dirty="0" err="1"/>
+              <a:t>Firebase</a:t>
+            </a:r>
+            <a:endParaRPr lang="de-AT" dirty="0"/>
+          </a:p>
+          <a:p>
+            <a:r>
               <a:rPr lang="de-AT" dirty="0"/>
               <a:t>Running </a:t>
             </a:r>
@@ -4239,71 +4333,6 @@
             <a:r>
               <a:rPr lang="de-AT" dirty="0" err="1"/>
               <a:t>service</a:t>
-            </a:r>
-            <a:endParaRPr lang="de-AT" dirty="0"/>
-          </a:p>
-          <a:p>
-            <a:r>
-              <a:rPr lang="de-AT" dirty="0"/>
-              <a:t>Simulation + Live-View</a:t>
-            </a:r>
-          </a:p>
-          <a:p>
-            <a:r>
-              <a:rPr lang="de-AT" dirty="0"/>
-              <a:t>Graph</a:t>
-            </a:r>
-          </a:p>
-          <a:p>
-            <a:pPr lvl="1"/>
-            <a:r>
-              <a:rPr lang="de-AT" dirty="0" err="1"/>
-              <a:t>Measured</a:t>
-            </a:r>
-            <a:r>
-              <a:rPr lang="de-AT" dirty="0"/>
-              <a:t> </a:t>
-            </a:r>
-            <a:r>
-              <a:rPr lang="de-AT" dirty="0" err="1"/>
-              <a:t>values</a:t>
-            </a:r>
-            <a:endParaRPr lang="de-AT" dirty="0"/>
-          </a:p>
-          <a:p>
-            <a:pPr lvl="1"/>
-            <a:r>
-              <a:rPr lang="de-AT" dirty="0"/>
-              <a:t>Max + Min</a:t>
-            </a:r>
-          </a:p>
-          <a:p>
-            <a:pPr lvl="1"/>
-            <a:r>
-              <a:rPr lang="de-AT" dirty="0"/>
-              <a:t>Threshold</a:t>
-            </a:r>
-          </a:p>
-          <a:p>
-            <a:pPr lvl="1"/>
-            <a:r>
-              <a:rPr lang="de-AT" dirty="0" err="1"/>
-              <a:t>Detected</a:t>
-            </a:r>
-            <a:r>
-              <a:rPr lang="de-AT" dirty="0"/>
-              <a:t> </a:t>
-            </a:r>
-            <a:r>
-              <a:rPr lang="de-AT" dirty="0" err="1"/>
-              <a:t>steps</a:t>
-            </a:r>
-            <a:endParaRPr lang="de-AT" dirty="0"/>
-          </a:p>
-          <a:p>
-            <a:r>
-              <a:rPr lang="de-AT" dirty="0" err="1"/>
-              <a:t>Firebase</a:t>
             </a:r>
             <a:endParaRPr lang="de-AT" dirty="0"/>
           </a:p>
@@ -4337,8 +4366,8 @@
         </p:blipFill>
         <p:spPr>
           <a:xfrm>
-            <a:off x="1688791" y="2175189"/>
-            <a:ext cx="2054368" cy="3652209"/>
+            <a:off x="931026" y="1690688"/>
+            <a:ext cx="2753944" cy="4895899"/>
           </a:xfrm>
           <a:prstGeom prst="rect">
             <a:avLst/>
@@ -4473,6 +4502,728 @@
 </p:sld>
 </file>
 
+<file path=ppt/slides/slide14.xml><?xml version="1.0" encoding="utf-8"?>
+<p:sld xmlns:a="http://schemas.openxmlformats.org/drawingml/2006/main" xmlns:r="http://schemas.openxmlformats.org/officeDocument/2006/relationships" xmlns:p="http://schemas.openxmlformats.org/presentationml/2006/main">
+  <p:cSld>
+    <p:bg>
+      <p:bgPr>
+        <a:solidFill>
+          <a:schemeClr val="tx1"/>
+        </a:solidFill>
+        <a:effectLst/>
+      </p:bgPr>
+    </p:bg>
+    <p:spTree>
+      <p:nvGrpSpPr>
+        <p:cNvPr id="1" name=""/>
+        <p:cNvGrpSpPr/>
+        <p:nvPr/>
+      </p:nvGrpSpPr>
+      <p:grpSpPr>
+        <a:xfrm>
+          <a:off x="0" y="0"/>
+          <a:ext cx="0" cy="0"/>
+          <a:chOff x="0" y="0"/>
+          <a:chExt cx="0" cy="0"/>
+        </a:xfrm>
+      </p:grpSpPr>
+      <p:sp>
+        <p:nvSpPr>
+          <p:cNvPr id="2" name="Titel 1">
+            <a:extLst>
+              <a:ext uri="{FF2B5EF4-FFF2-40B4-BE49-F238E27FC236}">
+                <a16:creationId xmlns:a16="http://schemas.microsoft.com/office/drawing/2014/main" id="{B03E46BC-433D-4554-A114-771734BC78BF}"/>
+              </a:ext>
+            </a:extLst>
+          </p:cNvPr>
+          <p:cNvSpPr>
+            <a:spLocks noGrp="1"/>
+          </p:cNvSpPr>
+          <p:nvPr>
+            <p:ph type="title"/>
+          </p:nvPr>
+        </p:nvSpPr>
+        <p:spPr/>
+        <p:txBody>
+          <a:bodyPr/>
+          <a:lstStyle/>
+          <a:p>
+            <a:endParaRPr lang="de-AT"/>
+          </a:p>
+        </p:txBody>
+      </p:sp>
+      <p:sp>
+        <p:nvSpPr>
+          <p:cNvPr id="3" name="Inhaltsplatzhalter 2">
+            <a:extLst>
+              <a:ext uri="{FF2B5EF4-FFF2-40B4-BE49-F238E27FC236}">
+                <a16:creationId xmlns:a16="http://schemas.microsoft.com/office/drawing/2014/main" id="{42C86442-B90F-4E45-B6D8-5A848B257EE4}"/>
+              </a:ext>
+            </a:extLst>
+          </p:cNvPr>
+          <p:cNvSpPr>
+            <a:spLocks noGrp="1"/>
+          </p:cNvSpPr>
+          <p:nvPr>
+            <p:ph idx="1"/>
+          </p:nvPr>
+        </p:nvSpPr>
+        <p:spPr/>
+        <p:txBody>
+          <a:bodyPr/>
+          <a:lstStyle/>
+          <a:p>
+            <a:endParaRPr lang="de-AT"/>
+          </a:p>
+        </p:txBody>
+      </p:sp>
+    </p:spTree>
+    <p:extLst>
+      <p:ext uri="{BB962C8B-B14F-4D97-AF65-F5344CB8AC3E}">
+        <p14:creationId xmlns:p14="http://schemas.microsoft.com/office/powerpoint/2010/main" val="2882696307"/>
+      </p:ext>
+    </p:extLst>
+  </p:cSld>
+  <p:clrMapOvr>
+    <a:masterClrMapping/>
+  </p:clrMapOvr>
+</p:sld>
+</file>
+
+<file path=ppt/slides/slide15.xml><?xml version="1.0" encoding="utf-8"?>
+<p:sld xmlns:a="http://schemas.openxmlformats.org/drawingml/2006/main" xmlns:r="http://schemas.openxmlformats.org/officeDocument/2006/relationships" xmlns:p="http://schemas.openxmlformats.org/presentationml/2006/main">
+  <p:cSld>
+    <p:spTree>
+      <p:nvGrpSpPr>
+        <p:cNvPr id="1" name=""/>
+        <p:cNvGrpSpPr/>
+        <p:nvPr/>
+      </p:nvGrpSpPr>
+      <p:grpSpPr>
+        <a:xfrm>
+          <a:off x="0" y="0"/>
+          <a:ext cx="0" cy="0"/>
+          <a:chOff x="0" y="0"/>
+          <a:chExt cx="0" cy="0"/>
+        </a:xfrm>
+      </p:grpSpPr>
+      <p:sp>
+        <p:nvSpPr>
+          <p:cNvPr id="2" name="Titel 1">
+            <a:extLst>
+              <a:ext uri="{FF2B5EF4-FFF2-40B4-BE49-F238E27FC236}">
+                <a16:creationId xmlns:a16="http://schemas.microsoft.com/office/drawing/2014/main" id="{33A90CFF-B333-4F3F-BBBF-6E073B86CF15}"/>
+              </a:ext>
+            </a:extLst>
+          </p:cNvPr>
+          <p:cNvSpPr>
+            <a:spLocks noGrp="1"/>
+          </p:cNvSpPr>
+          <p:nvPr>
+            <p:ph type="title"/>
+          </p:nvPr>
+        </p:nvSpPr>
+        <p:spPr>
+          <a:xfrm>
+            <a:off x="838199" y="438530"/>
+            <a:ext cx="11268103" cy="1252158"/>
+          </a:xfrm>
+        </p:spPr>
+        <p:txBody>
+          <a:bodyPr>
+            <a:normAutofit fontScale="90000"/>
+          </a:bodyPr>
+          <a:lstStyle/>
+          <a:p>
+            <a:r>
+              <a:rPr lang="de-AT" dirty="0"/>
+              <a:t>Pedometer</a:t>
+            </a:r>
+            <a:br>
+              <a:rPr lang="de-AT" dirty="0"/>
+            </a:br>
+            <a:r>
+              <a:rPr lang="de-AT" dirty="0"/>
+              <a:t>Chart Details</a:t>
+            </a:r>
+          </a:p>
+        </p:txBody>
+      </p:sp>
+      <p:sp>
+        <p:nvSpPr>
+          <p:cNvPr id="3" name="Inhaltsplatzhalter 2">
+            <a:extLst>
+              <a:ext uri="{FF2B5EF4-FFF2-40B4-BE49-F238E27FC236}">
+                <a16:creationId xmlns:a16="http://schemas.microsoft.com/office/drawing/2014/main" id="{7E675719-DA11-42EB-ABDF-2106D93BE6FF}"/>
+              </a:ext>
+            </a:extLst>
+          </p:cNvPr>
+          <p:cNvSpPr>
+            <a:spLocks noGrp="1"/>
+          </p:cNvSpPr>
+          <p:nvPr>
+            <p:ph idx="1"/>
+          </p:nvPr>
+        </p:nvSpPr>
+        <p:spPr>
+          <a:xfrm>
+            <a:off x="1578033" y="2066585"/>
+            <a:ext cx="2395452" cy="4110378"/>
+          </a:xfrm>
+        </p:spPr>
+        <p:txBody>
+          <a:bodyPr>
+            <a:normAutofit/>
+          </a:bodyPr>
+          <a:lstStyle/>
+          <a:p>
+            <a:pPr marL="0" indent="0">
+              <a:buNone/>
+            </a:pPr>
+            <a:r>
+              <a:rPr lang="de-AT" sz="2000" dirty="0" err="1"/>
+              <a:t>Measured</a:t>
+            </a:r>
+            <a:r>
+              <a:rPr lang="de-AT" sz="2000" dirty="0"/>
+              <a:t> </a:t>
+            </a:r>
+            <a:r>
+              <a:rPr lang="de-AT" sz="2000" dirty="0" err="1"/>
+              <a:t>values</a:t>
+            </a:r>
+            <a:endParaRPr lang="de-AT" sz="2000" dirty="0"/>
+          </a:p>
+          <a:p>
+            <a:pPr marL="0" indent="0">
+              <a:buNone/>
+            </a:pPr>
+            <a:endParaRPr lang="de-AT" sz="2000" dirty="0"/>
+          </a:p>
+          <a:p>
+            <a:pPr marL="0" indent="0">
+              <a:buNone/>
+            </a:pPr>
+            <a:r>
+              <a:rPr lang="de-AT" sz="2000" dirty="0"/>
+              <a:t>Max + Min</a:t>
+            </a:r>
+          </a:p>
+        </p:txBody>
+      </p:sp>
+      <p:pic>
+        <p:nvPicPr>
+          <p:cNvPr id="5" name="Grafik 4">
+            <a:extLst>
+              <a:ext uri="{FF2B5EF4-FFF2-40B4-BE49-F238E27FC236}">
+                <a16:creationId xmlns:a16="http://schemas.microsoft.com/office/drawing/2014/main" id="{56E974B5-7D23-4478-930D-A5458F96210D}"/>
+              </a:ext>
+            </a:extLst>
+          </p:cNvPr>
+          <p:cNvPicPr>
+            <a:picLocks noChangeAspect="1"/>
+          </p:cNvPicPr>
+          <p:nvPr/>
+        </p:nvPicPr>
+        <p:blipFill rotWithShape="1">
+          <a:blip r:embed="rId2">
+            <a:extLst>
+              <a:ext uri="{BEBA8EAE-BF5A-486C-A8C5-ECC9F3942E4B}">
+                <a14:imgProps xmlns:a14="http://schemas.microsoft.com/office/drawing/2010/main">
+                  <a14:imgLayer r:embed="rId3">
+                    <a14:imgEffect>
+                      <a14:saturation sat="400000"/>
+                    </a14:imgEffect>
+                  </a14:imgLayer>
+                </a14:imgProps>
+              </a:ext>
+              <a:ext uri="{28A0092B-C50C-407E-A947-70E740481C1C}">
+                <a14:useLocalDpi xmlns:a14="http://schemas.microsoft.com/office/drawing/2010/main" val="0"/>
+              </a:ext>
+            </a:extLst>
+          </a:blip>
+          <a:srcRect t="27533" b="7808"/>
+          <a:stretch/>
+        </p:blipFill>
+        <p:spPr>
+          <a:xfrm>
+            <a:off x="4125883" y="438530"/>
+            <a:ext cx="5339541" cy="6137809"/>
+          </a:xfrm>
+          <a:prstGeom prst="rect">
+            <a:avLst/>
+          </a:prstGeom>
+          <a:effectLst>
+            <a:outerShdw blurRad="127000" sx="102000" sy="102000" algn="ctr" rotWithShape="0">
+              <a:prstClr val="black">
+                <a:alpha val="23000"/>
+              </a:prstClr>
+            </a:outerShdw>
+          </a:effectLst>
+        </p:spPr>
+      </p:pic>
+      <p:cxnSp>
+        <p:nvCxnSpPr>
+          <p:cNvPr id="7" name="Gerade Verbindung mit Pfeil 6">
+            <a:extLst>
+              <a:ext uri="{FF2B5EF4-FFF2-40B4-BE49-F238E27FC236}">
+                <a16:creationId xmlns:a16="http://schemas.microsoft.com/office/drawing/2014/main" id="{5F8A1DA4-4206-4886-8BF0-A77651F9D862}"/>
+              </a:ext>
+            </a:extLst>
+          </p:cNvPr>
+          <p:cNvCxnSpPr>
+            <a:cxnSpLocks/>
+          </p:cNvCxnSpPr>
+          <p:nvPr/>
+        </p:nvCxnSpPr>
+        <p:spPr>
+          <a:xfrm>
+            <a:off x="3718557" y="2269364"/>
+            <a:ext cx="1418709" cy="323295"/>
+          </a:xfrm>
+          <a:prstGeom prst="straightConnector1">
+            <a:avLst/>
+          </a:prstGeom>
+          <a:ln w="28575">
+            <a:solidFill>
+              <a:schemeClr val="tx1"/>
+            </a:solidFill>
+            <a:tailEnd type="triangle"/>
+          </a:ln>
+        </p:spPr>
+        <p:style>
+          <a:lnRef idx="1">
+            <a:schemeClr val="accent1"/>
+          </a:lnRef>
+          <a:fillRef idx="0">
+            <a:schemeClr val="accent1"/>
+          </a:fillRef>
+          <a:effectRef idx="0">
+            <a:schemeClr val="accent1"/>
+          </a:effectRef>
+          <a:fontRef idx="minor">
+            <a:schemeClr val="tx1"/>
+          </a:fontRef>
+        </p:style>
+      </p:cxnSp>
+      <p:cxnSp>
+        <p:nvCxnSpPr>
+          <p:cNvPr id="9" name="Gerade Verbindung mit Pfeil 8">
+            <a:extLst>
+              <a:ext uri="{FF2B5EF4-FFF2-40B4-BE49-F238E27FC236}">
+                <a16:creationId xmlns:a16="http://schemas.microsoft.com/office/drawing/2014/main" id="{12AA88E7-19D2-4330-9CE0-CEF890704800}"/>
+              </a:ext>
+            </a:extLst>
+          </p:cNvPr>
+          <p:cNvCxnSpPr>
+            <a:cxnSpLocks/>
+          </p:cNvCxnSpPr>
+          <p:nvPr/>
+        </p:nvCxnSpPr>
+        <p:spPr>
+          <a:xfrm>
+            <a:off x="2984266" y="3066072"/>
+            <a:ext cx="2610200" cy="107119"/>
+          </a:xfrm>
+          <a:prstGeom prst="straightConnector1">
+            <a:avLst/>
+          </a:prstGeom>
+          <a:ln w="28575">
+            <a:solidFill>
+              <a:schemeClr val="tx1"/>
+            </a:solidFill>
+            <a:tailEnd type="triangle"/>
+          </a:ln>
+        </p:spPr>
+        <p:style>
+          <a:lnRef idx="1">
+            <a:schemeClr val="accent1"/>
+          </a:lnRef>
+          <a:fillRef idx="0">
+            <a:schemeClr val="accent1"/>
+          </a:fillRef>
+          <a:effectRef idx="0">
+            <a:schemeClr val="accent1"/>
+          </a:effectRef>
+          <a:fontRef idx="minor">
+            <a:schemeClr val="tx1"/>
+          </a:fontRef>
+        </p:style>
+      </p:cxnSp>
+      <p:cxnSp>
+        <p:nvCxnSpPr>
+          <p:cNvPr id="14" name="Gerade Verbindung mit Pfeil 13">
+            <a:extLst>
+              <a:ext uri="{FF2B5EF4-FFF2-40B4-BE49-F238E27FC236}">
+                <a16:creationId xmlns:a16="http://schemas.microsoft.com/office/drawing/2014/main" id="{52A42491-2100-4E8F-8A23-825C43B89DF0}"/>
+              </a:ext>
+            </a:extLst>
+          </p:cNvPr>
+          <p:cNvCxnSpPr>
+            <a:cxnSpLocks/>
+          </p:cNvCxnSpPr>
+          <p:nvPr/>
+        </p:nvCxnSpPr>
+        <p:spPr>
+          <a:xfrm flipH="1">
+            <a:off x="8495609" y="3066072"/>
+            <a:ext cx="1377141" cy="842981"/>
+          </a:xfrm>
+          <a:prstGeom prst="straightConnector1">
+            <a:avLst/>
+          </a:prstGeom>
+          <a:ln w="28575">
+            <a:solidFill>
+              <a:schemeClr val="tx1"/>
+            </a:solidFill>
+            <a:tailEnd type="triangle"/>
+          </a:ln>
+        </p:spPr>
+        <p:style>
+          <a:lnRef idx="1">
+            <a:schemeClr val="accent1"/>
+          </a:lnRef>
+          <a:fillRef idx="0">
+            <a:schemeClr val="accent1"/>
+          </a:fillRef>
+          <a:effectRef idx="0">
+            <a:schemeClr val="accent1"/>
+          </a:effectRef>
+          <a:fontRef idx="minor">
+            <a:schemeClr val="tx1"/>
+          </a:fontRef>
+        </p:style>
+      </p:cxnSp>
+      <p:cxnSp>
+        <p:nvCxnSpPr>
+          <p:cNvPr id="17" name="Gerade Verbindung mit Pfeil 16">
+            <a:extLst>
+              <a:ext uri="{FF2B5EF4-FFF2-40B4-BE49-F238E27FC236}">
+                <a16:creationId xmlns:a16="http://schemas.microsoft.com/office/drawing/2014/main" id="{9ED6105C-FC25-4069-94EA-E7F3098D68A4}"/>
+              </a:ext>
+            </a:extLst>
+          </p:cNvPr>
+          <p:cNvCxnSpPr>
+            <a:cxnSpLocks/>
+          </p:cNvCxnSpPr>
+          <p:nvPr/>
+        </p:nvCxnSpPr>
+        <p:spPr>
+          <a:xfrm flipH="1">
+            <a:off x="7838903" y="2294714"/>
+            <a:ext cx="2033847" cy="1117457"/>
+          </a:xfrm>
+          <a:prstGeom prst="straightConnector1">
+            <a:avLst/>
+          </a:prstGeom>
+          <a:ln w="28575">
+            <a:solidFill>
+              <a:schemeClr val="tx1"/>
+            </a:solidFill>
+            <a:tailEnd type="triangle"/>
+          </a:ln>
+        </p:spPr>
+        <p:style>
+          <a:lnRef idx="1">
+            <a:schemeClr val="accent1"/>
+          </a:lnRef>
+          <a:fillRef idx="0">
+            <a:schemeClr val="accent1"/>
+          </a:fillRef>
+          <a:effectRef idx="0">
+            <a:schemeClr val="accent1"/>
+          </a:effectRef>
+          <a:fontRef idx="minor">
+            <a:schemeClr val="tx1"/>
+          </a:fontRef>
+        </p:style>
+      </p:cxnSp>
+      <p:sp>
+        <p:nvSpPr>
+          <p:cNvPr id="23" name="Inhaltsplatzhalter 2">
+            <a:extLst>
+              <a:ext uri="{FF2B5EF4-FFF2-40B4-BE49-F238E27FC236}">
+                <a16:creationId xmlns:a16="http://schemas.microsoft.com/office/drawing/2014/main" id="{A53CB67A-AF6B-4B6B-B2B0-8A65685181F4}"/>
+              </a:ext>
+            </a:extLst>
+          </p:cNvPr>
+          <p:cNvSpPr txBox="1">
+            <a:spLocks/>
+          </p:cNvSpPr>
+          <p:nvPr/>
+        </p:nvSpPr>
+        <p:spPr>
+          <a:xfrm>
+            <a:off x="9872750" y="2066585"/>
+            <a:ext cx="2395452" cy="4110378"/>
+          </a:xfrm>
+          <a:prstGeom prst="rect">
+            <a:avLst/>
+          </a:prstGeom>
+        </p:spPr>
+        <p:txBody>
+          <a:bodyPr vert="horz" lIns="91440" tIns="45720" rIns="91440" bIns="45720" rtlCol="0">
+            <a:normAutofit/>
+          </a:bodyPr>
+          <a:lstStyle>
+            <a:lvl1pPr marL="228600" indent="-228600" algn="l" defTabSz="914400" rtl="0" eaLnBrk="1" latinLnBrk="0" hangingPunct="1">
+              <a:lnSpc>
+                <a:spcPct val="90000"/>
+              </a:lnSpc>
+              <a:spcBef>
+                <a:spcPts val="1000"/>
+              </a:spcBef>
+              <a:buFont typeface="Arial" panose="020B0604020202020204" pitchFamily="34" charset="0"/>
+              <a:buChar char="•"/>
+              <a:defRPr sz="3200" kern="1200">
+                <a:solidFill>
+                  <a:srgbClr val="252525"/>
+                </a:solidFill>
+                <a:latin typeface="Roboto Light" panose="02000000000000000000" pitchFamily="2" charset="0"/>
+                <a:ea typeface="Roboto Light" panose="02000000000000000000" pitchFamily="2" charset="0"/>
+                <a:cs typeface="+mn-cs"/>
+              </a:defRPr>
+            </a:lvl1pPr>
+            <a:lvl2pPr marL="685800" indent="-228600" algn="l" defTabSz="914400" rtl="0" eaLnBrk="1" latinLnBrk="0" hangingPunct="1">
+              <a:lnSpc>
+                <a:spcPct val="90000"/>
+              </a:lnSpc>
+              <a:spcBef>
+                <a:spcPts val="500"/>
+              </a:spcBef>
+              <a:buFont typeface="Arial" panose="020B0604020202020204" pitchFamily="34" charset="0"/>
+              <a:buChar char="•"/>
+              <a:defRPr sz="2600" kern="1200">
+                <a:solidFill>
+                  <a:srgbClr val="252525"/>
+                </a:solidFill>
+                <a:latin typeface="Roboto Light" panose="02000000000000000000" pitchFamily="2" charset="0"/>
+                <a:ea typeface="Roboto Light" panose="02000000000000000000" pitchFamily="2" charset="0"/>
+                <a:cs typeface="+mn-cs"/>
+              </a:defRPr>
+            </a:lvl2pPr>
+            <a:lvl3pPr marL="1143000" indent="-228600" algn="l" defTabSz="914400" rtl="0" eaLnBrk="1" latinLnBrk="0" hangingPunct="1">
+              <a:lnSpc>
+                <a:spcPct val="90000"/>
+              </a:lnSpc>
+              <a:spcBef>
+                <a:spcPts val="500"/>
+              </a:spcBef>
+              <a:buFont typeface="Arial" panose="020B0604020202020204" pitchFamily="34" charset="0"/>
+              <a:buChar char="•"/>
+              <a:defRPr sz="2400" kern="1200">
+                <a:solidFill>
+                  <a:srgbClr val="252525"/>
+                </a:solidFill>
+                <a:latin typeface="Roboto Light" panose="02000000000000000000" pitchFamily="2" charset="0"/>
+                <a:ea typeface="Roboto Light" panose="02000000000000000000" pitchFamily="2" charset="0"/>
+                <a:cs typeface="+mn-cs"/>
+              </a:defRPr>
+            </a:lvl3pPr>
+            <a:lvl4pPr marL="1600200" indent="-228600" algn="l" defTabSz="914400" rtl="0" eaLnBrk="1" latinLnBrk="0" hangingPunct="1">
+              <a:lnSpc>
+                <a:spcPct val="90000"/>
+              </a:lnSpc>
+              <a:spcBef>
+                <a:spcPts val="500"/>
+              </a:spcBef>
+              <a:buFont typeface="Arial" panose="020B0604020202020204" pitchFamily="34" charset="0"/>
+              <a:buChar char="•"/>
+              <a:defRPr sz="2200" kern="1200">
+                <a:solidFill>
+                  <a:srgbClr val="252525"/>
+                </a:solidFill>
+                <a:latin typeface="Roboto Light" panose="02000000000000000000" pitchFamily="2" charset="0"/>
+                <a:ea typeface="Roboto Light" panose="02000000000000000000" pitchFamily="2" charset="0"/>
+                <a:cs typeface="+mn-cs"/>
+              </a:defRPr>
+            </a:lvl4pPr>
+            <a:lvl5pPr marL="2057400" indent="-228600" algn="l" defTabSz="914400" rtl="0" eaLnBrk="1" latinLnBrk="0" hangingPunct="1">
+              <a:lnSpc>
+                <a:spcPct val="90000"/>
+              </a:lnSpc>
+              <a:spcBef>
+                <a:spcPts val="500"/>
+              </a:spcBef>
+              <a:buFont typeface="Arial" panose="020B0604020202020204" pitchFamily="34" charset="0"/>
+              <a:buChar char="•"/>
+              <a:defRPr sz="2000" kern="1200">
+                <a:solidFill>
+                  <a:srgbClr val="252525"/>
+                </a:solidFill>
+                <a:latin typeface="Roboto Light" panose="02000000000000000000" pitchFamily="2" charset="0"/>
+                <a:ea typeface="Roboto Light" panose="02000000000000000000" pitchFamily="2" charset="0"/>
+                <a:cs typeface="+mn-cs"/>
+              </a:defRPr>
+            </a:lvl5pPr>
+            <a:lvl6pPr marL="2514600" indent="-228600" algn="l" defTabSz="914400" rtl="0" eaLnBrk="1" latinLnBrk="0" hangingPunct="1">
+              <a:lnSpc>
+                <a:spcPct val="90000"/>
+              </a:lnSpc>
+              <a:spcBef>
+                <a:spcPts val="500"/>
+              </a:spcBef>
+              <a:buFont typeface="Arial" panose="020B0604020202020204" pitchFamily="34" charset="0"/>
+              <a:buChar char="•"/>
+              <a:defRPr sz="1800" kern="1200">
+                <a:solidFill>
+                  <a:schemeClr val="tx1"/>
+                </a:solidFill>
+                <a:latin typeface="+mn-lt"/>
+                <a:ea typeface="+mn-ea"/>
+                <a:cs typeface="+mn-cs"/>
+              </a:defRPr>
+            </a:lvl6pPr>
+            <a:lvl7pPr marL="2971800" indent="-228600" algn="l" defTabSz="914400" rtl="0" eaLnBrk="1" latinLnBrk="0" hangingPunct="1">
+              <a:lnSpc>
+                <a:spcPct val="90000"/>
+              </a:lnSpc>
+              <a:spcBef>
+                <a:spcPts val="500"/>
+              </a:spcBef>
+              <a:buFont typeface="Arial" panose="020B0604020202020204" pitchFamily="34" charset="0"/>
+              <a:buChar char="•"/>
+              <a:defRPr sz="1800" kern="1200">
+                <a:solidFill>
+                  <a:schemeClr val="tx1"/>
+                </a:solidFill>
+                <a:latin typeface="+mn-lt"/>
+                <a:ea typeface="+mn-ea"/>
+                <a:cs typeface="+mn-cs"/>
+              </a:defRPr>
+            </a:lvl7pPr>
+            <a:lvl8pPr marL="3429000" indent="-228600" algn="l" defTabSz="914400" rtl="0" eaLnBrk="1" latinLnBrk="0" hangingPunct="1">
+              <a:lnSpc>
+                <a:spcPct val="90000"/>
+              </a:lnSpc>
+              <a:spcBef>
+                <a:spcPts val="500"/>
+              </a:spcBef>
+              <a:buFont typeface="Arial" panose="020B0604020202020204" pitchFamily="34" charset="0"/>
+              <a:buChar char="•"/>
+              <a:defRPr sz="1800" kern="1200">
+                <a:solidFill>
+                  <a:schemeClr val="tx1"/>
+                </a:solidFill>
+                <a:latin typeface="+mn-lt"/>
+                <a:ea typeface="+mn-ea"/>
+                <a:cs typeface="+mn-cs"/>
+              </a:defRPr>
+            </a:lvl8pPr>
+            <a:lvl9pPr marL="3886200" indent="-228600" algn="l" defTabSz="914400" rtl="0" eaLnBrk="1" latinLnBrk="0" hangingPunct="1">
+              <a:lnSpc>
+                <a:spcPct val="90000"/>
+              </a:lnSpc>
+              <a:spcBef>
+                <a:spcPts val="500"/>
+              </a:spcBef>
+              <a:buFont typeface="Arial" panose="020B0604020202020204" pitchFamily="34" charset="0"/>
+              <a:buChar char="•"/>
+              <a:defRPr sz="1800" kern="1200">
+                <a:solidFill>
+                  <a:schemeClr val="tx1"/>
+                </a:solidFill>
+                <a:latin typeface="+mn-lt"/>
+                <a:ea typeface="+mn-ea"/>
+                <a:cs typeface="+mn-cs"/>
+              </a:defRPr>
+            </a:lvl9pPr>
+          </a:lstStyle>
+          <a:p>
+            <a:pPr marL="0" indent="0">
+              <a:buNone/>
+            </a:pPr>
+            <a:r>
+              <a:rPr lang="de-AT" sz="2000" dirty="0"/>
+              <a:t>Threshold</a:t>
+            </a:r>
+          </a:p>
+          <a:p>
+            <a:pPr marL="0" indent="0">
+              <a:buNone/>
+            </a:pPr>
+            <a:endParaRPr lang="de-AT" sz="2000" dirty="0"/>
+          </a:p>
+          <a:p>
+            <a:pPr marL="0" indent="0">
+              <a:buNone/>
+            </a:pPr>
+            <a:r>
+              <a:rPr lang="de-AT" sz="2000" dirty="0" err="1"/>
+              <a:t>Detected</a:t>
+            </a:r>
+            <a:r>
+              <a:rPr lang="de-AT" sz="2000" dirty="0"/>
+              <a:t> </a:t>
+            </a:r>
+            <a:r>
+              <a:rPr lang="de-AT" sz="2000" dirty="0" err="1"/>
+              <a:t>steps</a:t>
+            </a:r>
+            <a:endParaRPr lang="de-AT" sz="2000" dirty="0"/>
+          </a:p>
+          <a:p>
+            <a:endParaRPr lang="de-AT" dirty="0"/>
+          </a:p>
+        </p:txBody>
+      </p:sp>
+      <p:cxnSp>
+        <p:nvCxnSpPr>
+          <p:cNvPr id="27" name="Gerade Verbindung mit Pfeil 26">
+            <a:extLst>
+              <a:ext uri="{FF2B5EF4-FFF2-40B4-BE49-F238E27FC236}">
+                <a16:creationId xmlns:a16="http://schemas.microsoft.com/office/drawing/2014/main" id="{618F1B95-E5EF-4FBE-BDBE-1FC975870083}"/>
+              </a:ext>
+            </a:extLst>
+          </p:cNvPr>
+          <p:cNvCxnSpPr>
+            <a:cxnSpLocks/>
+          </p:cNvCxnSpPr>
+          <p:nvPr/>
+        </p:nvCxnSpPr>
+        <p:spPr>
+          <a:xfrm>
+            <a:off x="2984266" y="3066072"/>
+            <a:ext cx="2610200" cy="2345513"/>
+          </a:xfrm>
+          <a:prstGeom prst="straightConnector1">
+            <a:avLst/>
+          </a:prstGeom>
+          <a:ln w="28575">
+            <a:solidFill>
+              <a:schemeClr val="tx1"/>
+            </a:solidFill>
+            <a:tailEnd type="triangle"/>
+          </a:ln>
+        </p:spPr>
+        <p:style>
+          <a:lnRef idx="1">
+            <a:schemeClr val="accent1"/>
+          </a:lnRef>
+          <a:fillRef idx="0">
+            <a:schemeClr val="accent1"/>
+          </a:fillRef>
+          <a:effectRef idx="0">
+            <a:schemeClr val="accent1"/>
+          </a:effectRef>
+          <a:fontRef idx="minor">
+            <a:schemeClr val="tx1"/>
+          </a:fontRef>
+        </p:style>
+      </p:cxnSp>
+    </p:spTree>
+    <p:extLst>
+      <p:ext uri="{BB962C8B-B14F-4D97-AF65-F5344CB8AC3E}">
+        <p14:creationId xmlns:p14="http://schemas.microsoft.com/office/powerpoint/2010/main" val="3910073030"/>
+      </p:ext>
+    </p:extLst>
+  </p:cSld>
+  <p:clrMapOvr>
+    <a:masterClrMapping/>
+  </p:clrMapOvr>
+</p:sld>
+</file>
+
 <file path=ppt/slides/slide2.xml><?xml version="1.0" encoding="utf-8"?>
 <p:sld xmlns:a="http://schemas.openxmlformats.org/drawingml/2006/main" xmlns:r="http://schemas.openxmlformats.org/officeDocument/2006/relationships" xmlns:p="http://schemas.openxmlformats.org/presentationml/2006/main">
   <p:cSld>
@@ -4543,6 +5294,164 @@
               <a:buFont typeface="Arial" panose="020B0604020202020204" pitchFamily="34" charset="0"/>
               <a:buChar char="•"/>
             </a:pPr>
+            <a:r>
+              <a:rPr lang="de-AT" dirty="0" err="1"/>
+              <a:t>Existing</a:t>
+            </a:r>
+            <a:r>
+              <a:rPr lang="de-AT" dirty="0"/>
+              <a:t> </a:t>
+            </a:r>
+            <a:r>
+              <a:rPr lang="de-AT" dirty="0" err="1"/>
+              <a:t>apps</a:t>
+            </a:r>
+            <a:r>
+              <a:rPr lang="de-AT" dirty="0"/>
+              <a:t> </a:t>
+            </a:r>
+            <a:r>
+              <a:rPr lang="de-AT" dirty="0" err="1"/>
+              <a:t>are</a:t>
+            </a:r>
+            <a:r>
+              <a:rPr lang="de-AT" dirty="0"/>
+              <a:t> not </a:t>
+            </a:r>
+            <a:r>
+              <a:rPr lang="de-AT" dirty="0" err="1"/>
+              <a:t>designed</a:t>
+            </a:r>
+            <a:r>
+              <a:rPr lang="de-AT" dirty="0"/>
+              <a:t> </a:t>
+            </a:r>
+            <a:r>
+              <a:rPr lang="de-AT" dirty="0" err="1"/>
+              <a:t>for</a:t>
+            </a:r>
+            <a:r>
+              <a:rPr lang="de-AT" dirty="0"/>
+              <a:t> </a:t>
+            </a:r>
+            <a:r>
+              <a:rPr lang="de-AT" dirty="0" err="1"/>
+              <a:t>moutain</a:t>
+            </a:r>
+            <a:r>
+              <a:rPr lang="de-AT" dirty="0"/>
+              <a:t> </a:t>
+            </a:r>
+            <a:r>
+              <a:rPr lang="de-AT" dirty="0" err="1"/>
+              <a:t>climbers</a:t>
+            </a:r>
+            <a:endParaRPr lang="de-AT" dirty="0"/>
+          </a:p>
+          <a:p>
+            <a:pPr>
+              <a:buFont typeface="Arial" panose="020B0604020202020204" pitchFamily="34" charset="0"/>
+              <a:buChar char="•"/>
+            </a:pPr>
+            <a:r>
+              <a:rPr lang="de-AT" dirty="0" err="1"/>
+              <a:t>They</a:t>
+            </a:r>
+            <a:r>
+              <a:rPr lang="de-AT" dirty="0"/>
+              <a:t> miss </a:t>
+            </a:r>
+            <a:r>
+              <a:rPr lang="de-AT" dirty="0" err="1"/>
+              <a:t>some</a:t>
+            </a:r>
+            <a:r>
+              <a:rPr lang="de-AT" dirty="0"/>
+              <a:t> </a:t>
+            </a:r>
+            <a:r>
+              <a:rPr lang="de-AT" dirty="0" err="1"/>
+              <a:t>important</a:t>
+            </a:r>
+            <a:r>
+              <a:rPr lang="de-AT" dirty="0"/>
+              <a:t> </a:t>
+            </a:r>
+            <a:r>
+              <a:rPr lang="de-AT" dirty="0" err="1"/>
+              <a:t>information</a:t>
+            </a:r>
+            <a:r>
+              <a:rPr lang="de-AT" dirty="0"/>
+              <a:t>:</a:t>
+            </a:r>
+          </a:p>
+          <a:p>
+            <a:pPr lvl="1"/>
+            <a:r>
+              <a:rPr lang="de-AT" dirty="0" err="1"/>
+              <a:t>Coverd</a:t>
+            </a:r>
+            <a:r>
+              <a:rPr lang="de-AT" dirty="0"/>
+              <a:t> </a:t>
+            </a:r>
+            <a:r>
+              <a:rPr lang="de-AT" dirty="0" err="1"/>
+              <a:t>altitude</a:t>
+            </a:r>
+            <a:endParaRPr lang="de-AT" dirty="0"/>
+          </a:p>
+          <a:p>
+            <a:pPr lvl="1"/>
+            <a:r>
+              <a:rPr lang="de-AT" dirty="0"/>
+              <a:t>Time </a:t>
+            </a:r>
+            <a:r>
+              <a:rPr lang="de-AT" dirty="0" err="1"/>
+              <a:t>spent</a:t>
+            </a:r>
+            <a:r>
+              <a:rPr lang="de-AT" dirty="0"/>
+              <a:t> </a:t>
+            </a:r>
+            <a:r>
+              <a:rPr lang="de-AT" dirty="0" err="1"/>
+              <a:t>walking</a:t>
+            </a:r>
+            <a:r>
+              <a:rPr lang="de-AT" dirty="0"/>
+              <a:t> </a:t>
+            </a:r>
+            <a:r>
+              <a:rPr lang="de-AT" dirty="0" err="1"/>
+              <a:t>uphill</a:t>
+            </a:r>
+            <a:r>
+              <a:rPr lang="de-AT" dirty="0"/>
+              <a:t>/</a:t>
+            </a:r>
+            <a:r>
+              <a:rPr lang="de-AT" dirty="0" err="1"/>
+              <a:t>downhill</a:t>
+            </a:r>
+            <a:endParaRPr lang="de-AT" dirty="0"/>
+          </a:p>
+          <a:p>
+            <a:pPr lvl="1"/>
+            <a:r>
+              <a:rPr lang="de-AT" dirty="0" err="1"/>
+              <a:t>Calories</a:t>
+            </a:r>
+            <a:r>
+              <a:rPr lang="de-AT" dirty="0"/>
+              <a:t> </a:t>
+            </a:r>
+            <a:r>
+              <a:rPr lang="de-AT" dirty="0" err="1"/>
+              <a:t>calculation</a:t>
+            </a:r>
             <a:endParaRPr lang="de-AT" dirty="0"/>
           </a:p>
         </p:txBody>
@@ -5359,10 +6268,9 @@
           </a:p>
           <a:p>
             <a:r>
-              <a:rPr lang="de-AT" dirty="0" err="1"/>
-              <a:t>Healthcare</a:t>
-            </a:r>
-            <a:endParaRPr lang="de-AT" dirty="0"/>
+              <a:rPr lang="de-AT" dirty="0"/>
+              <a:t>Health</a:t>
+            </a:r>
           </a:p>
         </p:txBody>
       </p:sp>

--- a/Mountaineer.pptx
+++ b/Mountaineer.pptx
@@ -17,9 +17,11 @@
     <p:sldId id="263" r:id="rId11"/>
     <p:sldId id="264" r:id="rId12"/>
     <p:sldId id="265" r:id="rId13"/>
-    <p:sldId id="266" r:id="rId14"/>
-    <p:sldId id="269" r:id="rId15"/>
-    <p:sldId id="270" r:id="rId16"/>
+    <p:sldId id="272" r:id="rId14"/>
+    <p:sldId id="266" r:id="rId15"/>
+    <p:sldId id="269" r:id="rId16"/>
+    <p:sldId id="270" r:id="rId17"/>
+    <p:sldId id="271" r:id="rId18"/>
   </p:sldIdLst>
   <p:sldSz cx="12192000" cy="6858000"/>
   <p:notesSz cx="6858000" cy="9144000"/>
@@ -297,7 +299,7 @@
           <a:p>
             <a:fld id="{ACE3B52F-493B-4126-A797-2AC36596430B}" type="datetimeFigureOut">
               <a:rPr lang="de-AT" smtClean="0"/>
-              <a:t>20.11.2017</a:t>
+              <a:t>21.11.2017</a:t>
             </a:fld>
             <a:endParaRPr lang="de-AT"/>
           </a:p>
@@ -497,7 +499,7 @@
           <a:p>
             <a:fld id="{ACE3B52F-493B-4126-A797-2AC36596430B}" type="datetimeFigureOut">
               <a:rPr lang="de-AT" smtClean="0"/>
-              <a:t>20.11.2017</a:t>
+              <a:t>21.11.2017</a:t>
             </a:fld>
             <a:endParaRPr lang="de-AT"/>
           </a:p>
@@ -707,7 +709,7 @@
           <a:p>
             <a:fld id="{ACE3B52F-493B-4126-A797-2AC36596430B}" type="datetimeFigureOut">
               <a:rPr lang="de-AT" smtClean="0"/>
-              <a:t>20.11.2017</a:t>
+              <a:t>21.11.2017</a:t>
             </a:fld>
             <a:endParaRPr lang="de-AT"/>
           </a:p>
@@ -948,7 +950,7 @@
           <a:p>
             <a:fld id="{ACE3B52F-493B-4126-A797-2AC36596430B}" type="datetimeFigureOut">
               <a:rPr lang="de-AT" smtClean="0"/>
-              <a:t>20.11.2017</a:t>
+              <a:t>21.11.2017</a:t>
             </a:fld>
             <a:endParaRPr lang="de-AT"/>
           </a:p>
@@ -1224,7 +1226,7 @@
           <a:p>
             <a:fld id="{ACE3B52F-493B-4126-A797-2AC36596430B}" type="datetimeFigureOut">
               <a:rPr lang="de-AT" smtClean="0"/>
-              <a:t>20.11.2017</a:t>
+              <a:t>21.11.2017</a:t>
             </a:fld>
             <a:endParaRPr lang="de-AT"/>
           </a:p>
@@ -1492,7 +1494,7 @@
           <a:p>
             <a:fld id="{ACE3B52F-493B-4126-A797-2AC36596430B}" type="datetimeFigureOut">
               <a:rPr lang="de-AT" smtClean="0"/>
-              <a:t>20.11.2017</a:t>
+              <a:t>21.11.2017</a:t>
             </a:fld>
             <a:endParaRPr lang="de-AT"/>
           </a:p>
@@ -1907,7 +1909,7 @@
           <a:p>
             <a:fld id="{ACE3B52F-493B-4126-A797-2AC36596430B}" type="datetimeFigureOut">
               <a:rPr lang="de-AT" smtClean="0"/>
-              <a:t>20.11.2017</a:t>
+              <a:t>21.11.2017</a:t>
             </a:fld>
             <a:endParaRPr lang="de-AT"/>
           </a:p>
@@ -2049,7 +2051,7 @@
           <a:p>
             <a:fld id="{ACE3B52F-493B-4126-A797-2AC36596430B}" type="datetimeFigureOut">
               <a:rPr lang="de-AT" smtClean="0"/>
-              <a:t>20.11.2017</a:t>
+              <a:t>21.11.2017</a:t>
             </a:fld>
             <a:endParaRPr lang="de-AT"/>
           </a:p>
@@ -2162,7 +2164,7 @@
           <a:p>
             <a:fld id="{ACE3B52F-493B-4126-A797-2AC36596430B}" type="datetimeFigureOut">
               <a:rPr lang="de-AT" smtClean="0"/>
-              <a:t>20.11.2017</a:t>
+              <a:t>21.11.2017</a:t>
             </a:fld>
             <a:endParaRPr lang="de-AT"/>
           </a:p>
@@ -2475,7 +2477,7 @@
           <a:p>
             <a:fld id="{ACE3B52F-493B-4126-A797-2AC36596430B}" type="datetimeFigureOut">
               <a:rPr lang="de-AT" smtClean="0"/>
-              <a:t>20.11.2017</a:t>
+              <a:t>21.11.2017</a:t>
             </a:fld>
             <a:endParaRPr lang="de-AT"/>
           </a:p>
@@ -2764,7 +2766,7 @@
           <a:p>
             <a:fld id="{ACE3B52F-493B-4126-A797-2AC36596430B}" type="datetimeFigureOut">
               <a:rPr lang="de-AT" smtClean="0"/>
-              <a:t>20.11.2017</a:t>
+              <a:t>21.11.2017</a:t>
             </a:fld>
             <a:endParaRPr lang="de-AT"/>
           </a:p>
@@ -3007,7 +3009,7 @@
           <a:p>
             <a:fld id="{ACE3B52F-493B-4126-A797-2AC36596430B}" type="datetimeFigureOut">
               <a:rPr lang="de-AT" smtClean="0"/>
-              <a:t>20.11.2017</a:t>
+              <a:t>21.11.2017</a:t>
             </a:fld>
             <a:endParaRPr lang="de-AT"/>
           </a:p>
@@ -4416,6 +4418,109 @@
           <p:cNvPr id="2" name="Titel 1">
             <a:extLst>
               <a:ext uri="{FF2B5EF4-FFF2-40B4-BE49-F238E27FC236}">
+                <a16:creationId xmlns:a16="http://schemas.microsoft.com/office/drawing/2014/main" id="{D751572B-C7B7-4673-B089-8CF2BCC11B4B}"/>
+              </a:ext>
+            </a:extLst>
+          </p:cNvPr>
+          <p:cNvSpPr>
+            <a:spLocks noGrp="1"/>
+          </p:cNvSpPr>
+          <p:nvPr>
+            <p:ph type="title"/>
+          </p:nvPr>
+        </p:nvSpPr>
+        <p:spPr/>
+        <p:txBody>
+          <a:bodyPr/>
+          <a:lstStyle/>
+          <a:p>
+            <a:endParaRPr lang="de-AT"/>
+          </a:p>
+        </p:txBody>
+      </p:sp>
+      <p:pic>
+        <p:nvPicPr>
+          <p:cNvPr id="5" name="Inhaltsplatzhalter 4">
+            <a:extLst>
+              <a:ext uri="{FF2B5EF4-FFF2-40B4-BE49-F238E27FC236}">
+                <a16:creationId xmlns:a16="http://schemas.microsoft.com/office/drawing/2014/main" id="{F31A6ABD-181B-479F-85F4-04B67793D18C}"/>
+              </a:ext>
+            </a:extLst>
+          </p:cNvPr>
+          <p:cNvPicPr>
+            <a:picLocks noGrp="1" noChangeAspect="1"/>
+          </p:cNvPicPr>
+          <p:nvPr>
+            <p:ph idx="1"/>
+          </p:nvPr>
+        </p:nvPicPr>
+        <p:blipFill>
+          <a:blip r:embed="rId2">
+            <a:extLst>
+              <a:ext uri="{28A0092B-C50C-407E-A947-70E740481C1C}">
+                <a14:useLocalDpi xmlns:a14="http://schemas.microsoft.com/office/drawing/2010/main" val="0"/>
+              </a:ext>
+            </a:extLst>
+          </a:blip>
+          <a:stretch>
+            <a:fillRect/>
+          </a:stretch>
+        </p:blipFill>
+        <p:spPr>
+          <a:xfrm>
+            <a:off x="5937782" y="3429000"/>
+            <a:ext cx="4543102" cy="2425233"/>
+          </a:xfrm>
+          <a:prstGeom prst="rect">
+            <a:avLst/>
+          </a:prstGeom>
+          <a:ln>
+            <a:noFill/>
+          </a:ln>
+          <a:effectLst>
+            <a:outerShdw blurRad="292100" dist="139700" dir="2700000" algn="tl" rotWithShape="0">
+              <a:srgbClr val="333333">
+                <a:alpha val="65000"/>
+              </a:srgbClr>
+            </a:outerShdw>
+          </a:effectLst>
+        </p:spPr>
+      </p:pic>
+    </p:spTree>
+    <p:extLst>
+      <p:ext uri="{BB962C8B-B14F-4D97-AF65-F5344CB8AC3E}">
+        <p14:creationId xmlns:p14="http://schemas.microsoft.com/office/powerpoint/2010/main" val="2639763750"/>
+      </p:ext>
+    </p:extLst>
+  </p:cSld>
+  <p:clrMapOvr>
+    <a:masterClrMapping/>
+  </p:clrMapOvr>
+</p:sld>
+</file>
+
+<file path=ppt/slides/slide14.xml><?xml version="1.0" encoding="utf-8"?>
+<p:sld xmlns:a="http://schemas.openxmlformats.org/drawingml/2006/main" xmlns:r="http://schemas.openxmlformats.org/officeDocument/2006/relationships" xmlns:p="http://schemas.openxmlformats.org/presentationml/2006/main">
+  <p:cSld>
+    <p:spTree>
+      <p:nvGrpSpPr>
+        <p:cNvPr id="1" name=""/>
+        <p:cNvGrpSpPr/>
+        <p:nvPr/>
+      </p:nvGrpSpPr>
+      <p:grpSpPr>
+        <a:xfrm>
+          <a:off x="0" y="0"/>
+          <a:ext cx="0" cy="0"/>
+          <a:chOff x="0" y="0"/>
+          <a:chExt cx="0" cy="0"/>
+        </a:xfrm>
+      </p:grpSpPr>
+      <p:sp>
+        <p:nvSpPr>
+          <p:cNvPr id="2" name="Titel 1">
+            <a:extLst>
+              <a:ext uri="{FF2B5EF4-FFF2-40B4-BE49-F238E27FC236}">
                 <a16:creationId xmlns:a16="http://schemas.microsoft.com/office/drawing/2014/main" id="{3BC381C4-762F-49EC-A88E-C3D5DDA8A4B2}"/>
               </a:ext>
             </a:extLst>
@@ -4502,7 +4607,7 @@
 </p:sld>
 </file>
 
-<file path=ppt/slides/slide14.xml><?xml version="1.0" encoding="utf-8"?>
+<file path=ppt/slides/slide15.xml><?xml version="1.0" encoding="utf-8"?>
 <p:sld xmlns:a="http://schemas.openxmlformats.org/drawingml/2006/main" xmlns:r="http://schemas.openxmlformats.org/officeDocument/2006/relationships" xmlns:p="http://schemas.openxmlformats.org/presentationml/2006/main">
   <p:cSld>
     <p:bg>
@@ -4590,7 +4695,7 @@
 </p:sld>
 </file>
 
-<file path=ppt/slides/slide15.xml><?xml version="1.0" encoding="utf-8"?>
+<file path=ppt/slides/slide16.xml><?xml version="1.0" encoding="utf-8"?>
 <p:sld xmlns:a="http://schemas.openxmlformats.org/drawingml/2006/main" xmlns:r="http://schemas.openxmlformats.org/officeDocument/2006/relationships" xmlns:p="http://schemas.openxmlformats.org/presentationml/2006/main">
   <p:cSld>
     <p:spTree>
@@ -5215,6 +5320,109 @@
     <p:extLst>
       <p:ext uri="{BB962C8B-B14F-4D97-AF65-F5344CB8AC3E}">
         <p14:creationId xmlns:p14="http://schemas.microsoft.com/office/powerpoint/2010/main" val="3910073030"/>
+      </p:ext>
+    </p:extLst>
+  </p:cSld>
+  <p:clrMapOvr>
+    <a:masterClrMapping/>
+  </p:clrMapOvr>
+</p:sld>
+</file>
+
+<file path=ppt/slides/slide17.xml><?xml version="1.0" encoding="utf-8"?>
+<p:sld xmlns:a="http://schemas.openxmlformats.org/drawingml/2006/main" xmlns:r="http://schemas.openxmlformats.org/officeDocument/2006/relationships" xmlns:p="http://schemas.openxmlformats.org/presentationml/2006/main">
+  <p:cSld>
+    <p:spTree>
+      <p:nvGrpSpPr>
+        <p:cNvPr id="1" name=""/>
+        <p:cNvGrpSpPr/>
+        <p:nvPr/>
+      </p:nvGrpSpPr>
+      <p:grpSpPr>
+        <a:xfrm>
+          <a:off x="0" y="0"/>
+          <a:ext cx="0" cy="0"/>
+          <a:chOff x="0" y="0"/>
+          <a:chExt cx="0" cy="0"/>
+        </a:xfrm>
+      </p:grpSpPr>
+      <p:sp>
+        <p:nvSpPr>
+          <p:cNvPr id="2" name="Titel 1">
+            <a:extLst>
+              <a:ext uri="{FF2B5EF4-FFF2-40B4-BE49-F238E27FC236}">
+                <a16:creationId xmlns:a16="http://schemas.microsoft.com/office/drawing/2014/main" id="{2F8A9E85-0AAB-4835-A6C9-3C90173BFBE0}"/>
+              </a:ext>
+            </a:extLst>
+          </p:cNvPr>
+          <p:cNvSpPr>
+            <a:spLocks noGrp="1"/>
+          </p:cNvSpPr>
+          <p:nvPr>
+            <p:ph type="title"/>
+          </p:nvPr>
+        </p:nvSpPr>
+        <p:spPr/>
+        <p:txBody>
+          <a:bodyPr/>
+          <a:lstStyle/>
+          <a:p>
+            <a:endParaRPr lang="de-AT"/>
+          </a:p>
+        </p:txBody>
+      </p:sp>
+      <p:pic>
+        <p:nvPicPr>
+          <p:cNvPr id="5" name="Inhaltsplatzhalter 4">
+            <a:extLst>
+              <a:ext uri="{FF2B5EF4-FFF2-40B4-BE49-F238E27FC236}">
+                <a16:creationId xmlns:a16="http://schemas.microsoft.com/office/drawing/2014/main" id="{F629C541-A0FF-435B-8933-EFD11BC612AC}"/>
+              </a:ext>
+            </a:extLst>
+          </p:cNvPr>
+          <p:cNvPicPr>
+            <a:picLocks noGrp="1" noChangeAspect="1"/>
+          </p:cNvPicPr>
+          <p:nvPr>
+            <p:ph idx="1"/>
+          </p:nvPr>
+        </p:nvPicPr>
+        <p:blipFill>
+          <a:blip r:embed="rId2">
+            <a:extLst>
+              <a:ext uri="{28A0092B-C50C-407E-A947-70E740481C1C}">
+                <a14:useLocalDpi xmlns:a14="http://schemas.microsoft.com/office/drawing/2010/main" val="0"/>
+              </a:ext>
+            </a:extLst>
+          </a:blip>
+          <a:stretch>
+            <a:fillRect/>
+          </a:stretch>
+        </p:blipFill>
+        <p:spPr>
+          <a:xfrm>
+            <a:off x="1611797" y="1825625"/>
+            <a:ext cx="8968406" cy="4351338"/>
+          </a:xfrm>
+          <a:prstGeom prst="rect">
+            <a:avLst/>
+          </a:prstGeom>
+          <a:ln>
+            <a:noFill/>
+          </a:ln>
+          <a:effectLst>
+            <a:outerShdw blurRad="292100" dist="139700" dir="2700000" algn="tl" rotWithShape="0">
+              <a:srgbClr val="333333">
+                <a:alpha val="65000"/>
+              </a:srgbClr>
+            </a:outerShdw>
+          </a:effectLst>
+        </p:spPr>
+      </p:pic>
+    </p:spTree>
+    <p:extLst>
+      <p:ext uri="{BB962C8B-B14F-4D97-AF65-F5344CB8AC3E}">
+        <p14:creationId xmlns:p14="http://schemas.microsoft.com/office/powerpoint/2010/main" val="1847570275"/>
       </p:ext>
     </p:extLst>
   </p:cSld>

--- a/Mountaineer.pptx
+++ b/Mountaineer.pptx
@@ -8,20 +8,17 @@
     <p:sldId id="256" r:id="rId2"/>
     <p:sldId id="257" r:id="rId3"/>
     <p:sldId id="258" r:id="rId4"/>
-    <p:sldId id="259" r:id="rId5"/>
-    <p:sldId id="260" r:id="rId6"/>
-    <p:sldId id="261" r:id="rId7"/>
-    <p:sldId id="262" r:id="rId8"/>
-    <p:sldId id="267" r:id="rId9"/>
-    <p:sldId id="268" r:id="rId10"/>
-    <p:sldId id="263" r:id="rId11"/>
-    <p:sldId id="264" r:id="rId12"/>
-    <p:sldId id="265" r:id="rId13"/>
+    <p:sldId id="273" r:id="rId5"/>
+    <p:sldId id="261" r:id="rId6"/>
+    <p:sldId id="262" r:id="rId7"/>
+    <p:sldId id="267" r:id="rId8"/>
+    <p:sldId id="263" r:id="rId9"/>
+    <p:sldId id="264" r:id="rId10"/>
+    <p:sldId id="265" r:id="rId11"/>
+    <p:sldId id="270" r:id="rId12"/>
+    <p:sldId id="271" r:id="rId13"/>
     <p:sldId id="272" r:id="rId14"/>
     <p:sldId id="266" r:id="rId15"/>
-    <p:sldId id="269" r:id="rId16"/>
-    <p:sldId id="270" r:id="rId17"/>
-    <p:sldId id="271" r:id="rId18"/>
   </p:sldIdLst>
   <p:sldSz cx="12192000" cy="6858000"/>
   <p:notesSz cx="6858000" cy="9144000"/>
@@ -3567,576 +3564,10 @@
 <file path=ppt/slides/slide10.xml><?xml version="1.0" encoding="utf-8"?>
 <p:sld xmlns:a="http://schemas.openxmlformats.org/drawingml/2006/main" xmlns:r="http://schemas.openxmlformats.org/officeDocument/2006/relationships" xmlns:p="http://schemas.openxmlformats.org/presentationml/2006/main">
   <p:cSld>
-    <p:spTree>
-      <p:nvGrpSpPr>
-        <p:cNvPr id="1" name=""/>
-        <p:cNvGrpSpPr/>
-        <p:nvPr/>
-      </p:nvGrpSpPr>
-      <p:grpSpPr>
-        <a:xfrm>
-          <a:off x="0" y="0"/>
-          <a:ext cx="0" cy="0"/>
-          <a:chOff x="0" y="0"/>
-          <a:chExt cx="0" cy="0"/>
-        </a:xfrm>
-      </p:grpSpPr>
-      <p:sp>
-        <p:nvSpPr>
-          <p:cNvPr id="2" name="Titel 1">
-            <a:extLst>
-              <a:ext uri="{FF2B5EF4-FFF2-40B4-BE49-F238E27FC236}">
-                <a16:creationId xmlns:a16="http://schemas.microsoft.com/office/drawing/2014/main" id="{C14847C9-F8CC-4206-B212-F0A6205771CA}"/>
-              </a:ext>
-            </a:extLst>
-          </p:cNvPr>
-          <p:cNvSpPr>
-            <a:spLocks noGrp="1"/>
-          </p:cNvSpPr>
-          <p:nvPr>
-            <p:ph type="title"/>
-          </p:nvPr>
-        </p:nvSpPr>
-        <p:spPr/>
-        <p:txBody>
-          <a:bodyPr/>
-          <a:lstStyle/>
-          <a:p>
-            <a:r>
-              <a:rPr lang="de-AT" dirty="0" err="1"/>
-              <a:t>Planned</a:t>
-            </a:r>
-            <a:r>
-              <a:rPr lang="de-AT" dirty="0"/>
-              <a:t> Design</a:t>
-            </a:r>
-          </a:p>
-        </p:txBody>
-      </p:sp>
-      <p:sp>
-        <p:nvSpPr>
-          <p:cNvPr id="4" name="Textfeld 3">
-            <a:extLst>
-              <a:ext uri="{FF2B5EF4-FFF2-40B4-BE49-F238E27FC236}">
-                <a16:creationId xmlns:a16="http://schemas.microsoft.com/office/drawing/2014/main" id="{FC8CF503-84BE-4DAB-9E09-B984A6B08EEA}"/>
-              </a:ext>
-            </a:extLst>
-          </p:cNvPr>
-          <p:cNvSpPr txBox="1"/>
-          <p:nvPr/>
-        </p:nvSpPr>
-        <p:spPr>
-          <a:xfrm>
-            <a:off x="838200" y="6445584"/>
-            <a:ext cx="10515600" cy="246221"/>
-          </a:xfrm>
-          <a:prstGeom prst="rect">
-            <a:avLst/>
-          </a:prstGeom>
-          <a:noFill/>
-        </p:spPr>
-        <p:txBody>
-          <a:bodyPr wrap="square" rtlCol="0">
-            <a:spAutoFit/>
-          </a:bodyPr>
-          <a:lstStyle/>
-          <a:p>
-            <a:pPr algn="ctr"/>
-            <a:r>
-              <a:rPr lang="de-AT" sz="1000" dirty="0" err="1">
-                <a:latin typeface="Roboto Light" panose="02000000000000000000" pitchFamily="2" charset="0"/>
-                <a:ea typeface="Roboto Light" panose="02000000000000000000" pitchFamily="2" charset="0"/>
-              </a:rPr>
-              <a:t>Subject</a:t>
-            </a:r>
-            <a:r>
-              <a:rPr lang="de-AT" sz="1000" dirty="0">
-                <a:latin typeface="Roboto Light" panose="02000000000000000000" pitchFamily="2" charset="0"/>
-                <a:ea typeface="Roboto Light" panose="02000000000000000000" pitchFamily="2" charset="0"/>
-              </a:rPr>
-              <a:t> </a:t>
-            </a:r>
-            <a:r>
-              <a:rPr lang="de-AT" sz="1000" dirty="0" err="1">
-                <a:latin typeface="Roboto Light" panose="02000000000000000000" pitchFamily="2" charset="0"/>
-                <a:ea typeface="Roboto Light" panose="02000000000000000000" pitchFamily="2" charset="0"/>
-              </a:rPr>
-              <a:t>to</a:t>
-            </a:r>
-            <a:r>
-              <a:rPr lang="de-AT" sz="1000" dirty="0">
-                <a:latin typeface="Roboto Light" panose="02000000000000000000" pitchFamily="2" charset="0"/>
-                <a:ea typeface="Roboto Light" panose="02000000000000000000" pitchFamily="2" charset="0"/>
-              </a:rPr>
-              <a:t> </a:t>
-            </a:r>
-            <a:r>
-              <a:rPr lang="de-AT" sz="1000" dirty="0" err="1">
-                <a:latin typeface="Roboto Light" panose="02000000000000000000" pitchFamily="2" charset="0"/>
-                <a:ea typeface="Roboto Light" panose="02000000000000000000" pitchFamily="2" charset="0"/>
-              </a:rPr>
-              <a:t>change</a:t>
-            </a:r>
-            <a:r>
-              <a:rPr lang="de-AT" sz="1000" dirty="0">
-                <a:latin typeface="Roboto Light" panose="02000000000000000000" pitchFamily="2" charset="0"/>
-                <a:ea typeface="Roboto Light" panose="02000000000000000000" pitchFamily="2" charset="0"/>
-              </a:rPr>
-              <a:t> </a:t>
-            </a:r>
-            <a:r>
-              <a:rPr lang="de-AT" sz="1000" dirty="0" err="1">
-                <a:latin typeface="Roboto Light" panose="02000000000000000000" pitchFamily="2" charset="0"/>
-                <a:ea typeface="Roboto Light" panose="02000000000000000000" pitchFamily="2" charset="0"/>
-              </a:rPr>
-              <a:t>without</a:t>
-            </a:r>
-            <a:r>
-              <a:rPr lang="de-AT" sz="1000" dirty="0">
-                <a:latin typeface="Roboto Light" panose="02000000000000000000" pitchFamily="2" charset="0"/>
-                <a:ea typeface="Roboto Light" panose="02000000000000000000" pitchFamily="2" charset="0"/>
-              </a:rPr>
-              <a:t> </a:t>
-            </a:r>
-            <a:r>
-              <a:rPr lang="de-AT" sz="1000" dirty="0" err="1">
-                <a:latin typeface="Roboto Light" panose="02000000000000000000" pitchFamily="2" charset="0"/>
-                <a:ea typeface="Roboto Light" panose="02000000000000000000" pitchFamily="2" charset="0"/>
-              </a:rPr>
-              <a:t>prior</a:t>
-            </a:r>
-            <a:r>
-              <a:rPr lang="de-AT" sz="1000" dirty="0">
-                <a:latin typeface="Roboto Light" panose="02000000000000000000" pitchFamily="2" charset="0"/>
-                <a:ea typeface="Roboto Light" panose="02000000000000000000" pitchFamily="2" charset="0"/>
-              </a:rPr>
-              <a:t> </a:t>
-            </a:r>
-            <a:r>
-              <a:rPr lang="de-AT" sz="1000" dirty="0" err="1">
-                <a:latin typeface="Roboto Light" panose="02000000000000000000" pitchFamily="2" charset="0"/>
-                <a:ea typeface="Roboto Light" panose="02000000000000000000" pitchFamily="2" charset="0"/>
-              </a:rPr>
-              <a:t>notice</a:t>
-            </a:r>
-            <a:r>
-              <a:rPr lang="de-AT" sz="1000" dirty="0">
-                <a:latin typeface="Roboto Light" panose="02000000000000000000" pitchFamily="2" charset="0"/>
-                <a:ea typeface="Roboto Light" panose="02000000000000000000" pitchFamily="2" charset="0"/>
-              </a:rPr>
-              <a:t>.</a:t>
-            </a:r>
-          </a:p>
-        </p:txBody>
-      </p:sp>
-      <p:pic>
-        <p:nvPicPr>
-          <p:cNvPr id="6" name="Grafik 5">
-            <a:extLst>
-              <a:ext uri="{FF2B5EF4-FFF2-40B4-BE49-F238E27FC236}">
-                <a16:creationId xmlns:a16="http://schemas.microsoft.com/office/drawing/2014/main" id="{5718301A-01DA-42EE-AE6B-1521FED9E218}"/>
-              </a:ext>
-            </a:extLst>
-          </p:cNvPr>
-          <p:cNvPicPr>
-            <a:picLocks noChangeAspect="1"/>
-          </p:cNvPicPr>
-          <p:nvPr/>
-        </p:nvPicPr>
-        <p:blipFill rotWithShape="1">
-          <a:blip r:embed="rId2">
-            <a:extLst>
-              <a:ext uri="{28A0092B-C50C-407E-A947-70E740481C1C}">
-                <a14:useLocalDpi xmlns:a14="http://schemas.microsoft.com/office/drawing/2010/main" val="0"/>
-              </a:ext>
-            </a:extLst>
-          </a:blip>
-          <a:srcRect l="659" t="546" r="1349" b="1054"/>
-          <a:stretch/>
-        </p:blipFill>
-        <p:spPr>
-          <a:xfrm>
-            <a:off x="945147" y="1690688"/>
-            <a:ext cx="2435716" cy="4335504"/>
-          </a:xfrm>
-          <a:prstGeom prst="rect">
-            <a:avLst/>
-          </a:prstGeom>
-          <a:effectLst>
-            <a:outerShdw blurRad="127000" sx="102000" sy="102000" algn="ctr" rotWithShape="0">
-              <a:prstClr val="black">
-                <a:alpha val="10000"/>
-              </a:prstClr>
-            </a:outerShdw>
-          </a:effectLst>
-        </p:spPr>
-      </p:pic>
-      <p:pic>
-        <p:nvPicPr>
-          <p:cNvPr id="10" name="Grafik 9">
-            <a:extLst>
-              <a:ext uri="{FF2B5EF4-FFF2-40B4-BE49-F238E27FC236}">
-                <a16:creationId xmlns:a16="http://schemas.microsoft.com/office/drawing/2014/main" id="{2A4ECD4E-6BFD-42D1-B49D-581FE6564DAA}"/>
-              </a:ext>
-            </a:extLst>
-          </p:cNvPr>
-          <p:cNvPicPr>
-            <a:picLocks noChangeAspect="1"/>
-          </p:cNvPicPr>
-          <p:nvPr/>
-        </p:nvPicPr>
-        <p:blipFill rotWithShape="1">
-          <a:blip r:embed="rId3">
-            <a:extLst>
-              <a:ext uri="{28A0092B-C50C-407E-A947-70E740481C1C}">
-                <a14:useLocalDpi xmlns:a14="http://schemas.microsoft.com/office/drawing/2010/main" val="0"/>
-              </a:ext>
-            </a:extLst>
-          </a:blip>
-          <a:srcRect l="941" t="624" r="941" b="896"/>
-          <a:stretch/>
-        </p:blipFill>
-        <p:spPr>
-          <a:xfrm>
-            <a:off x="4873958" y="1690688"/>
-            <a:ext cx="2444084" cy="4335504"/>
-          </a:xfrm>
-          <a:prstGeom prst="rect">
-            <a:avLst/>
-          </a:prstGeom>
-          <a:effectLst>
-            <a:outerShdw blurRad="127000" sx="102000" sy="102000" algn="ctr" rotWithShape="0">
-              <a:prstClr val="black">
-                <a:alpha val="10000"/>
-              </a:prstClr>
-            </a:outerShdw>
-          </a:effectLst>
-        </p:spPr>
-      </p:pic>
-      <p:pic>
-        <p:nvPicPr>
-          <p:cNvPr id="14" name="Grafik 13">
-            <a:extLst>
-              <a:ext uri="{FF2B5EF4-FFF2-40B4-BE49-F238E27FC236}">
-                <a16:creationId xmlns:a16="http://schemas.microsoft.com/office/drawing/2014/main" id="{B87F5D50-FF93-4327-B2DF-18B69D151C4D}"/>
-              </a:ext>
-            </a:extLst>
-          </p:cNvPr>
-          <p:cNvPicPr>
-            <a:picLocks noChangeAspect="1"/>
-          </p:cNvPicPr>
-          <p:nvPr/>
-        </p:nvPicPr>
-        <p:blipFill rotWithShape="1">
-          <a:blip r:embed="rId4">
-            <a:extLst>
-              <a:ext uri="{28A0092B-C50C-407E-A947-70E740481C1C}">
-                <a14:useLocalDpi xmlns:a14="http://schemas.microsoft.com/office/drawing/2010/main" val="0"/>
-              </a:ext>
-            </a:extLst>
-          </a:blip>
-          <a:srcRect l="1189" t="546" r="1050" b="897"/>
-          <a:stretch/>
-        </p:blipFill>
-        <p:spPr>
-          <a:xfrm>
-            <a:off x="8921938" y="1690688"/>
-            <a:ext cx="2431862" cy="4335504"/>
-          </a:xfrm>
-          <a:prstGeom prst="rect">
-            <a:avLst/>
-          </a:prstGeom>
-          <a:effectLst>
-            <a:outerShdw blurRad="127000" sx="102000" sy="102000" algn="ctr" rotWithShape="0">
-              <a:prstClr val="black">
-                <a:alpha val="10000"/>
-              </a:prstClr>
-            </a:outerShdw>
-          </a:effectLst>
-        </p:spPr>
-      </p:pic>
-    </p:spTree>
-    <p:extLst>
-      <p:ext uri="{BB962C8B-B14F-4D97-AF65-F5344CB8AC3E}">
-        <p14:creationId xmlns:p14="http://schemas.microsoft.com/office/powerpoint/2010/main" val="663719567"/>
-      </p:ext>
-    </p:extLst>
-  </p:cSld>
-  <p:clrMapOvr>
-    <a:masterClrMapping/>
-  </p:clrMapOvr>
-</p:sld>
-</file>
-
-<file path=ppt/slides/slide11.xml><?xml version="1.0" encoding="utf-8"?>
-<p:sld xmlns:a="http://schemas.openxmlformats.org/drawingml/2006/main" xmlns:r="http://schemas.openxmlformats.org/officeDocument/2006/relationships" xmlns:p="http://schemas.openxmlformats.org/presentationml/2006/main">
-  <p:cSld>
-    <p:spTree>
-      <p:nvGrpSpPr>
-        <p:cNvPr id="1" name=""/>
-        <p:cNvGrpSpPr/>
-        <p:nvPr/>
-      </p:nvGrpSpPr>
-      <p:grpSpPr>
-        <a:xfrm>
-          <a:off x="0" y="0"/>
-          <a:ext cx="0" cy="0"/>
-          <a:chOff x="0" y="0"/>
-          <a:chExt cx="0" cy="0"/>
-        </a:xfrm>
-      </p:grpSpPr>
-      <p:sp>
-        <p:nvSpPr>
-          <p:cNvPr id="2" name="Titel 1">
-            <a:extLst>
-              <a:ext uri="{FF2B5EF4-FFF2-40B4-BE49-F238E27FC236}">
-                <a16:creationId xmlns:a16="http://schemas.microsoft.com/office/drawing/2014/main" id="{C14847C9-F8CC-4206-B212-F0A6205771CA}"/>
-              </a:ext>
-            </a:extLst>
-          </p:cNvPr>
-          <p:cNvSpPr>
-            <a:spLocks noGrp="1"/>
-          </p:cNvSpPr>
-          <p:nvPr>
-            <p:ph type="title"/>
-          </p:nvPr>
-        </p:nvSpPr>
-        <p:spPr/>
-        <p:txBody>
-          <a:bodyPr/>
-          <a:lstStyle/>
-          <a:p>
-            <a:r>
-              <a:rPr lang="de-AT" dirty="0" err="1"/>
-              <a:t>Planned</a:t>
-            </a:r>
-            <a:r>
-              <a:rPr lang="de-AT" dirty="0"/>
-              <a:t> Design</a:t>
-            </a:r>
-          </a:p>
-        </p:txBody>
-      </p:sp>
-      <p:sp>
-        <p:nvSpPr>
-          <p:cNvPr id="4" name="Textfeld 3">
-            <a:extLst>
-              <a:ext uri="{FF2B5EF4-FFF2-40B4-BE49-F238E27FC236}">
-                <a16:creationId xmlns:a16="http://schemas.microsoft.com/office/drawing/2014/main" id="{FC8CF503-84BE-4DAB-9E09-B984A6B08EEA}"/>
-              </a:ext>
-            </a:extLst>
-          </p:cNvPr>
-          <p:cNvSpPr txBox="1"/>
-          <p:nvPr/>
-        </p:nvSpPr>
-        <p:spPr>
-          <a:xfrm>
-            <a:off x="838200" y="6445584"/>
-            <a:ext cx="10515600" cy="246221"/>
-          </a:xfrm>
-          <a:prstGeom prst="rect">
-            <a:avLst/>
-          </a:prstGeom>
-          <a:noFill/>
-        </p:spPr>
-        <p:txBody>
-          <a:bodyPr wrap="square" rtlCol="0">
-            <a:spAutoFit/>
-          </a:bodyPr>
-          <a:lstStyle/>
-          <a:p>
-            <a:pPr algn="ctr"/>
-            <a:r>
-              <a:rPr lang="de-AT" sz="1000" dirty="0" err="1">
-                <a:latin typeface="Roboto Light" panose="02000000000000000000" pitchFamily="2" charset="0"/>
-                <a:ea typeface="Roboto Light" panose="02000000000000000000" pitchFamily="2" charset="0"/>
-              </a:rPr>
-              <a:t>Subject</a:t>
-            </a:r>
-            <a:r>
-              <a:rPr lang="de-AT" sz="1000" dirty="0">
-                <a:latin typeface="Roboto Light" panose="02000000000000000000" pitchFamily="2" charset="0"/>
-                <a:ea typeface="Roboto Light" panose="02000000000000000000" pitchFamily="2" charset="0"/>
-              </a:rPr>
-              <a:t> </a:t>
-            </a:r>
-            <a:r>
-              <a:rPr lang="de-AT" sz="1000" dirty="0" err="1">
-                <a:latin typeface="Roboto Light" panose="02000000000000000000" pitchFamily="2" charset="0"/>
-                <a:ea typeface="Roboto Light" panose="02000000000000000000" pitchFamily="2" charset="0"/>
-              </a:rPr>
-              <a:t>to</a:t>
-            </a:r>
-            <a:r>
-              <a:rPr lang="de-AT" sz="1000" dirty="0">
-                <a:latin typeface="Roboto Light" panose="02000000000000000000" pitchFamily="2" charset="0"/>
-                <a:ea typeface="Roboto Light" panose="02000000000000000000" pitchFamily="2" charset="0"/>
-              </a:rPr>
-              <a:t> </a:t>
-            </a:r>
-            <a:r>
-              <a:rPr lang="de-AT" sz="1000" dirty="0" err="1">
-                <a:latin typeface="Roboto Light" panose="02000000000000000000" pitchFamily="2" charset="0"/>
-                <a:ea typeface="Roboto Light" panose="02000000000000000000" pitchFamily="2" charset="0"/>
-              </a:rPr>
-              <a:t>change</a:t>
-            </a:r>
-            <a:r>
-              <a:rPr lang="de-AT" sz="1000" dirty="0">
-                <a:latin typeface="Roboto Light" panose="02000000000000000000" pitchFamily="2" charset="0"/>
-                <a:ea typeface="Roboto Light" panose="02000000000000000000" pitchFamily="2" charset="0"/>
-              </a:rPr>
-              <a:t> </a:t>
-            </a:r>
-            <a:r>
-              <a:rPr lang="de-AT" sz="1000" dirty="0" err="1">
-                <a:latin typeface="Roboto Light" panose="02000000000000000000" pitchFamily="2" charset="0"/>
-                <a:ea typeface="Roboto Light" panose="02000000000000000000" pitchFamily="2" charset="0"/>
-              </a:rPr>
-              <a:t>without</a:t>
-            </a:r>
-            <a:r>
-              <a:rPr lang="de-AT" sz="1000" dirty="0">
-                <a:latin typeface="Roboto Light" panose="02000000000000000000" pitchFamily="2" charset="0"/>
-                <a:ea typeface="Roboto Light" panose="02000000000000000000" pitchFamily="2" charset="0"/>
-              </a:rPr>
-              <a:t> </a:t>
-            </a:r>
-            <a:r>
-              <a:rPr lang="de-AT" sz="1000" dirty="0" err="1">
-                <a:latin typeface="Roboto Light" panose="02000000000000000000" pitchFamily="2" charset="0"/>
-                <a:ea typeface="Roboto Light" panose="02000000000000000000" pitchFamily="2" charset="0"/>
-              </a:rPr>
-              <a:t>prior</a:t>
-            </a:r>
-            <a:r>
-              <a:rPr lang="de-AT" sz="1000" dirty="0">
-                <a:latin typeface="Roboto Light" panose="02000000000000000000" pitchFamily="2" charset="0"/>
-                <a:ea typeface="Roboto Light" panose="02000000000000000000" pitchFamily="2" charset="0"/>
-              </a:rPr>
-              <a:t> </a:t>
-            </a:r>
-            <a:r>
-              <a:rPr lang="de-AT" sz="1000" dirty="0" err="1">
-                <a:latin typeface="Roboto Light" panose="02000000000000000000" pitchFamily="2" charset="0"/>
-                <a:ea typeface="Roboto Light" panose="02000000000000000000" pitchFamily="2" charset="0"/>
-              </a:rPr>
-              <a:t>notice</a:t>
-            </a:r>
-            <a:r>
-              <a:rPr lang="de-AT" sz="1000" dirty="0">
-                <a:latin typeface="Roboto Light" panose="02000000000000000000" pitchFamily="2" charset="0"/>
-                <a:ea typeface="Roboto Light" panose="02000000000000000000" pitchFamily="2" charset="0"/>
-              </a:rPr>
-              <a:t>.</a:t>
-            </a:r>
-          </a:p>
-        </p:txBody>
-      </p:sp>
-      <p:pic>
-        <p:nvPicPr>
-          <p:cNvPr id="12" name="Grafik 11">
-            <a:extLst>
-              <a:ext uri="{FF2B5EF4-FFF2-40B4-BE49-F238E27FC236}">
-                <a16:creationId xmlns:a16="http://schemas.microsoft.com/office/drawing/2014/main" id="{FC2DB18A-E7C4-4C87-AD60-A610D5E0A180}"/>
-              </a:ext>
-            </a:extLst>
-          </p:cNvPr>
-          <p:cNvPicPr>
-            <a:picLocks noChangeAspect="1"/>
-          </p:cNvPicPr>
-          <p:nvPr/>
-        </p:nvPicPr>
-        <p:blipFill rotWithShape="1">
-          <a:blip r:embed="rId2">
-            <a:extLst>
-              <a:ext uri="{28A0092B-C50C-407E-A947-70E740481C1C}">
-                <a14:useLocalDpi xmlns:a14="http://schemas.microsoft.com/office/drawing/2010/main" val="0"/>
-              </a:ext>
-            </a:extLst>
-          </a:blip>
-          <a:srcRect l="943" t="702" r="1217" b="897"/>
-          <a:stretch/>
-        </p:blipFill>
-        <p:spPr>
-          <a:xfrm>
-            <a:off x="6938797" y="1690689"/>
-            <a:ext cx="2439151" cy="4335504"/>
-          </a:xfrm>
-          <a:prstGeom prst="rect">
-            <a:avLst/>
-          </a:prstGeom>
-          <a:effectLst>
-            <a:outerShdw blurRad="127000" sx="102000" sy="102000" algn="ctr" rotWithShape="0">
-              <a:prstClr val="black">
-                <a:alpha val="10000"/>
-              </a:prstClr>
-            </a:outerShdw>
-          </a:effectLst>
-        </p:spPr>
-      </p:pic>
-      <p:pic>
-        <p:nvPicPr>
-          <p:cNvPr id="5" name="Grafik 4">
-            <a:extLst>
-              <a:ext uri="{FF2B5EF4-FFF2-40B4-BE49-F238E27FC236}">
-                <a16:creationId xmlns:a16="http://schemas.microsoft.com/office/drawing/2014/main" id="{F73D1ED2-459F-4873-B09E-616980BAD00B}"/>
-              </a:ext>
-            </a:extLst>
-          </p:cNvPr>
-          <p:cNvPicPr>
-            <a:picLocks noChangeAspect="1"/>
-          </p:cNvPicPr>
-          <p:nvPr/>
-        </p:nvPicPr>
-        <p:blipFill rotWithShape="1">
-          <a:blip r:embed="rId3">
-            <a:extLst>
-              <a:ext uri="{28A0092B-C50C-407E-A947-70E740481C1C}">
-                <a14:useLocalDpi xmlns:a14="http://schemas.microsoft.com/office/drawing/2010/main" val="0"/>
-              </a:ext>
-            </a:extLst>
-          </a:blip>
-          <a:srcRect l="1139" t="624" r="1414" b="975"/>
-          <a:stretch/>
-        </p:blipFill>
-        <p:spPr>
-          <a:xfrm>
-            <a:off x="2672930" y="1690689"/>
-            <a:ext cx="2431137" cy="4333468"/>
-          </a:xfrm>
-          <a:prstGeom prst="rect">
-            <a:avLst/>
-          </a:prstGeom>
-          <a:effectLst>
-            <a:outerShdw blurRad="127000" sx="102000" sy="102000" algn="ctr" rotWithShape="0">
-              <a:prstClr val="black">
-                <a:alpha val="10000"/>
-              </a:prstClr>
-            </a:outerShdw>
-          </a:effectLst>
-        </p:spPr>
-      </p:pic>
-    </p:spTree>
-    <p:extLst>
-      <p:ext uri="{BB962C8B-B14F-4D97-AF65-F5344CB8AC3E}">
-        <p14:creationId xmlns:p14="http://schemas.microsoft.com/office/powerpoint/2010/main" val="1218415181"/>
-      </p:ext>
-    </p:extLst>
-  </p:cSld>
-  <p:clrMapOvr>
-    <a:masterClrMapping/>
-  </p:clrMapOvr>
-</p:sld>
-</file>
-
-<file path=ppt/slides/slide12.xml><?xml version="1.0" encoding="utf-8"?>
-<p:sld xmlns:a="http://schemas.openxmlformats.org/drawingml/2006/main" xmlns:r="http://schemas.openxmlformats.org/officeDocument/2006/relationships" xmlns:p="http://schemas.openxmlformats.org/presentationml/2006/main">
-  <p:cSld>
     <p:bg>
       <p:bgPr>
         <a:solidFill>
-          <a:srgbClr val="9CD3D3"/>
+          <a:schemeClr val="bg1"/>
         </a:solidFill>
         <a:effectLst/>
       </p:bgPr>
@@ -4177,20 +3608,8 @@
           <a:lstStyle/>
           <a:p>
             <a:r>
-              <a:rPr lang="de-AT" dirty="0" err="1">
-                <a:solidFill>
-                  <a:schemeClr val="bg1"/>
-                </a:solidFill>
-              </a:rPr>
-              <a:t>Current</a:t>
-            </a:r>
-            <a:r>
-              <a:rPr lang="de-AT" dirty="0">
-                <a:solidFill>
-                  <a:schemeClr val="bg1"/>
-                </a:solidFill>
-              </a:rPr>
-              <a:t> Status: Pedometer</a:t>
+              <a:rPr lang="de-AT" dirty="0"/>
+              <a:t>Pedometer</a:t>
             </a:r>
           </a:p>
         </p:txBody>
@@ -4219,7 +3638,7 @@
         </p:spPr>
         <p:txBody>
           <a:bodyPr>
-            <a:normAutofit/>
+            <a:normAutofit fontScale="92500" lnSpcReduction="20000"/>
           </a:bodyPr>
           <a:lstStyle/>
           <a:p>
@@ -4229,6 +3648,9 @@
             </a:r>
           </a:p>
           <a:p>
+            <a:endParaRPr lang="de-AT" dirty="0"/>
+          </a:p>
+          <a:p>
             <a:r>
               <a:rPr lang="de-AT" dirty="0"/>
               <a:t>Graph</a:t>
@@ -4268,9 +3690,39 @@
           </a:p>
           <a:p>
             <a:pPr lvl="1"/>
-            <a:r>
-              <a:rPr lang="de-AT" dirty="0" err="1"/>
-              <a:t>Measured</a:t>
+            <a:endParaRPr lang="de-AT" dirty="0"/>
+          </a:p>
+          <a:p>
+            <a:r>
+              <a:rPr lang="de-AT" dirty="0" err="1"/>
+              <a:t>Firebase</a:t>
+            </a:r>
+            <a:endParaRPr lang="de-AT" dirty="0"/>
+          </a:p>
+          <a:p>
+            <a:endParaRPr lang="de-AT" dirty="0"/>
+          </a:p>
+          <a:p>
+            <a:r>
+              <a:rPr lang="de-AT" dirty="0"/>
+              <a:t>Running </a:t>
+            </a:r>
+            <a:r>
+              <a:rPr lang="de-AT" dirty="0" err="1"/>
+              <a:t>as</a:t>
+            </a:r>
+            <a:r>
+              <a:rPr lang="de-AT" dirty="0"/>
+              <a:t> a Service</a:t>
+            </a:r>
+          </a:p>
+          <a:p>
+            <a:endParaRPr lang="de-AT" dirty="0"/>
+          </a:p>
+          <a:p>
+            <a:r>
+              <a:rPr lang="de-AT" dirty="0" err="1"/>
+              <a:t>Implemented</a:t>
             </a:r>
             <a:r>
               <a:rPr lang="de-AT" dirty="0"/>
@@ -4278,29 +3730,38 @@
             </a:r>
             <a:r>
               <a:rPr lang="de-AT" dirty="0" err="1"/>
-              <a:t>values</a:t>
-            </a:r>
-            <a:endParaRPr lang="de-AT" dirty="0"/>
+              <a:t>according</a:t>
+            </a:r>
+            <a:r>
+              <a:rPr lang="de-AT" dirty="0"/>
+              <a:t> </a:t>
+            </a:r>
+            <a:r>
+              <a:rPr lang="de-AT" dirty="0" err="1"/>
+              <a:t>to</a:t>
+            </a:r>
+            <a:r>
+              <a:rPr lang="de-AT" dirty="0"/>
+              <a:t> </a:t>
+            </a:r>
+            <a:r>
+              <a:rPr lang="de-AT" dirty="0" err="1"/>
+              <a:t>the</a:t>
+            </a:r>
+            <a:r>
+              <a:rPr lang="de-AT" dirty="0"/>
+              <a:t> PDF</a:t>
+            </a:r>
           </a:p>
           <a:p>
             <a:pPr lvl="1"/>
             <a:r>
               <a:rPr lang="de-AT" dirty="0"/>
-              <a:t>Max + Min</a:t>
-            </a:r>
-          </a:p>
-          <a:p>
-            <a:pPr lvl="1"/>
-            <a:r>
-              <a:rPr lang="de-AT" dirty="0"/>
-              <a:t>Threshold</a:t>
-            </a:r>
-          </a:p>
-          <a:p>
-            <a:pPr lvl="1"/>
-            <a:r>
-              <a:rPr lang="de-AT" dirty="0" err="1"/>
-              <a:t>Detected</a:t>
+              <a:t>But </a:t>
+            </a:r>
+            <a:r>
+              <a:rPr lang="de-AT" dirty="0" err="1"/>
+              <a:t>with</a:t>
             </a:r>
             <a:r>
               <a:rPr lang="de-AT" dirty="0"/>
@@ -4308,33 +3769,23 @@
             </a:r>
             <a:r>
               <a:rPr lang="de-AT" dirty="0" err="1"/>
-              <a:t>steps</a:t>
-            </a:r>
-            <a:endParaRPr lang="de-AT" dirty="0"/>
-          </a:p>
-          <a:p>
-            <a:r>
-              <a:rPr lang="de-AT" dirty="0" err="1"/>
-              <a:t>Firebase</a:t>
-            </a:r>
-            <a:endParaRPr lang="de-AT" dirty="0"/>
-          </a:p>
-          <a:p>
-            <a:r>
-              <a:rPr lang="de-AT" dirty="0"/>
-              <a:t>Running </a:t>
-            </a:r>
-            <a:r>
-              <a:rPr lang="de-AT" dirty="0" err="1"/>
-              <a:t>as</a:t>
-            </a:r>
-            <a:r>
-              <a:rPr lang="de-AT" dirty="0"/>
-              <a:t> a </a:t>
-            </a:r>
-            <a:r>
-              <a:rPr lang="de-AT" dirty="0" err="1"/>
-              <a:t>service</a:t>
+              <a:t>little</a:t>
+            </a:r>
+            <a:r>
+              <a:rPr lang="de-AT" dirty="0"/>
+              <a:t> </a:t>
+            </a:r>
+            <a:r>
+              <a:rPr lang="de-AT" dirty="0" err="1"/>
+              <a:t>parameter</a:t>
+            </a:r>
+            <a:r>
+              <a:rPr lang="de-AT" dirty="0"/>
+              <a:t> </a:t>
+            </a:r>
+            <a:r>
+              <a:rPr lang="de-AT" dirty="0" err="1"/>
+              <a:t>adjustments</a:t>
             </a:r>
             <a:endParaRPr lang="de-AT" dirty="0"/>
           </a:p>
@@ -4396,7 +3847,7 @@
 </p:sld>
 </file>
 
-<file path=ppt/slides/slide13.xml><?xml version="1.0" encoding="utf-8"?>
+<file path=ppt/slides/slide11.xml><?xml version="1.0" encoding="utf-8"?>
 <p:sld xmlns:a="http://schemas.openxmlformats.org/drawingml/2006/main" xmlns:r="http://schemas.openxmlformats.org/officeDocument/2006/relationships" xmlns:p="http://schemas.openxmlformats.org/presentationml/2006/main">
   <p:cSld>
     <p:spTree>
@@ -4418,305 +3869,6 @@
           <p:cNvPr id="2" name="Titel 1">
             <a:extLst>
               <a:ext uri="{FF2B5EF4-FFF2-40B4-BE49-F238E27FC236}">
-                <a16:creationId xmlns:a16="http://schemas.microsoft.com/office/drawing/2014/main" id="{D751572B-C7B7-4673-B089-8CF2BCC11B4B}"/>
-              </a:ext>
-            </a:extLst>
-          </p:cNvPr>
-          <p:cNvSpPr>
-            <a:spLocks noGrp="1"/>
-          </p:cNvSpPr>
-          <p:nvPr>
-            <p:ph type="title"/>
-          </p:nvPr>
-        </p:nvSpPr>
-        <p:spPr/>
-        <p:txBody>
-          <a:bodyPr/>
-          <a:lstStyle/>
-          <a:p>
-            <a:endParaRPr lang="de-AT"/>
-          </a:p>
-        </p:txBody>
-      </p:sp>
-      <p:pic>
-        <p:nvPicPr>
-          <p:cNvPr id="5" name="Inhaltsplatzhalter 4">
-            <a:extLst>
-              <a:ext uri="{FF2B5EF4-FFF2-40B4-BE49-F238E27FC236}">
-                <a16:creationId xmlns:a16="http://schemas.microsoft.com/office/drawing/2014/main" id="{F31A6ABD-181B-479F-85F4-04B67793D18C}"/>
-              </a:ext>
-            </a:extLst>
-          </p:cNvPr>
-          <p:cNvPicPr>
-            <a:picLocks noGrp="1" noChangeAspect="1"/>
-          </p:cNvPicPr>
-          <p:nvPr>
-            <p:ph idx="1"/>
-          </p:nvPr>
-        </p:nvPicPr>
-        <p:blipFill>
-          <a:blip r:embed="rId2">
-            <a:extLst>
-              <a:ext uri="{28A0092B-C50C-407E-A947-70E740481C1C}">
-                <a14:useLocalDpi xmlns:a14="http://schemas.microsoft.com/office/drawing/2010/main" val="0"/>
-              </a:ext>
-            </a:extLst>
-          </a:blip>
-          <a:stretch>
-            <a:fillRect/>
-          </a:stretch>
-        </p:blipFill>
-        <p:spPr>
-          <a:xfrm>
-            <a:off x="5937782" y="3429000"/>
-            <a:ext cx="4543102" cy="2425233"/>
-          </a:xfrm>
-          <a:prstGeom prst="rect">
-            <a:avLst/>
-          </a:prstGeom>
-          <a:ln>
-            <a:noFill/>
-          </a:ln>
-          <a:effectLst>
-            <a:outerShdw blurRad="292100" dist="139700" dir="2700000" algn="tl" rotWithShape="0">
-              <a:srgbClr val="333333">
-                <a:alpha val="65000"/>
-              </a:srgbClr>
-            </a:outerShdw>
-          </a:effectLst>
-        </p:spPr>
-      </p:pic>
-    </p:spTree>
-    <p:extLst>
-      <p:ext uri="{BB962C8B-B14F-4D97-AF65-F5344CB8AC3E}">
-        <p14:creationId xmlns:p14="http://schemas.microsoft.com/office/powerpoint/2010/main" val="2639763750"/>
-      </p:ext>
-    </p:extLst>
-  </p:cSld>
-  <p:clrMapOvr>
-    <a:masterClrMapping/>
-  </p:clrMapOvr>
-</p:sld>
-</file>
-
-<file path=ppt/slides/slide14.xml><?xml version="1.0" encoding="utf-8"?>
-<p:sld xmlns:a="http://schemas.openxmlformats.org/drawingml/2006/main" xmlns:r="http://schemas.openxmlformats.org/officeDocument/2006/relationships" xmlns:p="http://schemas.openxmlformats.org/presentationml/2006/main">
-  <p:cSld>
-    <p:spTree>
-      <p:nvGrpSpPr>
-        <p:cNvPr id="1" name=""/>
-        <p:cNvGrpSpPr/>
-        <p:nvPr/>
-      </p:nvGrpSpPr>
-      <p:grpSpPr>
-        <a:xfrm>
-          <a:off x="0" y="0"/>
-          <a:ext cx="0" cy="0"/>
-          <a:chOff x="0" y="0"/>
-          <a:chExt cx="0" cy="0"/>
-        </a:xfrm>
-      </p:grpSpPr>
-      <p:sp>
-        <p:nvSpPr>
-          <p:cNvPr id="2" name="Titel 1">
-            <a:extLst>
-              <a:ext uri="{FF2B5EF4-FFF2-40B4-BE49-F238E27FC236}">
-                <a16:creationId xmlns:a16="http://schemas.microsoft.com/office/drawing/2014/main" id="{3BC381C4-762F-49EC-A88E-C3D5DDA8A4B2}"/>
-              </a:ext>
-            </a:extLst>
-          </p:cNvPr>
-          <p:cNvSpPr>
-            <a:spLocks noGrp="1"/>
-          </p:cNvSpPr>
-          <p:nvPr>
-            <p:ph type="ctrTitle"/>
-          </p:nvPr>
-        </p:nvSpPr>
-        <p:spPr>
-          <a:xfrm>
-            <a:off x="1021347" y="1122363"/>
-            <a:ext cx="6160168" cy="2387600"/>
-          </a:xfrm>
-        </p:spPr>
-        <p:txBody>
-          <a:bodyPr/>
-          <a:lstStyle/>
-          <a:p>
-            <a:pPr algn="r"/>
-            <a:r>
-              <a:rPr lang="de-AT" dirty="0" err="1">
-                <a:latin typeface="Aleo" panose="020F0502020204030203" pitchFamily="34" charset="0"/>
-              </a:rPr>
-              <a:t>Thanks</a:t>
-            </a:r>
-            <a:r>
-              <a:rPr lang="de-AT" dirty="0">
-                <a:latin typeface="Aleo" panose="020F0502020204030203" pitchFamily="34" charset="0"/>
-              </a:rPr>
-              <a:t>!</a:t>
-            </a:r>
-          </a:p>
-        </p:txBody>
-      </p:sp>
-      <p:pic>
-        <p:nvPicPr>
-          <p:cNvPr id="5" name="Grafik 4">
-            <a:extLst>
-              <a:ext uri="{FF2B5EF4-FFF2-40B4-BE49-F238E27FC236}">
-                <a16:creationId xmlns:a16="http://schemas.microsoft.com/office/drawing/2014/main" id="{673F195F-2A5C-4D6B-84DE-236675A8B0E8}"/>
-              </a:ext>
-            </a:extLst>
-          </p:cNvPr>
-          <p:cNvPicPr>
-            <a:picLocks noChangeAspect="1"/>
-          </p:cNvPicPr>
-          <p:nvPr/>
-        </p:nvPicPr>
-        <p:blipFill>
-          <a:blip r:embed="rId2">
-            <a:extLst>
-              <a:ext uri="{28A0092B-C50C-407E-A947-70E740481C1C}">
-                <a14:useLocalDpi xmlns:a14="http://schemas.microsoft.com/office/drawing/2010/main" val="0"/>
-              </a:ext>
-            </a:extLst>
-          </a:blip>
-          <a:stretch>
-            <a:fillRect/>
-          </a:stretch>
-        </p:blipFill>
-        <p:spPr>
-          <a:xfrm>
-            <a:off x="7277768" y="2173038"/>
-            <a:ext cx="1760621" cy="1760621"/>
-          </a:xfrm>
-          <a:prstGeom prst="rect">
-            <a:avLst/>
-          </a:prstGeom>
-        </p:spPr>
-      </p:pic>
-    </p:spTree>
-    <p:extLst>
-      <p:ext uri="{BB962C8B-B14F-4D97-AF65-F5344CB8AC3E}">
-        <p14:creationId xmlns:p14="http://schemas.microsoft.com/office/powerpoint/2010/main" val="3385866219"/>
-      </p:ext>
-    </p:extLst>
-  </p:cSld>
-  <p:clrMapOvr>
-    <a:masterClrMapping/>
-  </p:clrMapOvr>
-</p:sld>
-</file>
-
-<file path=ppt/slides/slide15.xml><?xml version="1.0" encoding="utf-8"?>
-<p:sld xmlns:a="http://schemas.openxmlformats.org/drawingml/2006/main" xmlns:r="http://schemas.openxmlformats.org/officeDocument/2006/relationships" xmlns:p="http://schemas.openxmlformats.org/presentationml/2006/main">
-  <p:cSld>
-    <p:bg>
-      <p:bgPr>
-        <a:solidFill>
-          <a:schemeClr val="tx1"/>
-        </a:solidFill>
-        <a:effectLst/>
-      </p:bgPr>
-    </p:bg>
-    <p:spTree>
-      <p:nvGrpSpPr>
-        <p:cNvPr id="1" name=""/>
-        <p:cNvGrpSpPr/>
-        <p:nvPr/>
-      </p:nvGrpSpPr>
-      <p:grpSpPr>
-        <a:xfrm>
-          <a:off x="0" y="0"/>
-          <a:ext cx="0" cy="0"/>
-          <a:chOff x="0" y="0"/>
-          <a:chExt cx="0" cy="0"/>
-        </a:xfrm>
-      </p:grpSpPr>
-      <p:sp>
-        <p:nvSpPr>
-          <p:cNvPr id="2" name="Titel 1">
-            <a:extLst>
-              <a:ext uri="{FF2B5EF4-FFF2-40B4-BE49-F238E27FC236}">
-                <a16:creationId xmlns:a16="http://schemas.microsoft.com/office/drawing/2014/main" id="{B03E46BC-433D-4554-A114-771734BC78BF}"/>
-              </a:ext>
-            </a:extLst>
-          </p:cNvPr>
-          <p:cNvSpPr>
-            <a:spLocks noGrp="1"/>
-          </p:cNvSpPr>
-          <p:nvPr>
-            <p:ph type="title"/>
-          </p:nvPr>
-        </p:nvSpPr>
-        <p:spPr/>
-        <p:txBody>
-          <a:bodyPr/>
-          <a:lstStyle/>
-          <a:p>
-            <a:endParaRPr lang="de-AT"/>
-          </a:p>
-        </p:txBody>
-      </p:sp>
-      <p:sp>
-        <p:nvSpPr>
-          <p:cNvPr id="3" name="Inhaltsplatzhalter 2">
-            <a:extLst>
-              <a:ext uri="{FF2B5EF4-FFF2-40B4-BE49-F238E27FC236}">
-                <a16:creationId xmlns:a16="http://schemas.microsoft.com/office/drawing/2014/main" id="{42C86442-B90F-4E45-B6D8-5A848B257EE4}"/>
-              </a:ext>
-            </a:extLst>
-          </p:cNvPr>
-          <p:cNvSpPr>
-            <a:spLocks noGrp="1"/>
-          </p:cNvSpPr>
-          <p:nvPr>
-            <p:ph idx="1"/>
-          </p:nvPr>
-        </p:nvSpPr>
-        <p:spPr/>
-        <p:txBody>
-          <a:bodyPr/>
-          <a:lstStyle/>
-          <a:p>
-            <a:endParaRPr lang="de-AT"/>
-          </a:p>
-        </p:txBody>
-      </p:sp>
-    </p:spTree>
-    <p:extLst>
-      <p:ext uri="{BB962C8B-B14F-4D97-AF65-F5344CB8AC3E}">
-        <p14:creationId xmlns:p14="http://schemas.microsoft.com/office/powerpoint/2010/main" val="2882696307"/>
-      </p:ext>
-    </p:extLst>
-  </p:cSld>
-  <p:clrMapOvr>
-    <a:masterClrMapping/>
-  </p:clrMapOvr>
-</p:sld>
-</file>
-
-<file path=ppt/slides/slide16.xml><?xml version="1.0" encoding="utf-8"?>
-<p:sld xmlns:a="http://schemas.openxmlformats.org/drawingml/2006/main" xmlns:r="http://schemas.openxmlformats.org/officeDocument/2006/relationships" xmlns:p="http://schemas.openxmlformats.org/presentationml/2006/main">
-  <p:cSld>
-    <p:spTree>
-      <p:nvGrpSpPr>
-        <p:cNvPr id="1" name=""/>
-        <p:cNvGrpSpPr/>
-        <p:nvPr/>
-      </p:nvGrpSpPr>
-      <p:grpSpPr>
-        <a:xfrm>
-          <a:off x="0" y="0"/>
-          <a:ext cx="0" cy="0"/>
-          <a:chOff x="0" y="0"/>
-          <a:chExt cx="0" cy="0"/>
-        </a:xfrm>
-      </p:grpSpPr>
-      <p:sp>
-        <p:nvSpPr>
-          <p:cNvPr id="2" name="Titel 1">
-            <a:extLst>
-              <a:ext uri="{FF2B5EF4-FFF2-40B4-BE49-F238E27FC236}">
                 <a16:creationId xmlns:a16="http://schemas.microsoft.com/office/drawing/2014/main" id="{33A90CFF-B333-4F3F-BBBF-6E073B86CF15}"/>
               </a:ext>
             </a:extLst>
@@ -4742,14 +3894,14 @@
           <a:p>
             <a:r>
               <a:rPr lang="de-AT" dirty="0"/>
-              <a:t>Pedometer</a:t>
+              <a:t>Chart </a:t>
             </a:r>
             <a:br>
               <a:rPr lang="de-AT" dirty="0"/>
             </a:br>
             <a:r>
               <a:rPr lang="de-AT" dirty="0"/>
-              <a:t>Chart Details</a:t>
+              <a:t>Details</a:t>
             </a:r>
           </a:p>
         </p:txBody>
@@ -4772,7 +3924,7 @@
         </p:nvSpPr>
         <p:spPr>
           <a:xfrm>
-            <a:off x="1578033" y="2066585"/>
+            <a:off x="1985396" y="2066585"/>
             <a:ext cx="2395452" cy="4110378"/>
           </a:xfrm>
         </p:spPr>
@@ -4852,7 +4004,7 @@
         </p:blipFill>
         <p:spPr>
           <a:xfrm>
-            <a:off x="4125883" y="438530"/>
+            <a:off x="4533246" y="438530"/>
             <a:ext cx="5339541" cy="6137809"/>
           </a:xfrm>
           <a:prstGeom prst="rect">
@@ -4861,7 +4013,7 @@
           <a:effectLst>
             <a:outerShdw blurRad="127000" sx="102000" sy="102000" algn="ctr" rotWithShape="0">
               <a:prstClr val="black">
-                <a:alpha val="23000"/>
+                <a:alpha val="10000"/>
               </a:prstClr>
             </a:outerShdw>
           </a:effectLst>
@@ -4883,7 +4035,7 @@
         </p:nvCxnSpPr>
         <p:spPr>
           <a:xfrm>
-            <a:off x="3718557" y="2269364"/>
+            <a:off x="4125920" y="2269364"/>
             <a:ext cx="1418709" cy="323295"/>
           </a:xfrm>
           <a:prstGeom prst="straightConnector1">
@@ -4927,7 +4079,7 @@
         </p:nvCxnSpPr>
         <p:spPr>
           <a:xfrm>
-            <a:off x="2984266" y="3066072"/>
+            <a:off x="3391629" y="3066072"/>
             <a:ext cx="2610200" cy="107119"/>
           </a:xfrm>
           <a:prstGeom prst="straightConnector1">
@@ -4971,7 +4123,7 @@
         </p:nvCxnSpPr>
         <p:spPr>
           <a:xfrm flipH="1">
-            <a:off x="8495609" y="3066072"/>
+            <a:off x="8902972" y="3066072"/>
             <a:ext cx="1377141" cy="842981"/>
           </a:xfrm>
           <a:prstGeom prst="straightConnector1">
@@ -5015,7 +4167,7 @@
         </p:nvCxnSpPr>
         <p:spPr>
           <a:xfrm flipH="1">
-            <a:off x="7838903" y="2294714"/>
+            <a:off x="8246266" y="2294714"/>
             <a:ext cx="2033847" cy="1117457"/>
           </a:xfrm>
           <a:prstGeom prst="straightConnector1">
@@ -5059,7 +4211,7 @@
         </p:nvSpPr>
         <p:spPr>
           <a:xfrm>
-            <a:off x="9872750" y="2066585"/>
+            <a:off x="10280113" y="2066585"/>
             <a:ext cx="2395452" cy="4110378"/>
           </a:xfrm>
           <a:prstGeom prst="rect">
@@ -5288,7 +4440,7 @@
         </p:nvCxnSpPr>
         <p:spPr>
           <a:xfrm>
-            <a:off x="2984266" y="3066072"/>
+            <a:off x="3391629" y="3066072"/>
             <a:ext cx="2610200" cy="2345513"/>
           </a:xfrm>
           <a:prstGeom prst="straightConnector1">
@@ -5329,7 +4481,146 @@
 </p:sld>
 </file>
 
-<file path=ppt/slides/slide17.xml><?xml version="1.0" encoding="utf-8"?>
+<file path=ppt/slides/slide12.xml><?xml version="1.0" encoding="utf-8"?>
+<p:sld xmlns:a="http://schemas.openxmlformats.org/drawingml/2006/main" xmlns:r="http://schemas.openxmlformats.org/officeDocument/2006/relationships" xmlns:p="http://schemas.openxmlformats.org/presentationml/2006/main" show="0">
+  <p:cSld>
+    <p:spTree>
+      <p:nvGrpSpPr>
+        <p:cNvPr id="1" name=""/>
+        <p:cNvGrpSpPr/>
+        <p:nvPr/>
+      </p:nvGrpSpPr>
+      <p:grpSpPr>
+        <a:xfrm>
+          <a:off x="0" y="0"/>
+          <a:ext cx="0" cy="0"/>
+          <a:chOff x="0" y="0"/>
+          <a:chExt cx="0" cy="0"/>
+        </a:xfrm>
+      </p:grpSpPr>
+      <p:sp>
+        <p:nvSpPr>
+          <p:cNvPr id="2" name="Titel 1">
+            <a:extLst>
+              <a:ext uri="{FF2B5EF4-FFF2-40B4-BE49-F238E27FC236}">
+                <a16:creationId xmlns:a16="http://schemas.microsoft.com/office/drawing/2014/main" id="{2F8A9E85-0AAB-4835-A6C9-3C90173BFBE0}"/>
+              </a:ext>
+            </a:extLst>
+          </p:cNvPr>
+          <p:cNvSpPr>
+            <a:spLocks noGrp="1"/>
+          </p:cNvSpPr>
+          <p:nvPr>
+            <p:ph type="title"/>
+          </p:nvPr>
+        </p:nvSpPr>
+        <p:spPr/>
+        <p:txBody>
+          <a:bodyPr/>
+          <a:lstStyle/>
+          <a:p>
+            <a:r>
+              <a:rPr lang="de-AT" dirty="0" err="1"/>
+              <a:t>Acceleration</a:t>
+            </a:r>
+            <a:r>
+              <a:rPr lang="de-AT" dirty="0"/>
+              <a:t> </a:t>
+            </a:r>
+            <a:r>
+              <a:rPr lang="de-AT" dirty="0" err="1"/>
+              <a:t>of</a:t>
+            </a:r>
+            <a:r>
+              <a:rPr lang="de-AT" dirty="0"/>
+              <a:t> </a:t>
+            </a:r>
+            <a:r>
+              <a:rPr lang="de-AT" dirty="0" err="1"/>
+              <a:t>morning</a:t>
+            </a:r>
+            <a:r>
+              <a:rPr lang="de-AT" dirty="0"/>
+              <a:t> </a:t>
+            </a:r>
+            <a:r>
+              <a:rPr lang="de-AT" dirty="0" err="1"/>
+              <a:t>walk</a:t>
+            </a:r>
+            <a:r>
+              <a:rPr lang="de-AT" dirty="0"/>
+              <a:t> </a:t>
+            </a:r>
+            <a:r>
+              <a:rPr lang="de-AT" dirty="0" err="1"/>
+              <a:t>to</a:t>
+            </a:r>
+            <a:r>
+              <a:rPr lang="de-AT" dirty="0"/>
+              <a:t> FH</a:t>
+            </a:r>
+          </a:p>
+        </p:txBody>
+      </p:sp>
+      <p:pic>
+        <p:nvPicPr>
+          <p:cNvPr id="5" name="Inhaltsplatzhalter 4">
+            <a:extLst>
+              <a:ext uri="{FF2B5EF4-FFF2-40B4-BE49-F238E27FC236}">
+                <a16:creationId xmlns:a16="http://schemas.microsoft.com/office/drawing/2014/main" id="{F629C541-A0FF-435B-8933-EFD11BC612AC}"/>
+              </a:ext>
+            </a:extLst>
+          </p:cNvPr>
+          <p:cNvPicPr>
+            <a:picLocks noGrp="1" noChangeAspect="1"/>
+          </p:cNvPicPr>
+          <p:nvPr>
+            <p:ph idx="1"/>
+          </p:nvPr>
+        </p:nvPicPr>
+        <p:blipFill>
+          <a:blip r:embed="rId2">
+            <a:extLst>
+              <a:ext uri="{28A0092B-C50C-407E-A947-70E740481C1C}">
+                <a14:useLocalDpi xmlns:a14="http://schemas.microsoft.com/office/drawing/2010/main" val="0"/>
+              </a:ext>
+            </a:extLst>
+          </a:blip>
+          <a:stretch>
+            <a:fillRect/>
+          </a:stretch>
+        </p:blipFill>
+        <p:spPr>
+          <a:xfrm>
+            <a:off x="1611797" y="1825625"/>
+            <a:ext cx="8968406" cy="4351338"/>
+          </a:xfrm>
+          <a:prstGeom prst="rect">
+            <a:avLst/>
+          </a:prstGeom>
+          <a:effectLst>
+            <a:outerShdw blurRad="127000" sx="102000" sy="102000" algn="ctr" rotWithShape="0">
+              <a:prstClr val="black">
+                <a:alpha val="10000"/>
+              </a:prstClr>
+            </a:outerShdw>
+          </a:effectLst>
+        </p:spPr>
+      </p:pic>
+    </p:spTree>
+    <p:extLst>
+      <p:ext uri="{BB962C8B-B14F-4D97-AF65-F5344CB8AC3E}">
+        <p14:creationId xmlns:p14="http://schemas.microsoft.com/office/powerpoint/2010/main" val="1847570275"/>
+      </p:ext>
+    </p:extLst>
+  </p:cSld>
+  <p:clrMapOvr>
+    <a:masterClrMapping/>
+  </p:clrMapOvr>
+</p:sld>
+</file>
+
+<file path=ppt/slides/slide13.xml><?xml version="1.0" encoding="utf-8"?>
 <p:sld xmlns:a="http://schemas.openxmlformats.org/drawingml/2006/main" xmlns:r="http://schemas.openxmlformats.org/officeDocument/2006/relationships" xmlns:p="http://schemas.openxmlformats.org/presentationml/2006/main">
   <p:cSld>
     <p:spTree>
@@ -5351,7 +4642,7 @@
           <p:cNvPr id="2" name="Titel 1">
             <a:extLst>
               <a:ext uri="{FF2B5EF4-FFF2-40B4-BE49-F238E27FC236}">
-                <a16:creationId xmlns:a16="http://schemas.microsoft.com/office/drawing/2014/main" id="{2F8A9E85-0AAB-4835-A6C9-3C90173BFBE0}"/>
+                <a16:creationId xmlns:a16="http://schemas.microsoft.com/office/drawing/2014/main" id="{D751572B-C7B7-4673-B089-8CF2BCC11B4B}"/>
               </a:ext>
             </a:extLst>
           </p:cNvPr>
@@ -5367,25 +4658,98 @@
           <a:bodyPr/>
           <a:lstStyle/>
           <a:p>
-            <a:endParaRPr lang="de-AT"/>
+            <a:r>
+              <a:rPr lang="de-AT" dirty="0"/>
+              <a:t>Competition Analysis</a:t>
+            </a:r>
+          </a:p>
+        </p:txBody>
+      </p:sp>
+      <p:sp>
+        <p:nvSpPr>
+          <p:cNvPr id="3" name="Inhaltsplatzhalter 2">
+            <a:extLst>
+              <a:ext uri="{FF2B5EF4-FFF2-40B4-BE49-F238E27FC236}">
+                <a16:creationId xmlns:a16="http://schemas.microsoft.com/office/drawing/2014/main" id="{474703D7-DFD8-4E2C-8EF0-D4A3CB12B766}"/>
+              </a:ext>
+            </a:extLst>
+          </p:cNvPr>
+          <p:cNvSpPr>
+            <a:spLocks noGrp="1"/>
+          </p:cNvSpPr>
+          <p:nvPr>
+            <p:ph idx="1"/>
+          </p:nvPr>
+        </p:nvSpPr>
+        <p:spPr/>
+        <p:txBody>
+          <a:bodyPr/>
+          <a:lstStyle/>
+          <a:p>
+            <a:r>
+              <a:rPr lang="de-AT" dirty="0" err="1"/>
+              <a:t>Accuracy</a:t>
+            </a:r>
+            <a:r>
+              <a:rPr lang="de-AT" dirty="0"/>
+              <a:t> </a:t>
+            </a:r>
+            <a:r>
+              <a:rPr lang="de-AT" dirty="0" err="1"/>
+              <a:t>compared</a:t>
+            </a:r>
+            <a:r>
+              <a:rPr lang="de-AT" dirty="0"/>
+              <a:t> </a:t>
+            </a:r>
+            <a:r>
+              <a:rPr lang="de-AT" dirty="0" err="1"/>
+              <a:t>to</a:t>
+            </a:r>
+            <a:r>
+              <a:rPr lang="de-AT" dirty="0"/>
+              <a:t>:</a:t>
+            </a:r>
+          </a:p>
+          <a:p>
+            <a:pPr lvl="1"/>
+            <a:r>
+              <a:rPr lang="de-AT" dirty="0"/>
+              <a:t>Huawei Health</a:t>
+            </a:r>
+          </a:p>
+          <a:p>
+            <a:pPr lvl="1"/>
+            <a:r>
+              <a:rPr lang="de-AT" dirty="0"/>
+              <a:t>Schrittzähler</a:t>
+            </a:r>
+          </a:p>
+          <a:p>
+            <a:pPr lvl="1"/>
+            <a:r>
+              <a:rPr lang="de-AT" dirty="0"/>
+              <a:t>Pedometer</a:t>
+            </a:r>
+          </a:p>
+          <a:p>
+            <a:endParaRPr lang="de-AT" dirty="0"/>
           </a:p>
         </p:txBody>
       </p:sp>
       <p:pic>
         <p:nvPicPr>
-          <p:cNvPr id="5" name="Inhaltsplatzhalter 4">
-            <a:extLst>
-              <a:ext uri="{FF2B5EF4-FFF2-40B4-BE49-F238E27FC236}">
-                <a16:creationId xmlns:a16="http://schemas.microsoft.com/office/drawing/2014/main" id="{F629C541-A0FF-435B-8933-EFD11BC612AC}"/>
+          <p:cNvPr id="6" name="Inhaltsplatzhalter 4">
+            <a:extLst>
+              <a:ext uri="{FF2B5EF4-FFF2-40B4-BE49-F238E27FC236}">
+                <a16:creationId xmlns:a16="http://schemas.microsoft.com/office/drawing/2014/main" id="{84AC9FBC-7AD1-456B-9447-7DBBB603D62A}"/>
               </a:ext>
             </a:extLst>
           </p:cNvPr>
           <p:cNvPicPr>
-            <a:picLocks noGrp="1" noChangeAspect="1"/>
+            <a:picLocks noChangeAspect="1"/>
           </p:cNvPicPr>
-          <p:nvPr>
-            <p:ph idx="1"/>
-          </p:nvPr>
+          <p:nvPr/>
         </p:nvPicPr>
         <p:blipFill>
           <a:blip r:embed="rId2">
@@ -5401,8 +4765,8 @@
         </p:blipFill>
         <p:spPr>
           <a:xfrm>
-            <a:off x="1611797" y="1825625"/>
-            <a:ext cx="8968406" cy="4351338"/>
+            <a:off x="5937782" y="3429000"/>
+            <a:ext cx="4543102" cy="2425233"/>
           </a:xfrm>
           <a:prstGeom prst="rect">
             <a:avLst/>
@@ -5422,7 +4786,115 @@
     </p:spTree>
     <p:extLst>
       <p:ext uri="{BB962C8B-B14F-4D97-AF65-F5344CB8AC3E}">
-        <p14:creationId xmlns:p14="http://schemas.microsoft.com/office/powerpoint/2010/main" val="1847570275"/>
+        <p14:creationId xmlns:p14="http://schemas.microsoft.com/office/powerpoint/2010/main" val="2639763750"/>
+      </p:ext>
+    </p:extLst>
+  </p:cSld>
+  <p:clrMapOvr>
+    <a:masterClrMapping/>
+  </p:clrMapOvr>
+</p:sld>
+</file>
+
+<file path=ppt/slides/slide14.xml><?xml version="1.0" encoding="utf-8"?>
+<p:sld xmlns:a="http://schemas.openxmlformats.org/drawingml/2006/main" xmlns:r="http://schemas.openxmlformats.org/officeDocument/2006/relationships" xmlns:p="http://schemas.openxmlformats.org/presentationml/2006/main">
+  <p:cSld>
+    <p:spTree>
+      <p:nvGrpSpPr>
+        <p:cNvPr id="1" name=""/>
+        <p:cNvGrpSpPr/>
+        <p:nvPr/>
+      </p:nvGrpSpPr>
+      <p:grpSpPr>
+        <a:xfrm>
+          <a:off x="0" y="0"/>
+          <a:ext cx="0" cy="0"/>
+          <a:chOff x="0" y="0"/>
+          <a:chExt cx="0" cy="0"/>
+        </a:xfrm>
+      </p:grpSpPr>
+      <p:sp>
+        <p:nvSpPr>
+          <p:cNvPr id="2" name="Titel 1">
+            <a:extLst>
+              <a:ext uri="{FF2B5EF4-FFF2-40B4-BE49-F238E27FC236}">
+                <a16:creationId xmlns:a16="http://schemas.microsoft.com/office/drawing/2014/main" id="{3BC381C4-762F-49EC-A88E-C3D5DDA8A4B2}"/>
+              </a:ext>
+            </a:extLst>
+          </p:cNvPr>
+          <p:cNvSpPr>
+            <a:spLocks noGrp="1"/>
+          </p:cNvSpPr>
+          <p:nvPr>
+            <p:ph type="ctrTitle"/>
+          </p:nvPr>
+        </p:nvSpPr>
+        <p:spPr>
+          <a:xfrm>
+            <a:off x="1021347" y="1122363"/>
+            <a:ext cx="6160168" cy="2387600"/>
+          </a:xfrm>
+        </p:spPr>
+        <p:txBody>
+          <a:bodyPr/>
+          <a:lstStyle/>
+          <a:p>
+            <a:pPr algn="r"/>
+            <a:r>
+              <a:rPr lang="de-AT" dirty="0" err="1">
+                <a:latin typeface="Aleo" panose="020F0502020204030203" pitchFamily="34" charset="0"/>
+              </a:rPr>
+              <a:t>Thanks</a:t>
+            </a:r>
+            <a:r>
+              <a:rPr lang="de-AT" dirty="0">
+                <a:latin typeface="Aleo" panose="020F0502020204030203" pitchFamily="34" charset="0"/>
+              </a:rPr>
+              <a:t>!</a:t>
+            </a:r>
+          </a:p>
+        </p:txBody>
+      </p:sp>
+      <p:pic>
+        <p:nvPicPr>
+          <p:cNvPr id="5" name="Grafik 4">
+            <a:extLst>
+              <a:ext uri="{FF2B5EF4-FFF2-40B4-BE49-F238E27FC236}">
+                <a16:creationId xmlns:a16="http://schemas.microsoft.com/office/drawing/2014/main" id="{673F195F-2A5C-4D6B-84DE-236675A8B0E8}"/>
+              </a:ext>
+            </a:extLst>
+          </p:cNvPr>
+          <p:cNvPicPr>
+            <a:picLocks noChangeAspect="1"/>
+          </p:cNvPicPr>
+          <p:nvPr/>
+        </p:nvPicPr>
+        <p:blipFill>
+          <a:blip r:embed="rId2">
+            <a:extLst>
+              <a:ext uri="{28A0092B-C50C-407E-A947-70E740481C1C}">
+                <a14:useLocalDpi xmlns:a14="http://schemas.microsoft.com/office/drawing/2010/main" val="0"/>
+              </a:ext>
+            </a:extLst>
+          </a:blip>
+          <a:stretch>
+            <a:fillRect/>
+          </a:stretch>
+        </p:blipFill>
+        <p:spPr>
+          <a:xfrm>
+            <a:off x="7277768" y="2173038"/>
+            <a:ext cx="1760621" cy="1760621"/>
+          </a:xfrm>
+          <a:prstGeom prst="rect">
+            <a:avLst/>
+          </a:prstGeom>
+        </p:spPr>
+      </p:pic>
+    </p:spTree>
+    <p:extLst>
+      <p:ext uri="{BB962C8B-B14F-4D97-AF65-F5344CB8AC3E}">
+        <p14:creationId xmlns:p14="http://schemas.microsoft.com/office/powerpoint/2010/main" val="3385866219"/>
       </p:ext>
     </p:extLst>
   </p:cSld>
@@ -5508,11 +4980,27 @@
             </a:r>
             <a:r>
               <a:rPr lang="de-AT" dirty="0"/>
+              <a:t> Apps </a:t>
+            </a:r>
+            <a:r>
+              <a:rPr lang="de-AT" dirty="0" err="1"/>
+              <a:t>are</a:t>
+            </a:r>
+            <a:r>
+              <a:rPr lang="de-AT" dirty="0"/>
+              <a:t> not </a:t>
+            </a:r>
+            <a:r>
+              <a:rPr lang="de-AT" dirty="0" err="1"/>
+              <a:t>designed</a:t>
+            </a:r>
+            <a:r>
+              <a:rPr lang="de-AT" dirty="0"/>
               <a:t> </a:t>
             </a:r>
             <a:r>
               <a:rPr lang="de-AT" dirty="0" err="1"/>
-              <a:t>apps</a:t>
+              <a:t>for</a:t>
             </a:r>
             <a:r>
               <a:rPr lang="de-AT" dirty="0"/>
@@ -5520,15 +5008,7 @@
             </a:r>
             <a:r>
               <a:rPr lang="de-AT" dirty="0" err="1"/>
-              <a:t>are</a:t>
-            </a:r>
-            <a:r>
-              <a:rPr lang="de-AT" dirty="0"/>
-              <a:t> not </a:t>
-            </a:r>
-            <a:r>
-              <a:rPr lang="de-AT" dirty="0" err="1"/>
-              <a:t>designed</a:t>
+              <a:t>Moutain</a:t>
             </a:r>
             <a:r>
               <a:rPr lang="de-AT" dirty="0"/>
@@ -5536,23 +5016,7 @@
             </a:r>
             <a:r>
               <a:rPr lang="de-AT" dirty="0" err="1"/>
-              <a:t>for</a:t>
-            </a:r>
-            <a:r>
-              <a:rPr lang="de-AT" dirty="0"/>
-              <a:t> </a:t>
-            </a:r>
-            <a:r>
-              <a:rPr lang="de-AT" dirty="0" err="1"/>
-              <a:t>moutain</a:t>
-            </a:r>
-            <a:r>
-              <a:rPr lang="de-AT" dirty="0"/>
-              <a:t> </a:t>
-            </a:r>
-            <a:r>
-              <a:rPr lang="de-AT" dirty="0" err="1"/>
-              <a:t>climbers</a:t>
+              <a:t>Climbers</a:t>
             </a:r>
             <a:endParaRPr lang="de-AT" dirty="0"/>
           </a:p>
@@ -5561,6 +5025,13 @@
               <a:buFont typeface="Arial" panose="020B0604020202020204" pitchFamily="34" charset="0"/>
               <a:buChar char="•"/>
             </a:pPr>
+            <a:endParaRPr lang="de-AT" dirty="0"/>
+          </a:p>
+          <a:p>
+            <a:pPr>
+              <a:buFont typeface="Arial" panose="020B0604020202020204" pitchFamily="34" charset="0"/>
+              <a:buChar char="•"/>
+            </a:pPr>
             <a:r>
               <a:rPr lang="de-AT" dirty="0" err="1"/>
               <a:t>They</a:t>
@@ -5583,22 +5054,34 @@
             </a:r>
             <a:r>
               <a:rPr lang="de-AT" dirty="0"/>
+              <a:t> Information:</a:t>
+            </a:r>
+          </a:p>
+          <a:p>
+            <a:pPr lvl="1"/>
+            <a:r>
+              <a:rPr lang="de-AT" dirty="0" err="1"/>
+              <a:t>Covered</a:t>
+            </a:r>
+            <a:r>
+              <a:rPr lang="de-AT" dirty="0"/>
               <a:t> </a:t>
             </a:r>
             <a:r>
               <a:rPr lang="de-AT" dirty="0" err="1"/>
-              <a:t>information</a:t>
-            </a:r>
-            <a:r>
-              <a:rPr lang="de-AT" dirty="0"/>
-              <a:t>:</a:t>
-            </a:r>
+              <a:t>Altitude</a:t>
+            </a:r>
+            <a:endParaRPr lang="de-AT" dirty="0"/>
           </a:p>
           <a:p>
             <a:pPr lvl="1"/>
             <a:r>
-              <a:rPr lang="de-AT" dirty="0" err="1"/>
-              <a:t>Coverd</a:t>
+              <a:rPr lang="de-AT" dirty="0"/>
+              <a:t>Time </a:t>
+            </a:r>
+            <a:r>
+              <a:rPr lang="de-AT" dirty="0" err="1"/>
+              <a:t>spent</a:t>
             </a:r>
             <a:r>
               <a:rPr lang="de-AT" dirty="0"/>
@@ -5606,19 +5089,31 @@
             </a:r>
             <a:r>
               <a:rPr lang="de-AT" dirty="0" err="1"/>
-              <a:t>altitude</a:t>
+              <a:t>walking</a:t>
+            </a:r>
+            <a:r>
+              <a:rPr lang="de-AT" dirty="0"/>
+              <a:t> </a:t>
+            </a:r>
+            <a:r>
+              <a:rPr lang="de-AT" dirty="0" err="1"/>
+              <a:t>uphill</a:t>
+            </a:r>
+            <a:r>
+              <a:rPr lang="de-AT" dirty="0"/>
+              <a:t>/</a:t>
+            </a:r>
+            <a:r>
+              <a:rPr lang="de-AT" dirty="0" err="1"/>
+              <a:t>downhill</a:t>
             </a:r>
             <a:endParaRPr lang="de-AT" dirty="0"/>
           </a:p>
           <a:p>
             <a:pPr lvl="1"/>
             <a:r>
-              <a:rPr lang="de-AT" dirty="0"/>
-              <a:t>Time </a:t>
-            </a:r>
-            <a:r>
-              <a:rPr lang="de-AT" dirty="0" err="1"/>
-              <a:t>spent</a:t>
+              <a:rPr lang="de-AT" dirty="0" err="1"/>
+              <a:t>Calculation</a:t>
             </a:r>
             <a:r>
               <a:rPr lang="de-AT" dirty="0"/>
@@ -5626,7 +5121,7 @@
             </a:r>
             <a:r>
               <a:rPr lang="de-AT" dirty="0" err="1"/>
-              <a:t>walking</a:t>
+              <a:t>of</a:t>
             </a:r>
             <a:r>
               <a:rPr lang="de-AT" dirty="0"/>
@@ -5634,31 +5129,7 @@
             </a:r>
             <a:r>
               <a:rPr lang="de-AT" dirty="0" err="1"/>
-              <a:t>uphill</a:t>
-            </a:r>
-            <a:r>
-              <a:rPr lang="de-AT" dirty="0"/>
-              <a:t>/</a:t>
-            </a:r>
-            <a:r>
-              <a:rPr lang="de-AT" dirty="0" err="1"/>
-              <a:t>downhill</a:t>
-            </a:r>
-            <a:endParaRPr lang="de-AT" dirty="0"/>
-          </a:p>
-          <a:p>
-            <a:pPr lvl="1"/>
-            <a:r>
-              <a:rPr lang="de-AT" dirty="0" err="1"/>
               <a:t>Calories</a:t>
-            </a:r>
-            <a:r>
-              <a:rPr lang="de-AT" dirty="0"/>
-              <a:t> </a:t>
-            </a:r>
-            <a:r>
-              <a:rPr lang="de-AT" dirty="0" err="1"/>
-              <a:t>calculation</a:t>
             </a:r>
             <a:endParaRPr lang="de-AT" dirty="0"/>
           </a:p>
@@ -5805,7 +5276,7 @@
           <p:cNvPr id="2" name="Titel 1">
             <a:extLst>
               <a:ext uri="{FF2B5EF4-FFF2-40B4-BE49-F238E27FC236}">
-                <a16:creationId xmlns:a16="http://schemas.microsoft.com/office/drawing/2014/main" id="{2FF4F889-2CCC-4583-8CC8-8D8CB4203991}"/>
+                <a16:creationId xmlns:a16="http://schemas.microsoft.com/office/drawing/2014/main" id="{970D7AEF-D4AF-4374-A8B0-778628C5C90D}"/>
               </a:ext>
             </a:extLst>
           </p:cNvPr>
@@ -5833,7 +5304,7 @@
           <p:cNvPr id="3" name="Inhaltsplatzhalter 2">
             <a:extLst>
               <a:ext uri="{FF2B5EF4-FFF2-40B4-BE49-F238E27FC236}">
-                <a16:creationId xmlns:a16="http://schemas.microsoft.com/office/drawing/2014/main" id="{35AE1F1A-CB65-4013-900A-FED0A75ACBEC}"/>
+                <a16:creationId xmlns:a16="http://schemas.microsoft.com/office/drawing/2014/main" id="{FC410E66-4505-4D4C-BF73-4C44A9CC8998}"/>
               </a:ext>
             </a:extLst>
           </p:cNvPr>
@@ -5849,14 +5320,47 @@
           <a:bodyPr/>
           <a:lstStyle/>
           <a:p>
+            <a:r>
+              <a:rPr lang="de-AT" dirty="0"/>
+              <a:t>Android App</a:t>
+            </a:r>
+          </a:p>
+          <a:p>
             <a:endParaRPr lang="de-AT" dirty="0"/>
+          </a:p>
+          <a:p>
+            <a:r>
+              <a:rPr lang="de-AT" dirty="0" err="1"/>
+              <a:t>Specialized</a:t>
+            </a:r>
+            <a:r>
+              <a:rPr lang="de-AT" dirty="0"/>
+              <a:t> </a:t>
+            </a:r>
+            <a:r>
+              <a:rPr lang="de-AT" dirty="0" err="1"/>
+              <a:t>for</a:t>
+            </a:r>
+            <a:r>
+              <a:rPr lang="de-AT" dirty="0"/>
+              <a:t> </a:t>
+            </a:r>
+            <a:r>
+              <a:rPr lang="de-AT" dirty="0" err="1">
+                <a:latin typeface="Aleo" panose="020F0502020204030203" pitchFamily="34" charset="0"/>
+              </a:rPr>
+              <a:t>Mountaineers</a:t>
+            </a:r>
+            <a:endParaRPr lang="de-AT" dirty="0">
+              <a:latin typeface="Aleo" panose="020F0502020204030203" pitchFamily="34" charset="0"/>
+            </a:endParaRPr>
           </a:p>
         </p:txBody>
       </p:sp>
     </p:spTree>
     <p:extLst>
       <p:ext uri="{BB962C8B-B14F-4D97-AF65-F5344CB8AC3E}">
-        <p14:creationId xmlns:p14="http://schemas.microsoft.com/office/powerpoint/2010/main" val="3819398436"/>
+        <p14:creationId xmlns:p14="http://schemas.microsoft.com/office/powerpoint/2010/main" val="3766447690"/>
       </p:ext>
     </p:extLst>
   </p:cSld>
@@ -5888,7 +5392,7 @@
           <p:cNvPr id="2" name="Titel 1">
             <a:extLst>
               <a:ext uri="{FF2B5EF4-FFF2-40B4-BE49-F238E27FC236}">
-                <a16:creationId xmlns:a16="http://schemas.microsoft.com/office/drawing/2014/main" id="{3B6D1B2E-D642-42FC-BEC8-A3094B022706}"/>
+                <a16:creationId xmlns:a16="http://schemas.microsoft.com/office/drawing/2014/main" id="{4EDE2478-49C7-452D-AB2E-F7C61DC077F0}"/>
               </a:ext>
             </a:extLst>
           </p:cNvPr>
@@ -5906,7 +5410,7 @@
           <a:p>
             <a:r>
               <a:rPr lang="de-AT" dirty="0" err="1"/>
-              <a:t>Platform</a:t>
+              <a:t>Functionality</a:t>
             </a:r>
             <a:endParaRPr lang="de-AT" dirty="0"/>
           </a:p>
@@ -5917,7 +5421,7 @@
           <p:cNvPr id="3" name="Inhaltsplatzhalter 2">
             <a:extLst>
               <a:ext uri="{FF2B5EF4-FFF2-40B4-BE49-F238E27FC236}">
-                <a16:creationId xmlns:a16="http://schemas.microsoft.com/office/drawing/2014/main" id="{D46CB1E6-B22C-4B29-9100-2434BB842EC4}"/>
+                <a16:creationId xmlns:a16="http://schemas.microsoft.com/office/drawing/2014/main" id="{F66735D9-D5CF-48EA-917D-AE7353AF8643}"/>
               </a:ext>
             </a:extLst>
           </p:cNvPr>
@@ -5935,14 +5439,41 @@
           <a:p>
             <a:r>
               <a:rPr lang="de-AT" dirty="0"/>
-              <a:t>Android</a:t>
-            </a:r>
-          </a:p>
-          <a:p>
-            <a:pPr lvl="1"/>
-            <a:r>
-              <a:rPr lang="de-AT" dirty="0" err="1"/>
-              <a:t>No</a:t>
+              <a:t>Add </a:t>
+            </a:r>
+            <a:r>
+              <a:rPr lang="de-AT" dirty="0" err="1"/>
+              <a:t>tours</a:t>
+            </a:r>
+            <a:r>
+              <a:rPr lang="de-AT" dirty="0"/>
+              <a:t>/</a:t>
+            </a:r>
+            <a:r>
+              <a:rPr lang="de-AT" dirty="0" err="1"/>
+              <a:t>trips</a:t>
+            </a:r>
+            <a:endParaRPr lang="de-AT" dirty="0"/>
+          </a:p>
+          <a:p>
+            <a:endParaRPr lang="de-AT" dirty="0"/>
+          </a:p>
+          <a:p>
+            <a:r>
+              <a:rPr lang="de-AT" dirty="0"/>
+              <a:t>Monitor </a:t>
+            </a:r>
+            <a:r>
+              <a:rPr lang="de-AT" dirty="0" err="1"/>
+              <a:t>weather</a:t>
+            </a:r>
+            <a:r>
+              <a:rPr lang="de-AT" dirty="0"/>
+              <a:t> and </a:t>
+            </a:r>
+            <a:r>
+              <a:rPr lang="de-AT" dirty="0" err="1"/>
+              <a:t>health</a:t>
             </a:r>
             <a:r>
               <a:rPr lang="de-AT" dirty="0"/>
@@ -5950,7 +5481,24 @@
             </a:r>
             <a:r>
               <a:rPr lang="de-AT" dirty="0" err="1"/>
-              <a:t>Macbooks</a:t>
+              <a:t>information</a:t>
+            </a:r>
+            <a:endParaRPr lang="de-AT" dirty="0"/>
+          </a:p>
+          <a:p>
+            <a:pPr marL="0" indent="0">
+              <a:buNone/>
+            </a:pPr>
+            <a:endParaRPr lang="de-AT" dirty="0"/>
+          </a:p>
+          <a:p>
+            <a:r>
+              <a:rPr lang="de-AT" dirty="0"/>
+              <a:t>Display </a:t>
+            </a:r>
+            <a:r>
+              <a:rPr lang="de-AT" dirty="0" err="1"/>
+              <a:t>details</a:t>
             </a:r>
             <a:r>
               <a:rPr lang="de-AT" dirty="0"/>
@@ -5958,22 +5506,7 @@
             </a:r>
             <a:r>
               <a:rPr lang="de-AT" dirty="0" err="1"/>
-              <a:t>available</a:t>
-            </a:r>
-            <a:r>
-              <a:rPr lang="de-AT" dirty="0"/>
-              <a:t> :(</a:t>
-            </a:r>
-          </a:p>
-          <a:p>
-            <a:pPr lvl="1"/>
-            <a:r>
-              <a:rPr lang="de-AT" dirty="0"/>
-              <a:t>Also </a:t>
-            </a:r>
-            <a:r>
-              <a:rPr lang="de-AT" dirty="0" err="1"/>
-              <a:t>we‘re</a:t>
+              <a:t>of</a:t>
             </a:r>
             <a:r>
               <a:rPr lang="de-AT" dirty="0"/>
@@ -5981,7 +5514,7 @@
             </a:r>
             <a:r>
               <a:rPr lang="de-AT" dirty="0" err="1"/>
-              <a:t>already</a:t>
+              <a:t>completed</a:t>
             </a:r>
             <a:r>
               <a:rPr lang="de-AT" dirty="0"/>
@@ -5989,7 +5522,21 @@
             </a:r>
             <a:r>
               <a:rPr lang="de-AT" dirty="0" err="1"/>
-              <a:t>kind</a:t>
+              <a:t>tours</a:t>
+            </a:r>
+            <a:endParaRPr lang="de-AT" dirty="0"/>
+          </a:p>
+          <a:p>
+            <a:endParaRPr lang="de-AT" dirty="0"/>
+          </a:p>
+          <a:p>
+            <a:r>
+              <a:rPr lang="de-AT" dirty="0"/>
+              <a:t>Tracking </a:t>
+            </a:r>
+            <a:r>
+              <a:rPr lang="de-AT" dirty="0" err="1"/>
+              <a:t>of</a:t>
             </a:r>
             <a:r>
               <a:rPr lang="de-AT" dirty="0"/>
@@ -5997,36 +5544,135 @@
             </a:r>
             <a:r>
               <a:rPr lang="de-AT" dirty="0" err="1"/>
-              <a:t>of</a:t>
-            </a:r>
-            <a:r>
-              <a:rPr lang="de-AT" dirty="0"/>
+              <a:t>altitude</a:t>
+            </a:r>
+            <a:endParaRPr lang="de-AT" dirty="0"/>
+          </a:p>
+          <a:p>
+            <a:endParaRPr lang="de-AT" dirty="0"/>
+          </a:p>
+        </p:txBody>
+      </p:sp>
+      <p:sp>
+        <p:nvSpPr>
+          <p:cNvPr id="4" name="Textfeld 3">
+            <a:extLst>
+              <a:ext uri="{FF2B5EF4-FFF2-40B4-BE49-F238E27FC236}">
+                <a16:creationId xmlns:a16="http://schemas.microsoft.com/office/drawing/2014/main" id="{01DA138E-0A2C-41D5-A60C-1FFDCA0E434A}"/>
+              </a:ext>
+            </a:extLst>
+          </p:cNvPr>
+          <p:cNvSpPr txBox="1"/>
+          <p:nvPr/>
+        </p:nvSpPr>
+        <p:spPr>
+          <a:xfrm>
+            <a:off x="838200" y="6445584"/>
+            <a:ext cx="10515600" cy="246221"/>
+          </a:xfrm>
+          <a:prstGeom prst="rect">
+            <a:avLst/>
+          </a:prstGeom>
+          <a:noFill/>
+        </p:spPr>
+        <p:txBody>
+          <a:bodyPr wrap="square" rtlCol="0">
+            <a:spAutoFit/>
+          </a:bodyPr>
+          <a:lstStyle/>
+          <a:p>
+            <a:pPr algn="ctr"/>
+            <a:r>
+              <a:rPr lang="de-AT" sz="1000" dirty="0" err="1">
+                <a:latin typeface="Roboto Light" panose="02000000000000000000" pitchFamily="2" charset="0"/>
+                <a:ea typeface="Roboto Light" panose="02000000000000000000" pitchFamily="2" charset="0"/>
+              </a:rPr>
+              <a:t>Subject</a:t>
+            </a:r>
+            <a:r>
+              <a:rPr lang="de-AT" sz="1000" dirty="0">
+                <a:latin typeface="Roboto Light" panose="02000000000000000000" pitchFamily="2" charset="0"/>
+                <a:ea typeface="Roboto Light" panose="02000000000000000000" pitchFamily="2" charset="0"/>
+              </a:rPr>
               <a:t> </a:t>
             </a:r>
             <a:r>
-              <a:rPr lang="de-AT" dirty="0" err="1"/>
-              <a:t>experts</a:t>
-            </a:r>
-            <a:endParaRPr lang="de-AT" dirty="0"/>
-          </a:p>
-          <a:p>
-            <a:endParaRPr lang="de-AT" dirty="0"/>
-          </a:p>
-          <a:p>
-            <a:r>
-              <a:rPr lang="de-AT" dirty="0"/>
-              <a:t>Android Studio</a:t>
-            </a:r>
-          </a:p>
-          <a:p>
-            <a:endParaRPr lang="de-AT" dirty="0"/>
+              <a:rPr lang="de-AT" sz="1000" dirty="0" err="1">
+                <a:latin typeface="Roboto Light" panose="02000000000000000000" pitchFamily="2" charset="0"/>
+                <a:ea typeface="Roboto Light" panose="02000000000000000000" pitchFamily="2" charset="0"/>
+              </a:rPr>
+              <a:t>to</a:t>
+            </a:r>
+            <a:r>
+              <a:rPr lang="de-AT" sz="1000" dirty="0">
+                <a:latin typeface="Roboto Light" panose="02000000000000000000" pitchFamily="2" charset="0"/>
+                <a:ea typeface="Roboto Light" panose="02000000000000000000" pitchFamily="2" charset="0"/>
+              </a:rPr>
+              <a:t> </a:t>
+            </a:r>
+            <a:r>
+              <a:rPr lang="de-AT" sz="1000" dirty="0" err="1">
+                <a:latin typeface="Roboto Light" panose="02000000000000000000" pitchFamily="2" charset="0"/>
+                <a:ea typeface="Roboto Light" panose="02000000000000000000" pitchFamily="2" charset="0"/>
+              </a:rPr>
+              <a:t>change</a:t>
+            </a:r>
+            <a:r>
+              <a:rPr lang="de-AT" sz="1000" dirty="0">
+                <a:latin typeface="Roboto Light" panose="02000000000000000000" pitchFamily="2" charset="0"/>
+                <a:ea typeface="Roboto Light" panose="02000000000000000000" pitchFamily="2" charset="0"/>
+              </a:rPr>
+              <a:t> </a:t>
+            </a:r>
+            <a:r>
+              <a:rPr lang="de-AT" sz="1000" dirty="0" err="1">
+                <a:latin typeface="Roboto Light" panose="02000000000000000000" pitchFamily="2" charset="0"/>
+                <a:ea typeface="Roboto Light" panose="02000000000000000000" pitchFamily="2" charset="0"/>
+              </a:rPr>
+              <a:t>without</a:t>
+            </a:r>
+            <a:r>
+              <a:rPr lang="de-AT" sz="1000" dirty="0">
+                <a:latin typeface="Roboto Light" panose="02000000000000000000" pitchFamily="2" charset="0"/>
+                <a:ea typeface="Roboto Light" panose="02000000000000000000" pitchFamily="2" charset="0"/>
+              </a:rPr>
+              <a:t> </a:t>
+            </a:r>
+            <a:r>
+              <a:rPr lang="de-AT" sz="1000" dirty="0" err="1">
+                <a:latin typeface="Roboto Light" panose="02000000000000000000" pitchFamily="2" charset="0"/>
+                <a:ea typeface="Roboto Light" panose="02000000000000000000" pitchFamily="2" charset="0"/>
+              </a:rPr>
+              <a:t>prior</a:t>
+            </a:r>
+            <a:r>
+              <a:rPr lang="de-AT" sz="1000" dirty="0">
+                <a:latin typeface="Roboto Light" panose="02000000000000000000" pitchFamily="2" charset="0"/>
+                <a:ea typeface="Roboto Light" panose="02000000000000000000" pitchFamily="2" charset="0"/>
+              </a:rPr>
+              <a:t> </a:t>
+            </a:r>
+            <a:r>
+              <a:rPr lang="de-AT" sz="1000" dirty="0" err="1">
+                <a:latin typeface="Roboto Light" panose="02000000000000000000" pitchFamily="2" charset="0"/>
+                <a:ea typeface="Roboto Light" panose="02000000000000000000" pitchFamily="2" charset="0"/>
+              </a:rPr>
+              <a:t>notice</a:t>
+            </a:r>
+            <a:r>
+              <a:rPr lang="de-AT" sz="1000" dirty="0">
+                <a:latin typeface="Roboto Light" panose="02000000000000000000" pitchFamily="2" charset="0"/>
+                <a:ea typeface="Roboto Light" panose="02000000000000000000" pitchFamily="2" charset="0"/>
+              </a:rPr>
+              <a:t>.</a:t>
+            </a:r>
           </a:p>
         </p:txBody>
       </p:sp>
     </p:spTree>
     <p:extLst>
       <p:ext uri="{BB962C8B-B14F-4D97-AF65-F5344CB8AC3E}">
-        <p14:creationId xmlns:p14="http://schemas.microsoft.com/office/powerpoint/2010/main" val="3428172548"/>
+        <p14:creationId xmlns:p14="http://schemas.microsoft.com/office/powerpoint/2010/main" val="1341102953"/>
       </p:ext>
     </p:extLst>
   </p:cSld>
@@ -6058,7 +5704,7 @@
           <p:cNvPr id="2" name="Titel 1">
             <a:extLst>
               <a:ext uri="{FF2B5EF4-FFF2-40B4-BE49-F238E27FC236}">
-                <a16:creationId xmlns:a16="http://schemas.microsoft.com/office/drawing/2014/main" id="{4EDE2478-49C7-452D-AB2E-F7C61DC077F0}"/>
+                <a16:creationId xmlns:a16="http://schemas.microsoft.com/office/drawing/2014/main" id="{738EF1DC-3524-46C3-A5D6-60238CF2FE4A}"/>
               </a:ext>
             </a:extLst>
           </p:cNvPr>
@@ -6076,163 +5722,89 @@
           <a:p>
             <a:r>
               <a:rPr lang="de-AT" dirty="0" err="1"/>
-              <a:t>Functionality</a:t>
-            </a:r>
+              <a:t>What</a:t>
+            </a:r>
+            <a:r>
+              <a:rPr lang="de-AT" dirty="0"/>
+              <a:t> </a:t>
+            </a:r>
+            <a:r>
+              <a:rPr lang="de-AT" dirty="0" err="1"/>
+              <a:t>kind</a:t>
+            </a:r>
+            <a:r>
+              <a:rPr lang="de-AT" dirty="0"/>
+              <a:t> </a:t>
+            </a:r>
+            <a:r>
+              <a:rPr lang="de-AT" dirty="0" err="1"/>
+              <a:t>of</a:t>
+            </a:r>
+            <a:r>
+              <a:rPr lang="de-AT" dirty="0"/>
+              <a:t> Details?</a:t>
+            </a:r>
+          </a:p>
+        </p:txBody>
+      </p:sp>
+      <p:sp>
+        <p:nvSpPr>
+          <p:cNvPr id="3" name="Inhaltsplatzhalter 2">
+            <a:extLst>
+              <a:ext uri="{FF2B5EF4-FFF2-40B4-BE49-F238E27FC236}">
+                <a16:creationId xmlns:a16="http://schemas.microsoft.com/office/drawing/2014/main" id="{C949F5A8-B985-40E4-80DD-7A3620FB9320}"/>
+              </a:ext>
+            </a:extLst>
+          </p:cNvPr>
+          <p:cNvSpPr>
+            <a:spLocks noGrp="1"/>
+          </p:cNvSpPr>
+          <p:nvPr>
+            <p:ph idx="1"/>
+          </p:nvPr>
+        </p:nvSpPr>
+        <p:spPr/>
+        <p:txBody>
+          <a:bodyPr>
+            <a:normAutofit/>
+          </a:bodyPr>
+          <a:lstStyle/>
+          <a:p>
+            <a:r>
+              <a:rPr lang="de-AT" dirty="0"/>
+              <a:t>General Information</a:t>
+            </a:r>
+          </a:p>
+          <a:p>
             <a:endParaRPr lang="de-AT" dirty="0"/>
           </a:p>
-        </p:txBody>
-      </p:sp>
-      <p:sp>
-        <p:nvSpPr>
-          <p:cNvPr id="3" name="Inhaltsplatzhalter 2">
-            <a:extLst>
-              <a:ext uri="{FF2B5EF4-FFF2-40B4-BE49-F238E27FC236}">
-                <a16:creationId xmlns:a16="http://schemas.microsoft.com/office/drawing/2014/main" id="{F66735D9-D5CF-48EA-917D-AE7353AF8643}"/>
-              </a:ext>
-            </a:extLst>
-          </p:cNvPr>
-          <p:cNvSpPr>
-            <a:spLocks noGrp="1"/>
-          </p:cNvSpPr>
-          <p:nvPr>
-            <p:ph idx="1"/>
-          </p:nvPr>
-        </p:nvSpPr>
-        <p:spPr/>
-        <p:txBody>
-          <a:bodyPr/>
-          <a:lstStyle/>
-          <a:p>
-            <a:r>
-              <a:rPr lang="de-AT" dirty="0" err="1"/>
-              <a:t>Able</a:t>
-            </a:r>
-            <a:r>
-              <a:rPr lang="de-AT" dirty="0"/>
-              <a:t> </a:t>
-            </a:r>
-            <a:r>
-              <a:rPr lang="de-AT" dirty="0" err="1"/>
-              <a:t>to</a:t>
-            </a:r>
-            <a:r>
-              <a:rPr lang="de-AT" dirty="0"/>
-              <a:t> </a:t>
-            </a:r>
-            <a:r>
-              <a:rPr lang="de-AT" dirty="0" err="1"/>
-              <a:t>add</a:t>
-            </a:r>
-            <a:r>
-              <a:rPr lang="de-AT" dirty="0"/>
-              <a:t> </a:t>
-            </a:r>
-            <a:r>
-              <a:rPr lang="de-AT" dirty="0" err="1"/>
-              <a:t>tours</a:t>
-            </a:r>
-            <a:r>
-              <a:rPr lang="de-AT" dirty="0"/>
-              <a:t>/</a:t>
-            </a:r>
-            <a:r>
-              <a:rPr lang="de-AT" dirty="0" err="1"/>
-              <a:t>trips</a:t>
-            </a:r>
+          <a:p>
+            <a:r>
+              <a:rPr lang="de-AT" dirty="0"/>
+              <a:t>Track/Route Details</a:t>
+            </a:r>
+          </a:p>
+          <a:p>
             <a:endParaRPr lang="de-AT" dirty="0"/>
           </a:p>
           <a:p>
+            <a:r>
+              <a:rPr lang="de-AT" dirty="0" err="1"/>
+              <a:t>Weather</a:t>
+            </a:r>
+            <a:r>
+              <a:rPr lang="de-AT" dirty="0"/>
+              <a:t> Information</a:t>
+            </a:r>
+          </a:p>
+          <a:p>
             <a:endParaRPr lang="de-AT" dirty="0"/>
           </a:p>
           <a:p>
             <a:r>
               <a:rPr lang="de-AT" dirty="0"/>
-              <a:t>Monitor </a:t>
-            </a:r>
-            <a:r>
-              <a:rPr lang="de-AT" dirty="0" err="1"/>
-              <a:t>weather</a:t>
-            </a:r>
-            <a:r>
-              <a:rPr lang="de-AT" dirty="0"/>
-              <a:t> and </a:t>
-            </a:r>
-            <a:r>
-              <a:rPr lang="de-AT" dirty="0" err="1"/>
-              <a:t>health</a:t>
-            </a:r>
-            <a:r>
-              <a:rPr lang="de-AT" dirty="0"/>
-              <a:t> </a:t>
-            </a:r>
-            <a:r>
-              <a:rPr lang="de-AT" dirty="0" err="1"/>
-              <a:t>information</a:t>
-            </a:r>
-            <a:endParaRPr lang="de-AT" dirty="0"/>
-          </a:p>
-          <a:p>
-            <a:endParaRPr lang="de-AT" dirty="0"/>
-          </a:p>
-          <a:p>
-            <a:r>
-              <a:rPr lang="de-AT" dirty="0"/>
-              <a:t>Display </a:t>
-            </a:r>
-            <a:r>
-              <a:rPr lang="de-AT" dirty="0" err="1"/>
-              <a:t>completed</a:t>
-            </a:r>
-            <a:r>
-              <a:rPr lang="de-AT" dirty="0"/>
-              <a:t> </a:t>
-            </a:r>
-            <a:r>
-              <a:rPr lang="de-AT" dirty="0" err="1"/>
-              <a:t>tours</a:t>
-            </a:r>
-            <a:endParaRPr lang="de-AT" dirty="0"/>
-          </a:p>
-          <a:p>
-            <a:endParaRPr lang="de-AT" dirty="0"/>
-          </a:p>
-          <a:p>
-            <a:r>
-              <a:rPr lang="de-AT" dirty="0"/>
-              <a:t>Open </a:t>
-            </a:r>
-            <a:r>
-              <a:rPr lang="de-AT" dirty="0" err="1"/>
-              <a:t>details</a:t>
-            </a:r>
-            <a:r>
-              <a:rPr lang="de-AT" dirty="0"/>
-              <a:t> </a:t>
-            </a:r>
-            <a:r>
-              <a:rPr lang="de-AT" dirty="0" err="1"/>
-              <a:t>of</a:t>
-            </a:r>
-            <a:r>
-              <a:rPr lang="de-AT" dirty="0"/>
-              <a:t> </a:t>
-            </a:r>
-            <a:r>
-              <a:rPr lang="de-AT" dirty="0" err="1"/>
-              <a:t>completed</a:t>
-            </a:r>
-            <a:r>
-              <a:rPr lang="de-AT" dirty="0"/>
-              <a:t> </a:t>
-            </a:r>
-            <a:r>
-              <a:rPr lang="de-AT" dirty="0" err="1"/>
-              <a:t>tours</a:t>
-            </a:r>
-            <a:endParaRPr lang="de-AT" dirty="0"/>
-          </a:p>
-          <a:p>
-            <a:endParaRPr lang="de-AT" dirty="0"/>
+              <a:t>Health</a:t>
+            </a:r>
           </a:p>
         </p:txBody>
       </p:sp>
@@ -6241,7 +5813,7 @@
           <p:cNvPr id="4" name="Textfeld 3">
             <a:extLst>
               <a:ext uri="{FF2B5EF4-FFF2-40B4-BE49-F238E27FC236}">
-                <a16:creationId xmlns:a16="http://schemas.microsoft.com/office/drawing/2014/main" id="{01DA138E-0A2C-41D5-A60C-1FFDCA0E434A}"/>
+                <a16:creationId xmlns:a16="http://schemas.microsoft.com/office/drawing/2014/main" id="{1F4CA273-AE74-4BEA-B403-E2BB3EDBB4D1}"/>
               </a:ext>
             </a:extLst>
           </p:cNvPr>
@@ -6355,7 +5927,7 @@
     </p:spTree>
     <p:extLst>
       <p:ext uri="{BB962C8B-B14F-4D97-AF65-F5344CB8AC3E}">
-        <p14:creationId xmlns:p14="http://schemas.microsoft.com/office/powerpoint/2010/main" val="1341102953"/>
+        <p14:creationId xmlns:p14="http://schemas.microsoft.com/office/powerpoint/2010/main" val="1041913430"/>
       </p:ext>
     </p:extLst>
   </p:cSld>
@@ -6387,7 +5959,7 @@
           <p:cNvPr id="2" name="Titel 1">
             <a:extLst>
               <a:ext uri="{FF2B5EF4-FFF2-40B4-BE49-F238E27FC236}">
-                <a16:creationId xmlns:a16="http://schemas.microsoft.com/office/drawing/2014/main" id="{738EF1DC-3524-46C3-A5D6-60238CF2FE4A}"/>
+                <a16:creationId xmlns:a16="http://schemas.microsoft.com/office/drawing/2014/main" id="{EFF99189-EC9F-42B4-8C3A-2E2B6784768E}"/>
               </a:ext>
             </a:extLst>
           </p:cNvPr>
@@ -6404,8 +5976,60 @@
           <a:lstStyle/>
           <a:p>
             <a:r>
-              <a:rPr lang="de-AT" dirty="0" err="1"/>
-              <a:t>What</a:t>
+              <a:rPr lang="de-AT" dirty="0"/>
+              <a:t>Technical </a:t>
+            </a:r>
+            <a:r>
+              <a:rPr lang="de-AT" dirty="0" err="1"/>
+              <a:t>Stuff</a:t>
+            </a:r>
+            <a:endParaRPr lang="de-AT" dirty="0"/>
+          </a:p>
+        </p:txBody>
+      </p:sp>
+      <p:sp>
+        <p:nvSpPr>
+          <p:cNvPr id="3" name="Inhaltsplatzhalter 2">
+            <a:extLst>
+              <a:ext uri="{FF2B5EF4-FFF2-40B4-BE49-F238E27FC236}">
+                <a16:creationId xmlns:a16="http://schemas.microsoft.com/office/drawing/2014/main" id="{0B16AF84-EE35-48A4-B0E5-673928F706A7}"/>
+              </a:ext>
+            </a:extLst>
+          </p:cNvPr>
+          <p:cNvSpPr>
+            <a:spLocks noGrp="1"/>
+          </p:cNvSpPr>
+          <p:nvPr>
+            <p:ph idx="1"/>
+          </p:nvPr>
+        </p:nvSpPr>
+        <p:spPr/>
+        <p:txBody>
+          <a:bodyPr/>
+          <a:lstStyle/>
+          <a:p>
+            <a:r>
+              <a:rPr lang="de-AT" dirty="0" err="1"/>
+              <a:t>Firebase</a:t>
+            </a:r>
+            <a:endParaRPr lang="de-AT" dirty="0"/>
+          </a:p>
+          <a:p>
+            <a:pPr lvl="1"/>
+            <a:r>
+              <a:rPr lang="de-AT" dirty="0" err="1"/>
+              <a:t>For</a:t>
+            </a:r>
+            <a:r>
+              <a:rPr lang="de-AT" dirty="0"/>
+              <a:t> Training Units</a:t>
+            </a:r>
+          </a:p>
+          <a:p>
+            <a:pPr lvl="1"/>
+            <a:r>
+              <a:rPr lang="de-AT" dirty="0" err="1"/>
+              <a:t>Used</a:t>
             </a:r>
             <a:r>
               <a:rPr lang="de-AT" dirty="0"/>
@@ -6413,7 +6037,33 @@
             </a:r>
             <a:r>
               <a:rPr lang="de-AT" dirty="0" err="1"/>
-              <a:t>kind</a:t>
+              <a:t>for</a:t>
+            </a:r>
+            <a:r>
+              <a:rPr lang="de-AT" dirty="0"/>
+              <a:t> Fast-</a:t>
+            </a:r>
+            <a:r>
+              <a:rPr lang="de-AT" dirty="0" err="1"/>
+              <a:t>Prototyping</a:t>
+            </a:r>
+            <a:endParaRPr lang="de-AT" dirty="0"/>
+          </a:p>
+          <a:p>
+            <a:endParaRPr lang="de-AT" dirty="0"/>
+          </a:p>
+          <a:p>
+            <a:r>
+              <a:rPr lang="de-AT" dirty="0" err="1"/>
+              <a:t>Dedicated</a:t>
+            </a:r>
+            <a:r>
+              <a:rPr lang="de-AT" dirty="0"/>
+              <a:t> Database on Webserver </a:t>
+            </a:r>
+            <a:r>
+              <a:rPr lang="de-AT" dirty="0" err="1"/>
+              <a:t>for</a:t>
             </a:r>
             <a:r>
               <a:rPr lang="de-AT" dirty="0"/>
@@ -6421,64 +6071,43 @@
             </a:r>
             <a:r>
               <a:rPr lang="de-AT" dirty="0" err="1"/>
-              <a:t>of</a:t>
-            </a:r>
-            <a:r>
-              <a:rPr lang="de-AT" dirty="0"/>
-              <a:t> Details?</a:t>
-            </a:r>
-          </a:p>
-        </p:txBody>
-      </p:sp>
-      <p:sp>
-        <p:nvSpPr>
-          <p:cNvPr id="3" name="Inhaltsplatzhalter 2">
-            <a:extLst>
-              <a:ext uri="{FF2B5EF4-FFF2-40B4-BE49-F238E27FC236}">
-                <a16:creationId xmlns:a16="http://schemas.microsoft.com/office/drawing/2014/main" id="{C949F5A8-B985-40E4-80DD-7A3620FB9320}"/>
-              </a:ext>
-            </a:extLst>
-          </p:cNvPr>
-          <p:cNvSpPr>
-            <a:spLocks noGrp="1"/>
-          </p:cNvSpPr>
-          <p:nvPr>
-            <p:ph idx="1"/>
-          </p:nvPr>
-        </p:nvSpPr>
-        <p:spPr/>
-        <p:txBody>
-          <a:bodyPr>
-            <a:normAutofit/>
-          </a:bodyPr>
-          <a:lstStyle/>
-          <a:p>
-            <a:r>
-              <a:rPr lang="de-AT" dirty="0"/>
-              <a:t>General Information</a:t>
-            </a:r>
-          </a:p>
-          <a:p>
+              <a:t>Production</a:t>
+            </a:r>
             <a:endParaRPr lang="de-AT" dirty="0"/>
           </a:p>
           <a:p>
-            <a:r>
-              <a:rPr lang="de-AT" dirty="0" err="1"/>
-              <a:t>Weather</a:t>
-            </a:r>
-            <a:r>
-              <a:rPr lang="de-AT" dirty="0"/>
-              <a:t> Information</a:t>
-            </a:r>
-          </a:p>
-          <a:p>
             <a:endParaRPr lang="de-AT" dirty="0"/>
           </a:p>
           <a:p>
             <a:r>
               <a:rPr lang="de-AT" dirty="0"/>
-              <a:t>Health</a:t>
-            </a:r>
+              <a:t>More Details </a:t>
+            </a:r>
+            <a:r>
+              <a:rPr lang="de-AT" dirty="0" err="1"/>
+              <a:t>coming</a:t>
+            </a:r>
+            <a:r>
+              <a:rPr lang="de-AT" dirty="0"/>
+              <a:t> </a:t>
+            </a:r>
+            <a:r>
+              <a:rPr lang="de-AT" dirty="0" err="1"/>
+              <a:t>soon</a:t>
+            </a:r>
+            <a:r>
+              <a:rPr lang="de-AT" dirty="0"/>
+              <a:t> ;)</a:t>
+            </a:r>
+          </a:p>
+          <a:p>
+            <a:endParaRPr lang="de-AT" dirty="0"/>
+          </a:p>
+          <a:p>
+            <a:endParaRPr lang="de-AT" dirty="0"/>
+          </a:p>
+          <a:p>
+            <a:endParaRPr lang="de-AT" dirty="0"/>
           </a:p>
         </p:txBody>
       </p:sp>
@@ -6487,7 +6116,7 @@
           <p:cNvPr id="4" name="Textfeld 3">
             <a:extLst>
               <a:ext uri="{FF2B5EF4-FFF2-40B4-BE49-F238E27FC236}">
-                <a16:creationId xmlns:a16="http://schemas.microsoft.com/office/drawing/2014/main" id="{1F4CA273-AE74-4BEA-B403-E2BB3EDBB4D1}"/>
+                <a16:creationId xmlns:a16="http://schemas.microsoft.com/office/drawing/2014/main" id="{29F5A8F3-2D66-4929-AF38-F45617BEDD37}"/>
               </a:ext>
             </a:extLst>
           </p:cNvPr>
@@ -6601,7 +6230,7 @@
     </p:spTree>
     <p:extLst>
       <p:ext uri="{BB962C8B-B14F-4D97-AF65-F5344CB8AC3E}">
-        <p14:creationId xmlns:p14="http://schemas.microsoft.com/office/powerpoint/2010/main" val="1041913430"/>
+        <p14:creationId xmlns:p14="http://schemas.microsoft.com/office/powerpoint/2010/main" val="890219084"/>
       </p:ext>
     </p:extLst>
   </p:cSld>
@@ -6633,7 +6262,7 @@
           <p:cNvPr id="2" name="Titel 1">
             <a:extLst>
               <a:ext uri="{FF2B5EF4-FFF2-40B4-BE49-F238E27FC236}">
-                <a16:creationId xmlns:a16="http://schemas.microsoft.com/office/drawing/2014/main" id="{EFF99189-EC9F-42B4-8C3A-2E2B6784768E}"/>
+                <a16:creationId xmlns:a16="http://schemas.microsoft.com/office/drawing/2014/main" id="{C14847C9-F8CC-4206-B212-F0A6205771CA}"/>
               </a:ext>
             </a:extLst>
           </p:cNvPr>
@@ -6650,68 +6279,262 @@
           <a:lstStyle/>
           <a:p>
             <a:r>
-              <a:rPr lang="de-AT" dirty="0"/>
-              <a:t>Technical </a:t>
-            </a:r>
-            <a:r>
-              <a:rPr lang="de-AT" dirty="0" err="1"/>
-              <a:t>Stuff</a:t>
-            </a:r>
-            <a:endParaRPr lang="de-AT" dirty="0"/>
-          </a:p>
-        </p:txBody>
-      </p:sp>
-      <p:sp>
-        <p:nvSpPr>
-          <p:cNvPr id="3" name="Inhaltsplatzhalter 2">
-            <a:extLst>
-              <a:ext uri="{FF2B5EF4-FFF2-40B4-BE49-F238E27FC236}">
-                <a16:creationId xmlns:a16="http://schemas.microsoft.com/office/drawing/2014/main" id="{0B16AF84-EE35-48A4-B0E5-673928F706A7}"/>
-              </a:ext>
-            </a:extLst>
-          </p:cNvPr>
-          <p:cNvSpPr>
-            <a:spLocks noGrp="1"/>
-          </p:cNvSpPr>
-          <p:nvPr>
-            <p:ph idx="1"/>
-          </p:nvPr>
-        </p:nvSpPr>
-        <p:spPr/>
-        <p:txBody>
-          <a:bodyPr/>
-          <a:lstStyle/>
-          <a:p>
-            <a:r>
-              <a:rPr lang="de-AT" dirty="0" err="1"/>
-              <a:t>Shared</a:t>
-            </a:r>
-            <a:r>
-              <a:rPr lang="de-AT" dirty="0"/>
+              <a:rPr lang="de-AT" dirty="0" err="1"/>
+              <a:t>Planned</a:t>
+            </a:r>
+            <a:r>
+              <a:rPr lang="de-AT" dirty="0"/>
+              <a:t> Design</a:t>
+            </a:r>
+          </a:p>
+        </p:txBody>
+      </p:sp>
+      <p:sp>
+        <p:nvSpPr>
+          <p:cNvPr id="4" name="Textfeld 3">
+            <a:extLst>
+              <a:ext uri="{FF2B5EF4-FFF2-40B4-BE49-F238E27FC236}">
+                <a16:creationId xmlns:a16="http://schemas.microsoft.com/office/drawing/2014/main" id="{FC8CF503-84BE-4DAB-9E09-B984A6B08EEA}"/>
+              </a:ext>
+            </a:extLst>
+          </p:cNvPr>
+          <p:cNvSpPr txBox="1"/>
+          <p:nvPr/>
+        </p:nvSpPr>
+        <p:spPr>
+          <a:xfrm>
+            <a:off x="838200" y="6445584"/>
+            <a:ext cx="10515600" cy="246221"/>
+          </a:xfrm>
+          <a:prstGeom prst="rect">
+            <a:avLst/>
+          </a:prstGeom>
+          <a:noFill/>
+        </p:spPr>
+        <p:txBody>
+          <a:bodyPr wrap="square" rtlCol="0">
+            <a:spAutoFit/>
+          </a:bodyPr>
+          <a:lstStyle/>
+          <a:p>
+            <a:pPr algn="ctr"/>
+            <a:r>
+              <a:rPr lang="de-AT" sz="1000" dirty="0" err="1">
+                <a:latin typeface="Roboto Light" panose="02000000000000000000" pitchFamily="2" charset="0"/>
+                <a:ea typeface="Roboto Light" panose="02000000000000000000" pitchFamily="2" charset="0"/>
+              </a:rPr>
+              <a:t>Subject</a:t>
+            </a:r>
+            <a:r>
+              <a:rPr lang="de-AT" sz="1000" dirty="0">
+                <a:latin typeface="Roboto Light" panose="02000000000000000000" pitchFamily="2" charset="0"/>
+                <a:ea typeface="Roboto Light" panose="02000000000000000000" pitchFamily="2" charset="0"/>
+              </a:rPr>
               <a:t> </a:t>
             </a:r>
             <a:r>
-              <a:rPr lang="de-AT" dirty="0" err="1"/>
-              <a:t>Preferences</a:t>
-            </a:r>
-            <a:endParaRPr lang="de-AT" dirty="0"/>
-          </a:p>
-          <a:p>
-            <a:endParaRPr lang="de-AT" dirty="0"/>
-          </a:p>
-          <a:p>
-            <a:r>
-              <a:rPr lang="de-AT" dirty="0" err="1"/>
-              <a:t>Firebase</a:t>
-            </a:r>
-            <a:endParaRPr lang="de-AT" dirty="0"/>
-          </a:p>
-        </p:txBody>
-      </p:sp>
+              <a:rPr lang="de-AT" sz="1000" dirty="0" err="1">
+                <a:latin typeface="Roboto Light" panose="02000000000000000000" pitchFamily="2" charset="0"/>
+                <a:ea typeface="Roboto Light" panose="02000000000000000000" pitchFamily="2" charset="0"/>
+              </a:rPr>
+              <a:t>to</a:t>
+            </a:r>
+            <a:r>
+              <a:rPr lang="de-AT" sz="1000" dirty="0">
+                <a:latin typeface="Roboto Light" panose="02000000000000000000" pitchFamily="2" charset="0"/>
+                <a:ea typeface="Roboto Light" panose="02000000000000000000" pitchFamily="2" charset="0"/>
+              </a:rPr>
+              <a:t> </a:t>
+            </a:r>
+            <a:r>
+              <a:rPr lang="de-AT" sz="1000" dirty="0" err="1">
+                <a:latin typeface="Roboto Light" panose="02000000000000000000" pitchFamily="2" charset="0"/>
+                <a:ea typeface="Roboto Light" panose="02000000000000000000" pitchFamily="2" charset="0"/>
+              </a:rPr>
+              <a:t>change</a:t>
+            </a:r>
+            <a:r>
+              <a:rPr lang="de-AT" sz="1000" dirty="0">
+                <a:latin typeface="Roboto Light" panose="02000000000000000000" pitchFamily="2" charset="0"/>
+                <a:ea typeface="Roboto Light" panose="02000000000000000000" pitchFamily="2" charset="0"/>
+              </a:rPr>
+              <a:t> </a:t>
+            </a:r>
+            <a:r>
+              <a:rPr lang="de-AT" sz="1000" dirty="0" err="1">
+                <a:latin typeface="Roboto Light" panose="02000000000000000000" pitchFamily="2" charset="0"/>
+                <a:ea typeface="Roboto Light" panose="02000000000000000000" pitchFamily="2" charset="0"/>
+              </a:rPr>
+              <a:t>without</a:t>
+            </a:r>
+            <a:r>
+              <a:rPr lang="de-AT" sz="1000" dirty="0">
+                <a:latin typeface="Roboto Light" panose="02000000000000000000" pitchFamily="2" charset="0"/>
+                <a:ea typeface="Roboto Light" panose="02000000000000000000" pitchFamily="2" charset="0"/>
+              </a:rPr>
+              <a:t> </a:t>
+            </a:r>
+            <a:r>
+              <a:rPr lang="de-AT" sz="1000" dirty="0" err="1">
+                <a:latin typeface="Roboto Light" panose="02000000000000000000" pitchFamily="2" charset="0"/>
+                <a:ea typeface="Roboto Light" panose="02000000000000000000" pitchFamily="2" charset="0"/>
+              </a:rPr>
+              <a:t>prior</a:t>
+            </a:r>
+            <a:r>
+              <a:rPr lang="de-AT" sz="1000" dirty="0">
+                <a:latin typeface="Roboto Light" panose="02000000000000000000" pitchFamily="2" charset="0"/>
+                <a:ea typeface="Roboto Light" panose="02000000000000000000" pitchFamily="2" charset="0"/>
+              </a:rPr>
+              <a:t> </a:t>
+            </a:r>
+            <a:r>
+              <a:rPr lang="de-AT" sz="1000" dirty="0" err="1">
+                <a:latin typeface="Roboto Light" panose="02000000000000000000" pitchFamily="2" charset="0"/>
+                <a:ea typeface="Roboto Light" panose="02000000000000000000" pitchFamily="2" charset="0"/>
+              </a:rPr>
+              <a:t>notice</a:t>
+            </a:r>
+            <a:r>
+              <a:rPr lang="de-AT" sz="1000" dirty="0">
+                <a:latin typeface="Roboto Light" panose="02000000000000000000" pitchFamily="2" charset="0"/>
+                <a:ea typeface="Roboto Light" panose="02000000000000000000" pitchFamily="2" charset="0"/>
+              </a:rPr>
+              <a:t>.</a:t>
+            </a:r>
+          </a:p>
+        </p:txBody>
+      </p:sp>
+      <p:pic>
+        <p:nvPicPr>
+          <p:cNvPr id="6" name="Grafik 5">
+            <a:extLst>
+              <a:ext uri="{FF2B5EF4-FFF2-40B4-BE49-F238E27FC236}">
+                <a16:creationId xmlns:a16="http://schemas.microsoft.com/office/drawing/2014/main" id="{5718301A-01DA-42EE-AE6B-1521FED9E218}"/>
+              </a:ext>
+            </a:extLst>
+          </p:cNvPr>
+          <p:cNvPicPr>
+            <a:picLocks noChangeAspect="1"/>
+          </p:cNvPicPr>
+          <p:nvPr/>
+        </p:nvPicPr>
+        <p:blipFill rotWithShape="1">
+          <a:blip r:embed="rId2">
+            <a:extLst>
+              <a:ext uri="{28A0092B-C50C-407E-A947-70E740481C1C}">
+                <a14:useLocalDpi xmlns:a14="http://schemas.microsoft.com/office/drawing/2010/main" val="0"/>
+              </a:ext>
+            </a:extLst>
+          </a:blip>
+          <a:srcRect l="659" t="546" r="1349" b="1054"/>
+          <a:stretch/>
+        </p:blipFill>
+        <p:spPr>
+          <a:xfrm>
+            <a:off x="945147" y="1690688"/>
+            <a:ext cx="2435716" cy="4335504"/>
+          </a:xfrm>
+          <a:prstGeom prst="rect">
+            <a:avLst/>
+          </a:prstGeom>
+          <a:effectLst>
+            <a:outerShdw blurRad="127000" sx="102000" sy="102000" algn="ctr" rotWithShape="0">
+              <a:prstClr val="black">
+                <a:alpha val="10000"/>
+              </a:prstClr>
+            </a:outerShdw>
+          </a:effectLst>
+        </p:spPr>
+      </p:pic>
+      <p:pic>
+        <p:nvPicPr>
+          <p:cNvPr id="10" name="Grafik 9">
+            <a:extLst>
+              <a:ext uri="{FF2B5EF4-FFF2-40B4-BE49-F238E27FC236}">
+                <a16:creationId xmlns:a16="http://schemas.microsoft.com/office/drawing/2014/main" id="{2A4ECD4E-6BFD-42D1-B49D-581FE6564DAA}"/>
+              </a:ext>
+            </a:extLst>
+          </p:cNvPr>
+          <p:cNvPicPr>
+            <a:picLocks noChangeAspect="1"/>
+          </p:cNvPicPr>
+          <p:nvPr/>
+        </p:nvPicPr>
+        <p:blipFill rotWithShape="1">
+          <a:blip r:embed="rId3">
+            <a:extLst>
+              <a:ext uri="{28A0092B-C50C-407E-A947-70E740481C1C}">
+                <a14:useLocalDpi xmlns:a14="http://schemas.microsoft.com/office/drawing/2010/main" val="0"/>
+              </a:ext>
+            </a:extLst>
+          </a:blip>
+          <a:srcRect l="941" t="624" r="941" b="896"/>
+          <a:stretch/>
+        </p:blipFill>
+        <p:spPr>
+          <a:xfrm>
+            <a:off x="4873958" y="1690688"/>
+            <a:ext cx="2444084" cy="4335504"/>
+          </a:xfrm>
+          <a:prstGeom prst="rect">
+            <a:avLst/>
+          </a:prstGeom>
+          <a:effectLst>
+            <a:outerShdw blurRad="127000" sx="102000" sy="102000" algn="ctr" rotWithShape="0">
+              <a:prstClr val="black">
+                <a:alpha val="10000"/>
+              </a:prstClr>
+            </a:outerShdw>
+          </a:effectLst>
+        </p:spPr>
+      </p:pic>
+      <p:pic>
+        <p:nvPicPr>
+          <p:cNvPr id="14" name="Grafik 13">
+            <a:extLst>
+              <a:ext uri="{FF2B5EF4-FFF2-40B4-BE49-F238E27FC236}">
+                <a16:creationId xmlns:a16="http://schemas.microsoft.com/office/drawing/2014/main" id="{B87F5D50-FF93-4327-B2DF-18B69D151C4D}"/>
+              </a:ext>
+            </a:extLst>
+          </p:cNvPr>
+          <p:cNvPicPr>
+            <a:picLocks noChangeAspect="1"/>
+          </p:cNvPicPr>
+          <p:nvPr/>
+        </p:nvPicPr>
+        <p:blipFill rotWithShape="1">
+          <a:blip r:embed="rId4">
+            <a:extLst>
+              <a:ext uri="{28A0092B-C50C-407E-A947-70E740481C1C}">
+                <a14:useLocalDpi xmlns:a14="http://schemas.microsoft.com/office/drawing/2010/main" val="0"/>
+              </a:ext>
+            </a:extLst>
+          </a:blip>
+          <a:srcRect l="1189" t="546" r="1050" b="897"/>
+          <a:stretch/>
+        </p:blipFill>
+        <p:spPr>
+          <a:xfrm>
+            <a:off x="8921938" y="1690688"/>
+            <a:ext cx="2431862" cy="4335504"/>
+          </a:xfrm>
+          <a:prstGeom prst="rect">
+            <a:avLst/>
+          </a:prstGeom>
+          <a:effectLst>
+            <a:outerShdw blurRad="127000" sx="102000" sy="102000" algn="ctr" rotWithShape="0">
+              <a:prstClr val="black">
+                <a:alpha val="10000"/>
+              </a:prstClr>
+            </a:outerShdw>
+          </a:effectLst>
+        </p:spPr>
+      </p:pic>
     </p:spTree>
     <p:extLst>
       <p:ext uri="{BB962C8B-B14F-4D97-AF65-F5344CB8AC3E}">
-        <p14:creationId xmlns:p14="http://schemas.microsoft.com/office/powerpoint/2010/main" val="890219084"/>
+        <p14:creationId xmlns:p14="http://schemas.microsoft.com/office/powerpoint/2010/main" val="663719567"/>
       </p:ext>
     </p:extLst>
   </p:cSld>
@@ -6743,7 +6566,7 @@
           <p:cNvPr id="2" name="Titel 1">
             <a:extLst>
               <a:ext uri="{FF2B5EF4-FFF2-40B4-BE49-F238E27FC236}">
-                <a16:creationId xmlns:a16="http://schemas.microsoft.com/office/drawing/2014/main" id="{3302CAE4-6E84-43CD-BF4B-6E7E36799787}"/>
+                <a16:creationId xmlns:a16="http://schemas.microsoft.com/office/drawing/2014/main" id="{C14847C9-F8CC-4206-B212-F0A6205771CA}"/>
               </a:ext>
             </a:extLst>
           </p:cNvPr>
@@ -6760,88 +6583,220 @@
           <a:lstStyle/>
           <a:p>
             <a:r>
-              <a:rPr lang="de-AT" dirty="0"/>
-              <a:t>Database</a:t>
-            </a:r>
-          </a:p>
-        </p:txBody>
-      </p:sp>
-      <p:sp>
-        <p:nvSpPr>
-          <p:cNvPr id="3" name="Inhaltsplatzhalter 2">
-            <a:extLst>
-              <a:ext uri="{FF2B5EF4-FFF2-40B4-BE49-F238E27FC236}">
-                <a16:creationId xmlns:a16="http://schemas.microsoft.com/office/drawing/2014/main" id="{4D107A3C-3D41-4573-B665-6FF7AA8E0DD5}"/>
-              </a:ext>
-            </a:extLst>
-          </p:cNvPr>
-          <p:cNvSpPr>
-            <a:spLocks noGrp="1"/>
-          </p:cNvSpPr>
-          <p:nvPr>
-            <p:ph idx="1"/>
-          </p:nvPr>
-        </p:nvSpPr>
-        <p:spPr/>
-        <p:txBody>
-          <a:bodyPr/>
-          <a:lstStyle/>
-          <a:p>
-            <a:r>
-              <a:rPr lang="de-AT" dirty="0" err="1"/>
-              <a:t>Firebase</a:t>
-            </a:r>
-            <a:endParaRPr lang="de-AT" dirty="0"/>
-          </a:p>
-          <a:p>
-            <a:endParaRPr lang="de-AT" dirty="0"/>
-          </a:p>
-          <a:p>
-            <a:r>
-              <a:rPr lang="de-AT" dirty="0" err="1"/>
-              <a:t>For</a:t>
-            </a:r>
-            <a:r>
-              <a:rPr lang="de-AT" dirty="0"/>
-              <a:t> Training Units</a:t>
-            </a:r>
-          </a:p>
-          <a:p>
-            <a:endParaRPr lang="de-AT" dirty="0"/>
-          </a:p>
-          <a:p>
-            <a:r>
-              <a:rPr lang="de-AT" dirty="0"/>
-              <a:t>Training IDs </a:t>
-            </a:r>
-            <a:r>
-              <a:rPr lang="de-AT" dirty="0" err="1"/>
-              <a:t>are</a:t>
-            </a:r>
-            <a:r>
-              <a:rPr lang="de-AT" dirty="0"/>
+              <a:rPr lang="de-AT" dirty="0" err="1"/>
+              <a:t>Planned</a:t>
+            </a:r>
+            <a:r>
+              <a:rPr lang="de-AT" dirty="0"/>
+              <a:t> Design</a:t>
+            </a:r>
+          </a:p>
+        </p:txBody>
+      </p:sp>
+      <p:sp>
+        <p:nvSpPr>
+          <p:cNvPr id="4" name="Textfeld 3">
+            <a:extLst>
+              <a:ext uri="{FF2B5EF4-FFF2-40B4-BE49-F238E27FC236}">
+                <a16:creationId xmlns:a16="http://schemas.microsoft.com/office/drawing/2014/main" id="{FC8CF503-84BE-4DAB-9E09-B984A6B08EEA}"/>
+              </a:ext>
+            </a:extLst>
+          </p:cNvPr>
+          <p:cNvSpPr txBox="1"/>
+          <p:nvPr/>
+        </p:nvSpPr>
+        <p:spPr>
+          <a:xfrm>
+            <a:off x="838200" y="6445584"/>
+            <a:ext cx="10515600" cy="246221"/>
+          </a:xfrm>
+          <a:prstGeom prst="rect">
+            <a:avLst/>
+          </a:prstGeom>
+          <a:noFill/>
+        </p:spPr>
+        <p:txBody>
+          <a:bodyPr wrap="square" rtlCol="0">
+            <a:spAutoFit/>
+          </a:bodyPr>
+          <a:lstStyle/>
+          <a:p>
+            <a:pPr algn="ctr"/>
+            <a:r>
+              <a:rPr lang="de-AT" sz="1000" dirty="0" err="1">
+                <a:latin typeface="Roboto Light" panose="02000000000000000000" pitchFamily="2" charset="0"/>
+                <a:ea typeface="Roboto Light" panose="02000000000000000000" pitchFamily="2" charset="0"/>
+              </a:rPr>
+              <a:t>Subject</a:t>
+            </a:r>
+            <a:r>
+              <a:rPr lang="de-AT" sz="1000" dirty="0">
+                <a:latin typeface="Roboto Light" panose="02000000000000000000" pitchFamily="2" charset="0"/>
+                <a:ea typeface="Roboto Light" panose="02000000000000000000" pitchFamily="2" charset="0"/>
+              </a:rPr>
               <a:t> </a:t>
             </a:r>
             <a:r>
-              <a:rPr lang="de-AT" dirty="0" err="1"/>
-              <a:t>saved</a:t>
-            </a:r>
-            <a:r>
-              <a:rPr lang="de-AT" dirty="0"/>
+              <a:rPr lang="de-AT" sz="1000" dirty="0" err="1">
+                <a:latin typeface="Roboto Light" panose="02000000000000000000" pitchFamily="2" charset="0"/>
+                <a:ea typeface="Roboto Light" panose="02000000000000000000" pitchFamily="2" charset="0"/>
+              </a:rPr>
+              <a:t>to</a:t>
+            </a:r>
+            <a:r>
+              <a:rPr lang="de-AT" sz="1000" dirty="0">
+                <a:latin typeface="Roboto Light" panose="02000000000000000000" pitchFamily="2" charset="0"/>
+                <a:ea typeface="Roboto Light" panose="02000000000000000000" pitchFamily="2" charset="0"/>
+              </a:rPr>
               <a:t> </a:t>
             </a:r>
             <a:r>
-              <a:rPr lang="de-AT" dirty="0" err="1"/>
-              <a:t>locally</a:t>
-            </a:r>
-            <a:endParaRPr lang="de-AT" dirty="0"/>
-          </a:p>
-        </p:txBody>
-      </p:sp>
+              <a:rPr lang="de-AT" sz="1000" dirty="0" err="1">
+                <a:latin typeface="Roboto Light" panose="02000000000000000000" pitchFamily="2" charset="0"/>
+                <a:ea typeface="Roboto Light" panose="02000000000000000000" pitchFamily="2" charset="0"/>
+              </a:rPr>
+              <a:t>change</a:t>
+            </a:r>
+            <a:r>
+              <a:rPr lang="de-AT" sz="1000" dirty="0">
+                <a:latin typeface="Roboto Light" panose="02000000000000000000" pitchFamily="2" charset="0"/>
+                <a:ea typeface="Roboto Light" panose="02000000000000000000" pitchFamily="2" charset="0"/>
+              </a:rPr>
+              <a:t> </a:t>
+            </a:r>
+            <a:r>
+              <a:rPr lang="de-AT" sz="1000" dirty="0" err="1">
+                <a:latin typeface="Roboto Light" panose="02000000000000000000" pitchFamily="2" charset="0"/>
+                <a:ea typeface="Roboto Light" panose="02000000000000000000" pitchFamily="2" charset="0"/>
+              </a:rPr>
+              <a:t>without</a:t>
+            </a:r>
+            <a:r>
+              <a:rPr lang="de-AT" sz="1000" dirty="0">
+                <a:latin typeface="Roboto Light" panose="02000000000000000000" pitchFamily="2" charset="0"/>
+                <a:ea typeface="Roboto Light" panose="02000000000000000000" pitchFamily="2" charset="0"/>
+              </a:rPr>
+              <a:t> </a:t>
+            </a:r>
+            <a:r>
+              <a:rPr lang="de-AT" sz="1000" dirty="0" err="1">
+                <a:latin typeface="Roboto Light" panose="02000000000000000000" pitchFamily="2" charset="0"/>
+                <a:ea typeface="Roboto Light" panose="02000000000000000000" pitchFamily="2" charset="0"/>
+              </a:rPr>
+              <a:t>prior</a:t>
+            </a:r>
+            <a:r>
+              <a:rPr lang="de-AT" sz="1000" dirty="0">
+                <a:latin typeface="Roboto Light" panose="02000000000000000000" pitchFamily="2" charset="0"/>
+                <a:ea typeface="Roboto Light" panose="02000000000000000000" pitchFamily="2" charset="0"/>
+              </a:rPr>
+              <a:t> </a:t>
+            </a:r>
+            <a:r>
+              <a:rPr lang="de-AT" sz="1000" dirty="0" err="1">
+                <a:latin typeface="Roboto Light" panose="02000000000000000000" pitchFamily="2" charset="0"/>
+                <a:ea typeface="Roboto Light" panose="02000000000000000000" pitchFamily="2" charset="0"/>
+              </a:rPr>
+              <a:t>notice</a:t>
+            </a:r>
+            <a:r>
+              <a:rPr lang="de-AT" sz="1000" dirty="0">
+                <a:latin typeface="Roboto Light" panose="02000000000000000000" pitchFamily="2" charset="0"/>
+                <a:ea typeface="Roboto Light" panose="02000000000000000000" pitchFamily="2" charset="0"/>
+              </a:rPr>
+              <a:t>.</a:t>
+            </a:r>
+          </a:p>
+        </p:txBody>
+      </p:sp>
+      <p:pic>
+        <p:nvPicPr>
+          <p:cNvPr id="12" name="Grafik 11">
+            <a:extLst>
+              <a:ext uri="{FF2B5EF4-FFF2-40B4-BE49-F238E27FC236}">
+                <a16:creationId xmlns:a16="http://schemas.microsoft.com/office/drawing/2014/main" id="{FC2DB18A-E7C4-4C87-AD60-A610D5E0A180}"/>
+              </a:ext>
+            </a:extLst>
+          </p:cNvPr>
+          <p:cNvPicPr>
+            <a:picLocks noChangeAspect="1"/>
+          </p:cNvPicPr>
+          <p:nvPr/>
+        </p:nvPicPr>
+        <p:blipFill rotWithShape="1">
+          <a:blip r:embed="rId2">
+            <a:extLst>
+              <a:ext uri="{28A0092B-C50C-407E-A947-70E740481C1C}">
+                <a14:useLocalDpi xmlns:a14="http://schemas.microsoft.com/office/drawing/2010/main" val="0"/>
+              </a:ext>
+            </a:extLst>
+          </a:blip>
+          <a:srcRect l="943" t="702" r="1217" b="897"/>
+          <a:stretch/>
+        </p:blipFill>
+        <p:spPr>
+          <a:xfrm>
+            <a:off x="6938797" y="1690689"/>
+            <a:ext cx="2439151" cy="4335504"/>
+          </a:xfrm>
+          <a:prstGeom prst="rect">
+            <a:avLst/>
+          </a:prstGeom>
+          <a:effectLst>
+            <a:outerShdw blurRad="127000" sx="102000" sy="102000" algn="ctr" rotWithShape="0">
+              <a:prstClr val="black">
+                <a:alpha val="10000"/>
+              </a:prstClr>
+            </a:outerShdw>
+          </a:effectLst>
+        </p:spPr>
+      </p:pic>
+      <p:pic>
+        <p:nvPicPr>
+          <p:cNvPr id="5" name="Grafik 4">
+            <a:extLst>
+              <a:ext uri="{FF2B5EF4-FFF2-40B4-BE49-F238E27FC236}">
+                <a16:creationId xmlns:a16="http://schemas.microsoft.com/office/drawing/2014/main" id="{F73D1ED2-459F-4873-B09E-616980BAD00B}"/>
+              </a:ext>
+            </a:extLst>
+          </p:cNvPr>
+          <p:cNvPicPr>
+            <a:picLocks noChangeAspect="1"/>
+          </p:cNvPicPr>
+          <p:nvPr/>
+        </p:nvPicPr>
+        <p:blipFill rotWithShape="1">
+          <a:blip r:embed="rId3">
+            <a:extLst>
+              <a:ext uri="{28A0092B-C50C-407E-A947-70E740481C1C}">
+                <a14:useLocalDpi xmlns:a14="http://schemas.microsoft.com/office/drawing/2010/main" val="0"/>
+              </a:ext>
+            </a:extLst>
+          </a:blip>
+          <a:srcRect l="1139" t="624" r="1414" b="975"/>
+          <a:stretch/>
+        </p:blipFill>
+        <p:spPr>
+          <a:xfrm>
+            <a:off x="2672930" y="1690689"/>
+            <a:ext cx="2431137" cy="4333468"/>
+          </a:xfrm>
+          <a:prstGeom prst="rect">
+            <a:avLst/>
+          </a:prstGeom>
+          <a:effectLst>
+            <a:outerShdw blurRad="127000" sx="102000" sy="102000" algn="ctr" rotWithShape="0">
+              <a:prstClr val="black">
+                <a:alpha val="10000"/>
+              </a:prstClr>
+            </a:outerShdw>
+          </a:effectLst>
+        </p:spPr>
+      </p:pic>
     </p:spTree>
     <p:extLst>
       <p:ext uri="{BB962C8B-B14F-4D97-AF65-F5344CB8AC3E}">
-        <p14:creationId xmlns:p14="http://schemas.microsoft.com/office/powerpoint/2010/main" val="2289617362"/>
+        <p14:creationId xmlns:p14="http://schemas.microsoft.com/office/powerpoint/2010/main" val="1218415181"/>
       </p:ext>
     </p:extLst>
   </p:cSld>

--- a/Mountaineer.pptx
+++ b/Mountaineer.pptx
@@ -296,7 +296,7 @@
           <a:p>
             <a:fld id="{ACE3B52F-493B-4126-A797-2AC36596430B}" type="datetimeFigureOut">
               <a:rPr lang="de-AT" smtClean="0"/>
-              <a:t>21.11.2017</a:t>
+              <a:t>22.11.2017</a:t>
             </a:fld>
             <a:endParaRPr lang="de-AT"/>
           </a:p>
@@ -496,7 +496,7 @@
           <a:p>
             <a:fld id="{ACE3B52F-493B-4126-A797-2AC36596430B}" type="datetimeFigureOut">
               <a:rPr lang="de-AT" smtClean="0"/>
-              <a:t>21.11.2017</a:t>
+              <a:t>22.11.2017</a:t>
             </a:fld>
             <a:endParaRPr lang="de-AT"/>
           </a:p>
@@ -706,7 +706,7 @@
           <a:p>
             <a:fld id="{ACE3B52F-493B-4126-A797-2AC36596430B}" type="datetimeFigureOut">
               <a:rPr lang="de-AT" smtClean="0"/>
-              <a:t>21.11.2017</a:t>
+              <a:t>22.11.2017</a:t>
             </a:fld>
             <a:endParaRPr lang="de-AT"/>
           </a:p>
@@ -947,7 +947,7 @@
           <a:p>
             <a:fld id="{ACE3B52F-493B-4126-A797-2AC36596430B}" type="datetimeFigureOut">
               <a:rPr lang="de-AT" smtClean="0"/>
-              <a:t>21.11.2017</a:t>
+              <a:t>22.11.2017</a:t>
             </a:fld>
             <a:endParaRPr lang="de-AT"/>
           </a:p>
@@ -1223,7 +1223,7 @@
           <a:p>
             <a:fld id="{ACE3B52F-493B-4126-A797-2AC36596430B}" type="datetimeFigureOut">
               <a:rPr lang="de-AT" smtClean="0"/>
-              <a:t>21.11.2017</a:t>
+              <a:t>22.11.2017</a:t>
             </a:fld>
             <a:endParaRPr lang="de-AT"/>
           </a:p>
@@ -1491,7 +1491,7 @@
           <a:p>
             <a:fld id="{ACE3B52F-493B-4126-A797-2AC36596430B}" type="datetimeFigureOut">
               <a:rPr lang="de-AT" smtClean="0"/>
-              <a:t>21.11.2017</a:t>
+              <a:t>22.11.2017</a:t>
             </a:fld>
             <a:endParaRPr lang="de-AT"/>
           </a:p>
@@ -1906,7 +1906,7 @@
           <a:p>
             <a:fld id="{ACE3B52F-493B-4126-A797-2AC36596430B}" type="datetimeFigureOut">
               <a:rPr lang="de-AT" smtClean="0"/>
-              <a:t>21.11.2017</a:t>
+              <a:t>22.11.2017</a:t>
             </a:fld>
             <a:endParaRPr lang="de-AT"/>
           </a:p>
@@ -2048,7 +2048,7 @@
           <a:p>
             <a:fld id="{ACE3B52F-493B-4126-A797-2AC36596430B}" type="datetimeFigureOut">
               <a:rPr lang="de-AT" smtClean="0"/>
-              <a:t>21.11.2017</a:t>
+              <a:t>22.11.2017</a:t>
             </a:fld>
             <a:endParaRPr lang="de-AT"/>
           </a:p>
@@ -2161,7 +2161,7 @@
           <a:p>
             <a:fld id="{ACE3B52F-493B-4126-A797-2AC36596430B}" type="datetimeFigureOut">
               <a:rPr lang="de-AT" smtClean="0"/>
-              <a:t>21.11.2017</a:t>
+              <a:t>22.11.2017</a:t>
             </a:fld>
             <a:endParaRPr lang="de-AT"/>
           </a:p>
@@ -2474,7 +2474,7 @@
           <a:p>
             <a:fld id="{ACE3B52F-493B-4126-A797-2AC36596430B}" type="datetimeFigureOut">
               <a:rPr lang="de-AT" smtClean="0"/>
-              <a:t>21.11.2017</a:t>
+              <a:t>22.11.2017</a:t>
             </a:fld>
             <a:endParaRPr lang="de-AT"/>
           </a:p>
@@ -2763,7 +2763,7 @@
           <a:p>
             <a:fld id="{ACE3B52F-493B-4126-A797-2AC36596430B}" type="datetimeFigureOut">
               <a:rPr lang="de-AT" smtClean="0"/>
-              <a:t>21.11.2017</a:t>
+              <a:t>22.11.2017</a:t>
             </a:fld>
             <a:endParaRPr lang="de-AT"/>
           </a:p>
@@ -3006,7 +3006,7 @@
           <a:p>
             <a:fld id="{ACE3B52F-493B-4126-A797-2AC36596430B}" type="datetimeFigureOut">
               <a:rPr lang="de-AT" smtClean="0"/>
-              <a:t>21.11.2017</a:t>
+              <a:t>22.11.2017</a:t>
             </a:fld>
             <a:endParaRPr lang="de-AT"/>
           </a:p>
@@ -4715,6 +4715,13 @@
             <a:pPr lvl="1"/>
             <a:r>
               <a:rPr lang="de-AT" dirty="0"/>
+              <a:t>Pedometer </a:t>
+            </a:r>
+          </a:p>
+          <a:p>
+            <a:pPr lvl="1"/>
+            <a:r>
+              <a:rPr lang="de-AT" dirty="0"/>
               <a:t>Huawei Health</a:t>
             </a:r>
           </a:p>
@@ -4727,10 +4734,7 @@
           </a:p>
           <a:p>
             <a:pPr lvl="1"/>
-            <a:r>
-              <a:rPr lang="de-AT" dirty="0"/>
-              <a:t>Pedometer</a:t>
-            </a:r>
+            <a:endParaRPr lang="de-AT" dirty="0"/>
           </a:p>
           <a:p>
             <a:endParaRPr lang="de-AT" dirty="0"/>
@@ -4751,7 +4755,7 @@
           </p:cNvPicPr>
           <p:nvPr/>
         </p:nvPicPr>
-        <p:blipFill>
+        <p:blipFill rotWithShape="1">
           <a:blip r:embed="rId2">
             <a:extLst>
               <a:ext uri="{28A0092B-C50C-407E-A947-70E740481C1C}">
@@ -4759,14 +4763,148 @@
               </a:ext>
             </a:extLst>
           </a:blip>
-          <a:stretch>
-            <a:fillRect/>
-          </a:stretch>
+          <a:srcRect t="36161"/>
+          <a:stretch/>
         </p:blipFill>
         <p:spPr>
           <a:xfrm>
-            <a:off x="5937782" y="3429000"/>
-            <a:ext cx="4543102" cy="2425233"/>
+            <a:off x="7464114" y="1388225"/>
+            <a:ext cx="3889686" cy="1325563"/>
+          </a:xfrm>
+          <a:prstGeom prst="rect">
+            <a:avLst/>
+          </a:prstGeom>
+          <a:ln>
+            <a:noFill/>
+          </a:ln>
+          <a:effectLst>
+            <a:outerShdw blurRad="292100" dist="139700" dir="2700000" algn="tl" rotWithShape="0">
+              <a:srgbClr val="333333">
+                <a:alpha val="65000"/>
+              </a:srgbClr>
+            </a:outerShdw>
+          </a:effectLst>
+        </p:spPr>
+      </p:pic>
+      <p:pic>
+        <p:nvPicPr>
+          <p:cNvPr id="5" name="Grafik 4">
+            <a:extLst>
+              <a:ext uri="{FF2B5EF4-FFF2-40B4-BE49-F238E27FC236}">
+                <a16:creationId xmlns:a16="http://schemas.microsoft.com/office/drawing/2014/main" id="{ED89D24B-3C68-4E58-AEFC-91453F46B45C}"/>
+              </a:ext>
+            </a:extLst>
+          </p:cNvPr>
+          <p:cNvPicPr>
+            <a:picLocks noChangeAspect="1"/>
+          </p:cNvPicPr>
+          <p:nvPr/>
+        </p:nvPicPr>
+        <p:blipFill rotWithShape="1">
+          <a:blip r:embed="rId3">
+            <a:extLst>
+              <a:ext uri="{28A0092B-C50C-407E-A947-70E740481C1C}">
+                <a14:useLocalDpi xmlns:a14="http://schemas.microsoft.com/office/drawing/2010/main" val="0"/>
+              </a:ext>
+            </a:extLst>
+          </a:blip>
+          <a:srcRect b="64636"/>
+          <a:stretch/>
+        </p:blipFill>
+        <p:spPr>
+          <a:xfrm>
+            <a:off x="4669153" y="4546575"/>
+            <a:ext cx="3094318" cy="1946300"/>
+          </a:xfrm>
+          <a:prstGeom prst="rect">
+            <a:avLst/>
+          </a:prstGeom>
+          <a:ln>
+            <a:noFill/>
+          </a:ln>
+          <a:effectLst>
+            <a:outerShdw blurRad="292100" dist="139700" dir="2700000" algn="tl" rotWithShape="0">
+              <a:srgbClr val="333333">
+                <a:alpha val="65000"/>
+              </a:srgbClr>
+            </a:outerShdw>
+          </a:effectLst>
+        </p:spPr>
+      </p:pic>
+      <p:pic>
+        <p:nvPicPr>
+          <p:cNvPr id="8" name="Grafik 7">
+            <a:extLst>
+              <a:ext uri="{FF2B5EF4-FFF2-40B4-BE49-F238E27FC236}">
+                <a16:creationId xmlns:a16="http://schemas.microsoft.com/office/drawing/2014/main" id="{5E5EFC15-18CD-41E6-AE2B-1BCFC6F86519}"/>
+              </a:ext>
+            </a:extLst>
+          </p:cNvPr>
+          <p:cNvPicPr>
+            <a:picLocks noChangeAspect="1"/>
+          </p:cNvPicPr>
+          <p:nvPr/>
+        </p:nvPicPr>
+        <p:blipFill rotWithShape="1">
+          <a:blip r:embed="rId4">
+            <a:extLst>
+              <a:ext uri="{28A0092B-C50C-407E-A947-70E740481C1C}">
+                <a14:useLocalDpi xmlns:a14="http://schemas.microsoft.com/office/drawing/2010/main" val="0"/>
+              </a:ext>
+            </a:extLst>
+          </a:blip>
+          <a:srcRect b="71151"/>
+          <a:stretch/>
+        </p:blipFill>
+        <p:spPr>
+          <a:xfrm>
+            <a:off x="919026" y="4552486"/>
+            <a:ext cx="3094318" cy="1587730"/>
+          </a:xfrm>
+          <a:prstGeom prst="rect">
+            <a:avLst/>
+          </a:prstGeom>
+          <a:ln>
+            <a:noFill/>
+          </a:ln>
+          <a:effectLst>
+            <a:outerShdw blurRad="292100" dist="139700" dir="2700000" algn="tl" rotWithShape="0">
+              <a:srgbClr val="333333">
+                <a:alpha val="65000"/>
+              </a:srgbClr>
+            </a:outerShdw>
+          </a:effectLst>
+        </p:spPr>
+      </p:pic>
+      <p:pic>
+        <p:nvPicPr>
+          <p:cNvPr id="10" name="Grafik 9">
+            <a:extLst>
+              <a:ext uri="{FF2B5EF4-FFF2-40B4-BE49-F238E27FC236}">
+                <a16:creationId xmlns:a16="http://schemas.microsoft.com/office/drawing/2014/main" id="{5E06AA78-E524-4807-8C5C-F3BBEF7DE6CF}"/>
+              </a:ext>
+            </a:extLst>
+          </p:cNvPr>
+          <p:cNvPicPr>
+            <a:picLocks noChangeAspect="1"/>
+          </p:cNvPicPr>
+          <p:nvPr/>
+        </p:nvPicPr>
+        <p:blipFill rotWithShape="1">
+          <a:blip r:embed="rId5">
+            <a:extLst>
+              <a:ext uri="{28A0092B-C50C-407E-A947-70E740481C1C}">
+                <a14:useLocalDpi xmlns:a14="http://schemas.microsoft.com/office/drawing/2010/main" val="0"/>
+              </a:ext>
+            </a:extLst>
+          </a:blip>
+          <a:srcRect b="66303"/>
+          <a:stretch/>
+        </p:blipFill>
+        <p:spPr>
+          <a:xfrm>
+            <a:off x="8419280" y="4546575"/>
+            <a:ext cx="3221986" cy="1931093"/>
           </a:xfrm>
           <a:prstGeom prst="rect">
             <a:avLst/>

--- a/Mountaineer.pptx
+++ b/Mountaineer.pptx
@@ -18,7 +18,8 @@
     <p:sldId id="270" r:id="rId12"/>
     <p:sldId id="271" r:id="rId13"/>
     <p:sldId id="272" r:id="rId14"/>
-    <p:sldId id="266" r:id="rId15"/>
+    <p:sldId id="274" r:id="rId15"/>
+    <p:sldId id="266" r:id="rId16"/>
   </p:sldIdLst>
   <p:sldSz cx="12192000" cy="6858000"/>
   <p:notesSz cx="6858000" cy="9144000"/>
@@ -3828,7 +3829,7 @@
           <a:effectLst>
             <a:outerShdw blurRad="127000" sx="102000" sy="102000" algn="ctr" rotWithShape="0">
               <a:prstClr val="black">
-                <a:alpha val="23000"/>
+                <a:alpha val="10000"/>
               </a:prstClr>
             </a:outerShdw>
           </a:effectLst>
@@ -4774,14 +4775,11 @@
           <a:prstGeom prst="rect">
             <a:avLst/>
           </a:prstGeom>
-          <a:ln>
-            <a:noFill/>
-          </a:ln>
           <a:effectLst>
-            <a:outerShdw blurRad="292100" dist="139700" dir="2700000" algn="tl" rotWithShape="0">
-              <a:srgbClr val="333333">
-                <a:alpha val="65000"/>
-              </a:srgbClr>
+            <a:outerShdw blurRad="127000" sx="102000" sy="102000" algn="ctr" rotWithShape="0">
+              <a:prstClr val="black">
+                <a:alpha val="10000"/>
+              </a:prstClr>
             </a:outerShdw>
           </a:effectLst>
         </p:spPr>
@@ -4819,14 +4817,11 @@
           <a:prstGeom prst="rect">
             <a:avLst/>
           </a:prstGeom>
-          <a:ln>
-            <a:noFill/>
-          </a:ln>
           <a:effectLst>
-            <a:outerShdw blurRad="292100" dist="139700" dir="2700000" algn="tl" rotWithShape="0">
-              <a:srgbClr val="333333">
-                <a:alpha val="65000"/>
-              </a:srgbClr>
+            <a:outerShdw blurRad="127000" sx="102000" sy="102000" algn="ctr" rotWithShape="0">
+              <a:prstClr val="black">
+                <a:alpha val="10000"/>
+              </a:prstClr>
             </a:outerShdw>
           </a:effectLst>
         </p:spPr>
@@ -4864,14 +4859,11 @@
           <a:prstGeom prst="rect">
             <a:avLst/>
           </a:prstGeom>
-          <a:ln>
-            <a:noFill/>
-          </a:ln>
           <a:effectLst>
-            <a:outerShdw blurRad="292100" dist="139700" dir="2700000" algn="tl" rotWithShape="0">
-              <a:srgbClr val="333333">
-                <a:alpha val="65000"/>
-              </a:srgbClr>
+            <a:outerShdw blurRad="127000" sx="102000" sy="102000" algn="ctr" rotWithShape="0">
+              <a:prstClr val="black">
+                <a:alpha val="10000"/>
+              </a:prstClr>
             </a:outerShdw>
           </a:effectLst>
         </p:spPr>
@@ -4909,14 +4901,11 @@
           <a:prstGeom prst="rect">
             <a:avLst/>
           </a:prstGeom>
-          <a:ln>
-            <a:noFill/>
-          </a:ln>
           <a:effectLst>
-            <a:outerShdw blurRad="292100" dist="139700" dir="2700000" algn="tl" rotWithShape="0">
-              <a:srgbClr val="333333">
-                <a:alpha val="65000"/>
-              </a:srgbClr>
+            <a:outerShdw blurRad="127000" sx="102000" sy="102000" algn="ctr" rotWithShape="0">
+              <a:prstClr val="black">
+                <a:alpha val="10000"/>
+              </a:prstClr>
             </a:outerShdw>
           </a:effectLst>
         </p:spPr>
@@ -4935,6 +4924,353 @@
 </file>
 
 <file path=ppt/slides/slide14.xml><?xml version="1.0" encoding="utf-8"?>
+<p:sld xmlns:a="http://schemas.openxmlformats.org/drawingml/2006/main" xmlns:r="http://schemas.openxmlformats.org/officeDocument/2006/relationships" xmlns:p="http://schemas.openxmlformats.org/presentationml/2006/main">
+  <p:cSld>
+    <p:spTree>
+      <p:nvGrpSpPr>
+        <p:cNvPr id="1" name=""/>
+        <p:cNvGrpSpPr/>
+        <p:nvPr/>
+      </p:nvGrpSpPr>
+      <p:grpSpPr>
+        <a:xfrm>
+          <a:off x="0" y="0"/>
+          <a:ext cx="0" cy="0"/>
+          <a:chOff x="0" y="0"/>
+          <a:chExt cx="0" cy="0"/>
+        </a:xfrm>
+      </p:grpSpPr>
+      <p:sp>
+        <p:nvSpPr>
+          <p:cNvPr id="2" name="Titel 1">
+            <a:extLst>
+              <a:ext uri="{FF2B5EF4-FFF2-40B4-BE49-F238E27FC236}">
+                <a16:creationId xmlns:a16="http://schemas.microsoft.com/office/drawing/2014/main" id="{432EFAA7-0B7A-477B-B2FA-57331202F701}"/>
+              </a:ext>
+            </a:extLst>
+          </p:cNvPr>
+          <p:cNvSpPr>
+            <a:spLocks noGrp="1"/>
+          </p:cNvSpPr>
+          <p:nvPr>
+            <p:ph type="title"/>
+          </p:nvPr>
+        </p:nvSpPr>
+        <p:spPr/>
+        <p:txBody>
+          <a:bodyPr/>
+          <a:lstStyle/>
+          <a:p>
+            <a:r>
+              <a:rPr lang="de-AT" dirty="0"/>
+              <a:t>UI </a:t>
+            </a:r>
+            <a:r>
+              <a:rPr lang="de-AT" dirty="0" err="1"/>
+              <a:t>is</a:t>
+            </a:r>
+            <a:r>
+              <a:rPr lang="de-AT" dirty="0"/>
+              <a:t> (</a:t>
+            </a:r>
+            <a:r>
+              <a:rPr lang="de-AT" dirty="0" err="1"/>
+              <a:t>almost</a:t>
+            </a:r>
+            <a:r>
+              <a:rPr lang="de-AT" dirty="0"/>
+              <a:t>) </a:t>
+            </a:r>
+            <a:r>
+              <a:rPr lang="de-AT" dirty="0" err="1"/>
+              <a:t>ready</a:t>
+            </a:r>
+            <a:endParaRPr lang="de-AT" dirty="0"/>
+          </a:p>
+        </p:txBody>
+      </p:sp>
+      <p:pic>
+        <p:nvPicPr>
+          <p:cNvPr id="5" name="Inhaltsplatzhalter 4">
+            <a:extLst>
+              <a:ext uri="{FF2B5EF4-FFF2-40B4-BE49-F238E27FC236}">
+                <a16:creationId xmlns:a16="http://schemas.microsoft.com/office/drawing/2014/main" id="{A63E0AA9-FE2D-4D98-B04E-401C2D4C2B77}"/>
+              </a:ext>
+            </a:extLst>
+          </p:cNvPr>
+          <p:cNvPicPr>
+            <a:picLocks noGrp="1" noChangeAspect="1"/>
+          </p:cNvPicPr>
+          <p:nvPr>
+            <p:ph idx="1"/>
+          </p:nvPr>
+        </p:nvPicPr>
+        <p:blipFill>
+          <a:blip r:embed="rId2">
+            <a:extLst>
+              <a:ext uri="{28A0092B-C50C-407E-A947-70E740481C1C}">
+                <a14:useLocalDpi xmlns:a14="http://schemas.microsoft.com/office/drawing/2010/main" val="0"/>
+              </a:ext>
+            </a:extLst>
+          </a:blip>
+          <a:stretch>
+            <a:fillRect/>
+          </a:stretch>
+        </p:blipFill>
+        <p:spPr>
+          <a:xfrm>
+            <a:off x="6997517" y="449379"/>
+            <a:ext cx="3350443" cy="5959242"/>
+          </a:xfrm>
+          <a:prstGeom prst="rect">
+            <a:avLst/>
+          </a:prstGeom>
+          <a:effectLst>
+            <a:outerShdw blurRad="127000" sx="102000" sy="102000" algn="ctr" rotWithShape="0">
+              <a:prstClr val="black">
+                <a:alpha val="10000"/>
+              </a:prstClr>
+            </a:outerShdw>
+          </a:effectLst>
+        </p:spPr>
+      </p:pic>
+      <p:sp>
+        <p:nvSpPr>
+          <p:cNvPr id="7" name="Inhaltsplatzhalter 2">
+            <a:extLst>
+              <a:ext uri="{FF2B5EF4-FFF2-40B4-BE49-F238E27FC236}">
+                <a16:creationId xmlns:a16="http://schemas.microsoft.com/office/drawing/2014/main" id="{DC206F93-26B0-459F-AF96-00AC525507D8}"/>
+              </a:ext>
+            </a:extLst>
+          </p:cNvPr>
+          <p:cNvSpPr txBox="1">
+            <a:spLocks/>
+          </p:cNvSpPr>
+          <p:nvPr/>
+        </p:nvSpPr>
+        <p:spPr>
+          <a:xfrm>
+            <a:off x="838200" y="1690688"/>
+            <a:ext cx="6797842" cy="4533611"/>
+          </a:xfrm>
+          <a:prstGeom prst="rect">
+            <a:avLst/>
+          </a:prstGeom>
+        </p:spPr>
+        <p:txBody>
+          <a:bodyPr vert="horz" lIns="91440" tIns="45720" rIns="91440" bIns="45720" rtlCol="0">
+            <a:normAutofit/>
+          </a:bodyPr>
+          <a:lstStyle>
+            <a:lvl1pPr marL="228600" indent="-228600" algn="l" defTabSz="914400" rtl="0" eaLnBrk="1" latinLnBrk="0" hangingPunct="1">
+              <a:lnSpc>
+                <a:spcPct val="90000"/>
+              </a:lnSpc>
+              <a:spcBef>
+                <a:spcPts val="1000"/>
+              </a:spcBef>
+              <a:buFont typeface="Arial" panose="020B0604020202020204" pitchFamily="34" charset="0"/>
+              <a:buChar char="•"/>
+              <a:defRPr sz="3200" kern="1200">
+                <a:solidFill>
+                  <a:srgbClr val="252525"/>
+                </a:solidFill>
+                <a:latin typeface="Roboto Light" panose="02000000000000000000" pitchFamily="2" charset="0"/>
+                <a:ea typeface="Roboto Light" panose="02000000000000000000" pitchFamily="2" charset="0"/>
+                <a:cs typeface="+mn-cs"/>
+              </a:defRPr>
+            </a:lvl1pPr>
+            <a:lvl2pPr marL="685800" indent="-228600" algn="l" defTabSz="914400" rtl="0" eaLnBrk="1" latinLnBrk="0" hangingPunct="1">
+              <a:lnSpc>
+                <a:spcPct val="90000"/>
+              </a:lnSpc>
+              <a:spcBef>
+                <a:spcPts val="500"/>
+              </a:spcBef>
+              <a:buFont typeface="Arial" panose="020B0604020202020204" pitchFamily="34" charset="0"/>
+              <a:buChar char="•"/>
+              <a:defRPr sz="2600" kern="1200">
+                <a:solidFill>
+                  <a:srgbClr val="252525"/>
+                </a:solidFill>
+                <a:latin typeface="Roboto Light" panose="02000000000000000000" pitchFamily="2" charset="0"/>
+                <a:ea typeface="Roboto Light" panose="02000000000000000000" pitchFamily="2" charset="0"/>
+                <a:cs typeface="+mn-cs"/>
+              </a:defRPr>
+            </a:lvl2pPr>
+            <a:lvl3pPr marL="1143000" indent="-228600" algn="l" defTabSz="914400" rtl="0" eaLnBrk="1" latinLnBrk="0" hangingPunct="1">
+              <a:lnSpc>
+                <a:spcPct val="90000"/>
+              </a:lnSpc>
+              <a:spcBef>
+                <a:spcPts val="500"/>
+              </a:spcBef>
+              <a:buFont typeface="Arial" panose="020B0604020202020204" pitchFamily="34" charset="0"/>
+              <a:buChar char="•"/>
+              <a:defRPr sz="2400" kern="1200">
+                <a:solidFill>
+                  <a:srgbClr val="252525"/>
+                </a:solidFill>
+                <a:latin typeface="Roboto Light" panose="02000000000000000000" pitchFamily="2" charset="0"/>
+                <a:ea typeface="Roboto Light" panose="02000000000000000000" pitchFamily="2" charset="0"/>
+                <a:cs typeface="+mn-cs"/>
+              </a:defRPr>
+            </a:lvl3pPr>
+            <a:lvl4pPr marL="1600200" indent="-228600" algn="l" defTabSz="914400" rtl="0" eaLnBrk="1" latinLnBrk="0" hangingPunct="1">
+              <a:lnSpc>
+                <a:spcPct val="90000"/>
+              </a:lnSpc>
+              <a:spcBef>
+                <a:spcPts val="500"/>
+              </a:spcBef>
+              <a:buFont typeface="Arial" panose="020B0604020202020204" pitchFamily="34" charset="0"/>
+              <a:buChar char="•"/>
+              <a:defRPr sz="2200" kern="1200">
+                <a:solidFill>
+                  <a:srgbClr val="252525"/>
+                </a:solidFill>
+                <a:latin typeface="Roboto Light" panose="02000000000000000000" pitchFamily="2" charset="0"/>
+                <a:ea typeface="Roboto Light" panose="02000000000000000000" pitchFamily="2" charset="0"/>
+                <a:cs typeface="+mn-cs"/>
+              </a:defRPr>
+            </a:lvl4pPr>
+            <a:lvl5pPr marL="2057400" indent="-228600" algn="l" defTabSz="914400" rtl="0" eaLnBrk="1" latinLnBrk="0" hangingPunct="1">
+              <a:lnSpc>
+                <a:spcPct val="90000"/>
+              </a:lnSpc>
+              <a:spcBef>
+                <a:spcPts val="500"/>
+              </a:spcBef>
+              <a:buFont typeface="Arial" panose="020B0604020202020204" pitchFamily="34" charset="0"/>
+              <a:buChar char="•"/>
+              <a:defRPr sz="2000" kern="1200">
+                <a:solidFill>
+                  <a:srgbClr val="252525"/>
+                </a:solidFill>
+                <a:latin typeface="Roboto Light" panose="02000000000000000000" pitchFamily="2" charset="0"/>
+                <a:ea typeface="Roboto Light" panose="02000000000000000000" pitchFamily="2" charset="0"/>
+                <a:cs typeface="+mn-cs"/>
+              </a:defRPr>
+            </a:lvl5pPr>
+            <a:lvl6pPr marL="2514600" indent="-228600" algn="l" defTabSz="914400" rtl="0" eaLnBrk="1" latinLnBrk="0" hangingPunct="1">
+              <a:lnSpc>
+                <a:spcPct val="90000"/>
+              </a:lnSpc>
+              <a:spcBef>
+                <a:spcPts val="500"/>
+              </a:spcBef>
+              <a:buFont typeface="Arial" panose="020B0604020202020204" pitchFamily="34" charset="0"/>
+              <a:buChar char="•"/>
+              <a:defRPr sz="1800" kern="1200">
+                <a:solidFill>
+                  <a:schemeClr val="tx1"/>
+                </a:solidFill>
+                <a:latin typeface="+mn-lt"/>
+                <a:ea typeface="+mn-ea"/>
+                <a:cs typeface="+mn-cs"/>
+              </a:defRPr>
+            </a:lvl6pPr>
+            <a:lvl7pPr marL="2971800" indent="-228600" algn="l" defTabSz="914400" rtl="0" eaLnBrk="1" latinLnBrk="0" hangingPunct="1">
+              <a:lnSpc>
+                <a:spcPct val="90000"/>
+              </a:lnSpc>
+              <a:spcBef>
+                <a:spcPts val="500"/>
+              </a:spcBef>
+              <a:buFont typeface="Arial" panose="020B0604020202020204" pitchFamily="34" charset="0"/>
+              <a:buChar char="•"/>
+              <a:defRPr sz="1800" kern="1200">
+                <a:solidFill>
+                  <a:schemeClr val="tx1"/>
+                </a:solidFill>
+                <a:latin typeface="+mn-lt"/>
+                <a:ea typeface="+mn-ea"/>
+                <a:cs typeface="+mn-cs"/>
+              </a:defRPr>
+            </a:lvl7pPr>
+            <a:lvl8pPr marL="3429000" indent="-228600" algn="l" defTabSz="914400" rtl="0" eaLnBrk="1" latinLnBrk="0" hangingPunct="1">
+              <a:lnSpc>
+                <a:spcPct val="90000"/>
+              </a:lnSpc>
+              <a:spcBef>
+                <a:spcPts val="500"/>
+              </a:spcBef>
+              <a:buFont typeface="Arial" panose="020B0604020202020204" pitchFamily="34" charset="0"/>
+              <a:buChar char="•"/>
+              <a:defRPr sz="1800" kern="1200">
+                <a:solidFill>
+                  <a:schemeClr val="tx1"/>
+                </a:solidFill>
+                <a:latin typeface="+mn-lt"/>
+                <a:ea typeface="+mn-ea"/>
+                <a:cs typeface="+mn-cs"/>
+              </a:defRPr>
+            </a:lvl8pPr>
+            <a:lvl9pPr marL="3886200" indent="-228600" algn="l" defTabSz="914400" rtl="0" eaLnBrk="1" latinLnBrk="0" hangingPunct="1">
+              <a:lnSpc>
+                <a:spcPct val="90000"/>
+              </a:lnSpc>
+              <a:spcBef>
+                <a:spcPts val="500"/>
+              </a:spcBef>
+              <a:buFont typeface="Arial" panose="020B0604020202020204" pitchFamily="34" charset="0"/>
+              <a:buChar char="•"/>
+              <a:defRPr sz="1800" kern="1200">
+                <a:solidFill>
+                  <a:schemeClr val="tx1"/>
+                </a:solidFill>
+                <a:latin typeface="+mn-lt"/>
+                <a:ea typeface="+mn-ea"/>
+                <a:cs typeface="+mn-cs"/>
+              </a:defRPr>
+            </a:lvl9pPr>
+          </a:lstStyle>
+          <a:p>
+            <a:pPr marL="0" indent="0">
+              <a:buNone/>
+            </a:pPr>
+            <a:r>
+              <a:rPr lang="de-AT" dirty="0"/>
+              <a:t>and </a:t>
+            </a:r>
+            <a:r>
+              <a:rPr lang="de-AT" dirty="0" err="1"/>
+              <a:t>waiting</a:t>
+            </a:r>
+            <a:r>
+              <a:rPr lang="de-AT" dirty="0"/>
+              <a:t> </a:t>
+            </a:r>
+            <a:r>
+              <a:rPr lang="de-AT" dirty="0" err="1"/>
+              <a:t>for</a:t>
+            </a:r>
+            <a:r>
+              <a:rPr lang="de-AT" dirty="0"/>
+              <a:t> </a:t>
+            </a:r>
+            <a:r>
+              <a:rPr lang="de-AT" dirty="0" err="1"/>
+              <a:t>functionality</a:t>
+            </a:r>
+            <a:endParaRPr lang="de-AT" dirty="0"/>
+          </a:p>
+        </p:txBody>
+      </p:sp>
+    </p:spTree>
+    <p:extLst>
+      <p:ext uri="{BB962C8B-B14F-4D97-AF65-F5344CB8AC3E}">
+        <p14:creationId xmlns:p14="http://schemas.microsoft.com/office/powerpoint/2010/main" val="3888662104"/>
+      </p:ext>
+    </p:extLst>
+  </p:cSld>
+  <p:clrMapOvr>
+    <a:masterClrMapping/>
+  </p:clrMapOvr>
+</p:sld>
+</file>
+
+<file path=ppt/slides/slide15.xml><?xml version="1.0" encoding="utf-8"?>
 <p:sld xmlns:a="http://schemas.openxmlformats.org/drawingml/2006/main" xmlns:r="http://schemas.openxmlformats.org/officeDocument/2006/relationships" xmlns:p="http://schemas.openxmlformats.org/presentationml/2006/main">
   <p:cSld>
     <p:spTree>

--- a/Mountaineer.pptx
+++ b/Mountaineer.pptx
@@ -4744,10 +4744,10 @@
       </p:sp>
       <p:pic>
         <p:nvPicPr>
-          <p:cNvPr id="6" name="Inhaltsplatzhalter 4">
-            <a:extLst>
-              <a:ext uri="{FF2B5EF4-FFF2-40B4-BE49-F238E27FC236}">
-                <a16:creationId xmlns:a16="http://schemas.microsoft.com/office/drawing/2014/main" id="{84AC9FBC-7AD1-456B-9447-7DBBB603D62A}"/>
+          <p:cNvPr id="5" name="Grafik 4">
+            <a:extLst>
+              <a:ext uri="{FF2B5EF4-FFF2-40B4-BE49-F238E27FC236}">
+                <a16:creationId xmlns:a16="http://schemas.microsoft.com/office/drawing/2014/main" id="{ED89D24B-3C68-4E58-AEFC-91453F46B45C}"/>
               </a:ext>
             </a:extLst>
           </p:cNvPr>
@@ -4758,48 +4758,6 @@
         </p:nvPicPr>
         <p:blipFill rotWithShape="1">
           <a:blip r:embed="rId2">
-            <a:extLst>
-              <a:ext uri="{28A0092B-C50C-407E-A947-70E740481C1C}">
-                <a14:useLocalDpi xmlns:a14="http://schemas.microsoft.com/office/drawing/2010/main" val="0"/>
-              </a:ext>
-            </a:extLst>
-          </a:blip>
-          <a:srcRect t="36161"/>
-          <a:stretch/>
-        </p:blipFill>
-        <p:spPr>
-          <a:xfrm>
-            <a:off x="7464114" y="1388225"/>
-            <a:ext cx="3889686" cy="1325563"/>
-          </a:xfrm>
-          <a:prstGeom prst="rect">
-            <a:avLst/>
-          </a:prstGeom>
-          <a:effectLst>
-            <a:outerShdw blurRad="127000" sx="102000" sy="102000" algn="ctr" rotWithShape="0">
-              <a:prstClr val="black">
-                <a:alpha val="10000"/>
-              </a:prstClr>
-            </a:outerShdw>
-          </a:effectLst>
-        </p:spPr>
-      </p:pic>
-      <p:pic>
-        <p:nvPicPr>
-          <p:cNvPr id="5" name="Grafik 4">
-            <a:extLst>
-              <a:ext uri="{FF2B5EF4-FFF2-40B4-BE49-F238E27FC236}">
-                <a16:creationId xmlns:a16="http://schemas.microsoft.com/office/drawing/2014/main" id="{ED89D24B-3C68-4E58-AEFC-91453F46B45C}"/>
-              </a:ext>
-            </a:extLst>
-          </p:cNvPr>
-          <p:cNvPicPr>
-            <a:picLocks noChangeAspect="1"/>
-          </p:cNvPicPr>
-          <p:nvPr/>
-        </p:nvPicPr>
-        <p:blipFill rotWithShape="1">
-          <a:blip r:embed="rId3">
             <a:extLst>
               <a:ext uri="{28A0092B-C50C-407E-A947-70E740481C1C}">
                 <a14:useLocalDpi xmlns:a14="http://schemas.microsoft.com/office/drawing/2010/main" val="0"/>
@@ -4841,7 +4799,7 @@
           <p:nvPr/>
         </p:nvPicPr>
         <p:blipFill rotWithShape="1">
-          <a:blip r:embed="rId4">
+          <a:blip r:embed="rId3">
             <a:extLst>
               <a:ext uri="{28A0092B-C50C-407E-A947-70E740481C1C}">
                 <a14:useLocalDpi xmlns:a14="http://schemas.microsoft.com/office/drawing/2010/main" val="0"/>
@@ -4883,7 +4841,7 @@
           <p:nvPr/>
         </p:nvPicPr>
         <p:blipFill rotWithShape="1">
-          <a:blip r:embed="rId5">
+          <a:blip r:embed="rId4">
             <a:extLst>
               <a:ext uri="{28A0092B-C50C-407E-A947-70E740481C1C}">
                 <a14:useLocalDpi xmlns:a14="http://schemas.microsoft.com/office/drawing/2010/main" val="0"/>
@@ -4897,6 +4855,48 @@
           <a:xfrm>
             <a:off x="8419280" y="4546575"/>
             <a:ext cx="3221986" cy="1931093"/>
+          </a:xfrm>
+          <a:prstGeom prst="rect">
+            <a:avLst/>
+          </a:prstGeom>
+          <a:effectLst>
+            <a:outerShdw blurRad="127000" sx="102000" sy="102000" algn="ctr" rotWithShape="0">
+              <a:prstClr val="black">
+                <a:alpha val="10000"/>
+              </a:prstClr>
+            </a:outerShdw>
+          </a:effectLst>
+        </p:spPr>
+      </p:pic>
+      <p:pic>
+        <p:nvPicPr>
+          <p:cNvPr id="7" name="Grafik 6">
+            <a:extLst>
+              <a:ext uri="{FF2B5EF4-FFF2-40B4-BE49-F238E27FC236}">
+                <a16:creationId xmlns:a16="http://schemas.microsoft.com/office/drawing/2014/main" id="{3D71A1D1-CFB6-464B-903F-E9E8152E4390}"/>
+              </a:ext>
+            </a:extLst>
+          </p:cNvPr>
+          <p:cNvPicPr>
+            <a:picLocks noChangeAspect="1"/>
+          </p:cNvPicPr>
+          <p:nvPr/>
+        </p:nvPicPr>
+        <p:blipFill rotWithShape="1">
+          <a:blip r:embed="rId5">
+            <a:extLst>
+              <a:ext uri="{28A0092B-C50C-407E-A947-70E740481C1C}">
+                <a14:useLocalDpi xmlns:a14="http://schemas.microsoft.com/office/drawing/2010/main" val="0"/>
+              </a:ext>
+            </a:extLst>
+          </a:blip>
+          <a:srcRect t="11902" b="70424"/>
+          <a:stretch/>
+        </p:blipFill>
+        <p:spPr>
+          <a:xfrm>
+            <a:off x="7422360" y="1933662"/>
+            <a:ext cx="4218906" cy="1325563"/>
           </a:xfrm>
           <a:prstGeom prst="rect">
             <a:avLst/>

--- a/Mountaineer.pptx
+++ b/Mountaineer.pptx
@@ -233,35 +233,35 @@
                 <a:ea typeface="Roboto Light" panose="02000000000000000000" pitchFamily="2" charset="0"/>
               </a:defRPr>
             </a:lvl1pPr>
-            <a:lvl2pPr marL="457200" indent="0" algn="ctr">
+            <a:lvl2pPr marL="457189" indent="0" algn="ctr">
               <a:buNone/>
               <a:defRPr sz="2000"/>
             </a:lvl2pPr>
-            <a:lvl3pPr marL="914400" indent="0" algn="ctr">
+            <a:lvl3pPr marL="914377" indent="0" algn="ctr">
               <a:buNone/>
               <a:defRPr sz="1800"/>
             </a:lvl3pPr>
-            <a:lvl4pPr marL="1371600" indent="0" algn="ctr">
+            <a:lvl4pPr marL="1371566" indent="0" algn="ctr">
               <a:buNone/>
               <a:defRPr sz="1600"/>
             </a:lvl4pPr>
-            <a:lvl5pPr marL="1828800" indent="0" algn="ctr">
+            <a:lvl5pPr marL="1828754" indent="0" algn="ctr">
               <a:buNone/>
               <a:defRPr sz="1600"/>
             </a:lvl5pPr>
-            <a:lvl6pPr marL="2286000" indent="0" algn="ctr">
+            <a:lvl6pPr marL="2285943" indent="0" algn="ctr">
               <a:buNone/>
               <a:defRPr sz="1600"/>
             </a:lvl6pPr>
-            <a:lvl7pPr marL="2743200" indent="0" algn="ctr">
+            <a:lvl7pPr marL="2743131" indent="0" algn="ctr">
               <a:buNone/>
               <a:defRPr sz="1600"/>
             </a:lvl7pPr>
-            <a:lvl8pPr marL="3200400" indent="0" algn="ctr">
+            <a:lvl8pPr marL="3200320" indent="0" algn="ctr">
               <a:buNone/>
               <a:defRPr sz="1600"/>
             </a:lvl8pPr>
-            <a:lvl9pPr marL="3657600" indent="0" algn="ctr">
+            <a:lvl9pPr marL="3657509" indent="0" algn="ctr">
               <a:buNone/>
               <a:defRPr sz="1600"/>
             </a:lvl9pPr>
@@ -297,7 +297,7 @@
           <a:p>
             <a:fld id="{ACE3B52F-493B-4126-A797-2AC36596430B}" type="datetimeFigureOut">
               <a:rPr lang="de-AT" smtClean="0"/>
-              <a:t>22.11.2017</a:t>
+              <a:t>23.11.2017</a:t>
             </a:fld>
             <a:endParaRPr lang="de-AT"/>
           </a:p>
@@ -497,7 +497,7 @@
           <a:p>
             <a:fld id="{ACE3B52F-493B-4126-A797-2AC36596430B}" type="datetimeFigureOut">
               <a:rPr lang="de-AT" smtClean="0"/>
-              <a:t>22.11.2017</a:t>
+              <a:t>23.11.2017</a:t>
             </a:fld>
             <a:endParaRPr lang="de-AT"/>
           </a:p>
@@ -605,7 +605,7 @@
         </p:nvSpPr>
         <p:spPr>
           <a:xfrm>
-            <a:off x="8724900" y="365125"/>
+            <a:off x="8724902" y="365125"/>
             <a:ext cx="2628900" cy="5811838"/>
           </a:xfrm>
         </p:spPr>
@@ -639,7 +639,7 @@
         </p:nvSpPr>
         <p:spPr>
           <a:xfrm>
-            <a:off x="838200" y="365125"/>
+            <a:off x="838202" y="365125"/>
             <a:ext cx="7734300" cy="5811838"/>
           </a:xfrm>
         </p:spPr>
@@ -707,7 +707,7 @@
           <a:p>
             <a:fld id="{ACE3B52F-493B-4126-A797-2AC36596430B}" type="datetimeFigureOut">
               <a:rPr lang="de-AT" smtClean="0"/>
-              <a:t>22.11.2017</a:t>
+              <a:t>23.11.2017</a:t>
             </a:fld>
             <a:endParaRPr lang="de-AT"/>
           </a:p>
@@ -846,7 +846,7 @@
         <p:txBody>
           <a:bodyPr/>
           <a:lstStyle>
-            <a:lvl1pPr marL="228600" indent="-228600">
+            <a:lvl1pPr marL="228594" indent="-228594">
               <a:buFont typeface="Arial" panose="020B0604020202020204" pitchFamily="34" charset="0"/>
               <a:buChar char="•"/>
               <a:defRPr sz="3200">
@@ -854,7 +854,7 @@
                 <a:ea typeface="Roboto Light" panose="02000000000000000000" pitchFamily="2" charset="0"/>
               </a:defRPr>
             </a:lvl1pPr>
-            <a:lvl2pPr marL="685800" indent="-228600">
+            <a:lvl2pPr marL="685783" indent="-228594">
               <a:buFont typeface="Arial" panose="020B0604020202020204" pitchFamily="34" charset="0"/>
               <a:buChar char="•"/>
               <a:defRPr sz="2600">
@@ -862,7 +862,7 @@
                 <a:ea typeface="Roboto Light" panose="02000000000000000000" pitchFamily="2" charset="0"/>
               </a:defRPr>
             </a:lvl2pPr>
-            <a:lvl3pPr marL="1143000" indent="-228600">
+            <a:lvl3pPr marL="1142971" indent="-228594">
               <a:buFont typeface="Arial" panose="020B0604020202020204" pitchFamily="34" charset="0"/>
               <a:buChar char="•"/>
               <a:defRPr sz="2400">
@@ -870,7 +870,7 @@
                 <a:ea typeface="Roboto Light" panose="02000000000000000000" pitchFamily="2" charset="0"/>
               </a:defRPr>
             </a:lvl3pPr>
-            <a:lvl4pPr marL="1600200" indent="-228600">
+            <a:lvl4pPr marL="1600160" indent="-228594">
               <a:buFont typeface="Arial" panose="020B0604020202020204" pitchFamily="34" charset="0"/>
               <a:buChar char="•"/>
               <a:defRPr sz="2200">
@@ -878,7 +878,7 @@
                 <a:ea typeface="Roboto Light" panose="02000000000000000000" pitchFamily="2" charset="0"/>
               </a:defRPr>
             </a:lvl4pPr>
-            <a:lvl5pPr marL="2057400" indent="-228600">
+            <a:lvl5pPr marL="2057349" indent="-228594">
               <a:buFont typeface="Arial" panose="020B0604020202020204" pitchFamily="34" charset="0"/>
               <a:buChar char="•"/>
               <a:defRPr sz="2000">
@@ -948,7 +948,7 @@
           <a:p>
             <a:fld id="{ACE3B52F-493B-4126-A797-2AC36596430B}" type="datetimeFigureOut">
               <a:rPr lang="de-AT" smtClean="0"/>
-              <a:t>22.11.2017</a:t>
+              <a:t>23.11.2017</a:t>
             </a:fld>
             <a:endParaRPr lang="de-AT"/>
           </a:p>
@@ -1056,7 +1056,7 @@
         </p:nvSpPr>
         <p:spPr>
           <a:xfrm>
-            <a:off x="831850" y="1709738"/>
+            <a:off x="831851" y="1709742"/>
             <a:ext cx="10515600" cy="2852737"/>
           </a:xfrm>
         </p:spPr>
@@ -1094,7 +1094,7 @@
         </p:nvSpPr>
         <p:spPr>
           <a:xfrm>
-            <a:off x="831850" y="4589463"/>
+            <a:off x="831851" y="4589467"/>
             <a:ext cx="10515600" cy="1500187"/>
           </a:xfrm>
         </p:spPr>
@@ -1111,7 +1111,7 @@
                 </a:solidFill>
               </a:defRPr>
             </a:lvl1pPr>
-            <a:lvl2pPr marL="457200" indent="0">
+            <a:lvl2pPr marL="457189" indent="0">
               <a:buNone/>
               <a:defRPr sz="2000">
                 <a:solidFill>
@@ -1121,7 +1121,7 @@
                 </a:solidFill>
               </a:defRPr>
             </a:lvl2pPr>
-            <a:lvl3pPr marL="914400" indent="0">
+            <a:lvl3pPr marL="914377" indent="0">
               <a:buNone/>
               <a:defRPr sz="1800">
                 <a:solidFill>
@@ -1131,7 +1131,7 @@
                 </a:solidFill>
               </a:defRPr>
             </a:lvl3pPr>
-            <a:lvl4pPr marL="1371600" indent="0">
+            <a:lvl4pPr marL="1371566" indent="0">
               <a:buNone/>
               <a:defRPr sz="1600">
                 <a:solidFill>
@@ -1141,7 +1141,7 @@
                 </a:solidFill>
               </a:defRPr>
             </a:lvl4pPr>
-            <a:lvl5pPr marL="1828800" indent="0">
+            <a:lvl5pPr marL="1828754" indent="0">
               <a:buNone/>
               <a:defRPr sz="1600">
                 <a:solidFill>
@@ -1151,7 +1151,7 @@
                 </a:solidFill>
               </a:defRPr>
             </a:lvl5pPr>
-            <a:lvl6pPr marL="2286000" indent="0">
+            <a:lvl6pPr marL="2285943" indent="0">
               <a:buNone/>
               <a:defRPr sz="1600">
                 <a:solidFill>
@@ -1161,7 +1161,7 @@
                 </a:solidFill>
               </a:defRPr>
             </a:lvl6pPr>
-            <a:lvl7pPr marL="2743200" indent="0">
+            <a:lvl7pPr marL="2743131" indent="0">
               <a:buNone/>
               <a:defRPr sz="1600">
                 <a:solidFill>
@@ -1171,7 +1171,7 @@
                 </a:solidFill>
               </a:defRPr>
             </a:lvl7pPr>
-            <a:lvl8pPr marL="3200400" indent="0">
+            <a:lvl8pPr marL="3200320" indent="0">
               <a:buNone/>
               <a:defRPr sz="1600">
                 <a:solidFill>
@@ -1181,7 +1181,7 @@
                 </a:solidFill>
               </a:defRPr>
             </a:lvl8pPr>
-            <a:lvl9pPr marL="3657600" indent="0">
+            <a:lvl9pPr marL="3657509" indent="0">
               <a:buNone/>
               <a:defRPr sz="1600">
                 <a:solidFill>
@@ -1224,7 +1224,7 @@
           <a:p>
             <a:fld id="{ACE3B52F-493B-4126-A797-2AC36596430B}" type="datetimeFigureOut">
               <a:rPr lang="de-AT" smtClean="0"/>
-              <a:t>22.11.2017</a:t>
+              <a:t>23.11.2017</a:t>
             </a:fld>
             <a:endParaRPr lang="de-AT"/>
           </a:p>
@@ -1492,7 +1492,7 @@
           <a:p>
             <a:fld id="{ACE3B52F-493B-4126-A797-2AC36596430B}" type="datetimeFigureOut">
               <a:rPr lang="de-AT" smtClean="0"/>
-              <a:t>22.11.2017</a:t>
+              <a:t>23.11.2017</a:t>
             </a:fld>
             <a:endParaRPr lang="de-AT"/>
           </a:p>
@@ -1600,7 +1600,7 @@
         </p:nvSpPr>
         <p:spPr>
           <a:xfrm>
-            <a:off x="839788" y="365125"/>
+            <a:off x="839788" y="365129"/>
             <a:ext cx="10515600" cy="1325563"/>
           </a:xfrm>
         </p:spPr>
@@ -1634,7 +1634,7 @@
         </p:nvSpPr>
         <p:spPr>
           <a:xfrm>
-            <a:off x="839788" y="1681163"/>
+            <a:off x="839789" y="1681163"/>
             <a:ext cx="5157787" cy="823912"/>
           </a:xfrm>
         </p:spPr>
@@ -1645,35 +1645,35 @@
               <a:buNone/>
               <a:defRPr sz="2400" b="1"/>
             </a:lvl1pPr>
-            <a:lvl2pPr marL="457200" indent="0">
+            <a:lvl2pPr marL="457189" indent="0">
               <a:buNone/>
               <a:defRPr sz="2000" b="1"/>
             </a:lvl2pPr>
-            <a:lvl3pPr marL="914400" indent="0">
+            <a:lvl3pPr marL="914377" indent="0">
               <a:buNone/>
               <a:defRPr sz="1800" b="1"/>
             </a:lvl3pPr>
-            <a:lvl4pPr marL="1371600" indent="0">
+            <a:lvl4pPr marL="1371566" indent="0">
               <a:buNone/>
               <a:defRPr sz="1600" b="1"/>
             </a:lvl4pPr>
-            <a:lvl5pPr marL="1828800" indent="0">
+            <a:lvl5pPr marL="1828754" indent="0">
               <a:buNone/>
               <a:defRPr sz="1600" b="1"/>
             </a:lvl5pPr>
-            <a:lvl6pPr marL="2286000" indent="0">
+            <a:lvl6pPr marL="2285943" indent="0">
               <a:buNone/>
               <a:defRPr sz="1600" b="1"/>
             </a:lvl6pPr>
-            <a:lvl7pPr marL="2743200" indent="0">
+            <a:lvl7pPr marL="2743131" indent="0">
               <a:buNone/>
               <a:defRPr sz="1600" b="1"/>
             </a:lvl7pPr>
-            <a:lvl8pPr marL="3200400" indent="0">
+            <a:lvl8pPr marL="3200320" indent="0">
               <a:buNone/>
               <a:defRPr sz="1600" b="1"/>
             </a:lvl8pPr>
-            <a:lvl9pPr marL="3657600" indent="0">
+            <a:lvl9pPr marL="3657509" indent="0">
               <a:buNone/>
               <a:defRPr sz="1600" b="1"/>
             </a:lvl9pPr>
@@ -1705,7 +1705,7 @@
         </p:nvSpPr>
         <p:spPr>
           <a:xfrm>
-            <a:off x="839788" y="2505075"/>
+            <a:off x="839789" y="2505075"/>
             <a:ext cx="5157787" cy="3684588"/>
           </a:xfrm>
         </p:spPr>
@@ -1768,7 +1768,7 @@
         </p:nvSpPr>
         <p:spPr>
           <a:xfrm>
-            <a:off x="6172200" y="1681163"/>
+            <a:off x="6172202" y="1681163"/>
             <a:ext cx="5183188" cy="823912"/>
           </a:xfrm>
         </p:spPr>
@@ -1779,35 +1779,35 @@
               <a:buNone/>
               <a:defRPr sz="2400" b="1"/>
             </a:lvl1pPr>
-            <a:lvl2pPr marL="457200" indent="0">
+            <a:lvl2pPr marL="457189" indent="0">
               <a:buNone/>
               <a:defRPr sz="2000" b="1"/>
             </a:lvl2pPr>
-            <a:lvl3pPr marL="914400" indent="0">
+            <a:lvl3pPr marL="914377" indent="0">
               <a:buNone/>
               <a:defRPr sz="1800" b="1"/>
             </a:lvl3pPr>
-            <a:lvl4pPr marL="1371600" indent="0">
+            <a:lvl4pPr marL="1371566" indent="0">
               <a:buNone/>
               <a:defRPr sz="1600" b="1"/>
             </a:lvl4pPr>
-            <a:lvl5pPr marL="1828800" indent="0">
+            <a:lvl5pPr marL="1828754" indent="0">
               <a:buNone/>
               <a:defRPr sz="1600" b="1"/>
             </a:lvl5pPr>
-            <a:lvl6pPr marL="2286000" indent="0">
+            <a:lvl6pPr marL="2285943" indent="0">
               <a:buNone/>
               <a:defRPr sz="1600" b="1"/>
             </a:lvl6pPr>
-            <a:lvl7pPr marL="2743200" indent="0">
+            <a:lvl7pPr marL="2743131" indent="0">
               <a:buNone/>
               <a:defRPr sz="1600" b="1"/>
             </a:lvl7pPr>
-            <a:lvl8pPr marL="3200400" indent="0">
+            <a:lvl8pPr marL="3200320" indent="0">
               <a:buNone/>
               <a:defRPr sz="1600" b="1"/>
             </a:lvl8pPr>
-            <a:lvl9pPr marL="3657600" indent="0">
+            <a:lvl9pPr marL="3657509" indent="0">
               <a:buNone/>
               <a:defRPr sz="1600" b="1"/>
             </a:lvl9pPr>
@@ -1839,7 +1839,7 @@
         </p:nvSpPr>
         <p:spPr>
           <a:xfrm>
-            <a:off x="6172200" y="2505075"/>
+            <a:off x="6172202" y="2505075"/>
             <a:ext cx="5183188" cy="3684588"/>
           </a:xfrm>
         </p:spPr>
@@ -1907,7 +1907,7 @@
           <a:p>
             <a:fld id="{ACE3B52F-493B-4126-A797-2AC36596430B}" type="datetimeFigureOut">
               <a:rPr lang="de-AT" smtClean="0"/>
-              <a:t>22.11.2017</a:t>
+              <a:t>23.11.2017</a:t>
             </a:fld>
             <a:endParaRPr lang="de-AT"/>
           </a:p>
@@ -2049,7 +2049,7 @@
           <a:p>
             <a:fld id="{ACE3B52F-493B-4126-A797-2AC36596430B}" type="datetimeFigureOut">
               <a:rPr lang="de-AT" smtClean="0"/>
-              <a:t>22.11.2017</a:t>
+              <a:t>23.11.2017</a:t>
             </a:fld>
             <a:endParaRPr lang="de-AT"/>
           </a:p>
@@ -2162,7 +2162,7 @@
           <a:p>
             <a:fld id="{ACE3B52F-493B-4126-A797-2AC36596430B}" type="datetimeFigureOut">
               <a:rPr lang="de-AT" smtClean="0"/>
-              <a:t>22.11.2017</a:t>
+              <a:t>23.11.2017</a:t>
             </a:fld>
             <a:endParaRPr lang="de-AT"/>
           </a:p>
@@ -2308,7 +2308,7 @@
         </p:nvSpPr>
         <p:spPr>
           <a:xfrm>
-            <a:off x="5183188" y="987425"/>
+            <a:off x="5183188" y="987429"/>
             <a:ext cx="6172200" cy="4873625"/>
           </a:xfrm>
         </p:spPr>
@@ -2410,35 +2410,35 @@
               <a:buNone/>
               <a:defRPr sz="1600"/>
             </a:lvl1pPr>
-            <a:lvl2pPr marL="457200" indent="0">
+            <a:lvl2pPr marL="457189" indent="0">
               <a:buNone/>
               <a:defRPr sz="1400"/>
             </a:lvl2pPr>
-            <a:lvl3pPr marL="914400" indent="0">
+            <a:lvl3pPr marL="914377" indent="0">
               <a:buNone/>
               <a:defRPr sz="1200"/>
             </a:lvl3pPr>
-            <a:lvl4pPr marL="1371600" indent="0">
+            <a:lvl4pPr marL="1371566" indent="0">
               <a:buNone/>
               <a:defRPr sz="1000"/>
             </a:lvl4pPr>
-            <a:lvl5pPr marL="1828800" indent="0">
+            <a:lvl5pPr marL="1828754" indent="0">
               <a:buNone/>
               <a:defRPr sz="1000"/>
             </a:lvl5pPr>
-            <a:lvl6pPr marL="2286000" indent="0">
+            <a:lvl6pPr marL="2285943" indent="0">
               <a:buNone/>
               <a:defRPr sz="1000"/>
             </a:lvl6pPr>
-            <a:lvl7pPr marL="2743200" indent="0">
+            <a:lvl7pPr marL="2743131" indent="0">
               <a:buNone/>
               <a:defRPr sz="1000"/>
             </a:lvl7pPr>
-            <a:lvl8pPr marL="3200400" indent="0">
+            <a:lvl8pPr marL="3200320" indent="0">
               <a:buNone/>
               <a:defRPr sz="1000"/>
             </a:lvl8pPr>
-            <a:lvl9pPr marL="3657600" indent="0">
+            <a:lvl9pPr marL="3657509" indent="0">
               <a:buNone/>
               <a:defRPr sz="1000"/>
             </a:lvl9pPr>
@@ -2475,7 +2475,7 @@
           <a:p>
             <a:fld id="{ACE3B52F-493B-4126-A797-2AC36596430B}" type="datetimeFigureOut">
               <a:rPr lang="de-AT" smtClean="0"/>
-              <a:t>22.11.2017</a:t>
+              <a:t>23.11.2017</a:t>
             </a:fld>
             <a:endParaRPr lang="de-AT"/>
           </a:p>
@@ -2621,7 +2621,7 @@
         </p:nvSpPr>
         <p:spPr>
           <a:xfrm>
-            <a:off x="5183188" y="987425"/>
+            <a:off x="5183188" y="987429"/>
             <a:ext cx="6172200" cy="4873625"/>
           </a:xfrm>
         </p:spPr>
@@ -2632,35 +2632,35 @@
               <a:buNone/>
               <a:defRPr sz="3200"/>
             </a:lvl1pPr>
-            <a:lvl2pPr marL="457200" indent="0">
+            <a:lvl2pPr marL="457189" indent="0">
               <a:buNone/>
               <a:defRPr sz="2800"/>
             </a:lvl2pPr>
-            <a:lvl3pPr marL="914400" indent="0">
+            <a:lvl3pPr marL="914377" indent="0">
               <a:buNone/>
               <a:defRPr sz="2400"/>
             </a:lvl3pPr>
-            <a:lvl4pPr marL="1371600" indent="0">
+            <a:lvl4pPr marL="1371566" indent="0">
               <a:buNone/>
               <a:defRPr sz="2000"/>
             </a:lvl4pPr>
-            <a:lvl5pPr marL="1828800" indent="0">
+            <a:lvl5pPr marL="1828754" indent="0">
               <a:buNone/>
               <a:defRPr sz="2000"/>
             </a:lvl5pPr>
-            <a:lvl6pPr marL="2286000" indent="0">
+            <a:lvl6pPr marL="2285943" indent="0">
               <a:buNone/>
               <a:defRPr sz="2000"/>
             </a:lvl6pPr>
-            <a:lvl7pPr marL="2743200" indent="0">
+            <a:lvl7pPr marL="2743131" indent="0">
               <a:buNone/>
               <a:defRPr sz="2000"/>
             </a:lvl7pPr>
-            <a:lvl8pPr marL="3200400" indent="0">
+            <a:lvl8pPr marL="3200320" indent="0">
               <a:buNone/>
               <a:defRPr sz="2000"/>
             </a:lvl8pPr>
-            <a:lvl9pPr marL="3657600" indent="0">
+            <a:lvl9pPr marL="3657509" indent="0">
               <a:buNone/>
               <a:defRPr sz="2000"/>
             </a:lvl9pPr>
@@ -2699,35 +2699,35 @@
               <a:buNone/>
               <a:defRPr sz="1600"/>
             </a:lvl1pPr>
-            <a:lvl2pPr marL="457200" indent="0">
+            <a:lvl2pPr marL="457189" indent="0">
               <a:buNone/>
               <a:defRPr sz="1400"/>
             </a:lvl2pPr>
-            <a:lvl3pPr marL="914400" indent="0">
+            <a:lvl3pPr marL="914377" indent="0">
               <a:buNone/>
               <a:defRPr sz="1200"/>
             </a:lvl3pPr>
-            <a:lvl4pPr marL="1371600" indent="0">
+            <a:lvl4pPr marL="1371566" indent="0">
               <a:buNone/>
               <a:defRPr sz="1000"/>
             </a:lvl4pPr>
-            <a:lvl5pPr marL="1828800" indent="0">
+            <a:lvl5pPr marL="1828754" indent="0">
               <a:buNone/>
               <a:defRPr sz="1000"/>
             </a:lvl5pPr>
-            <a:lvl6pPr marL="2286000" indent="0">
+            <a:lvl6pPr marL="2285943" indent="0">
               <a:buNone/>
               <a:defRPr sz="1000"/>
             </a:lvl6pPr>
-            <a:lvl7pPr marL="2743200" indent="0">
+            <a:lvl7pPr marL="2743131" indent="0">
               <a:buNone/>
               <a:defRPr sz="1000"/>
             </a:lvl7pPr>
-            <a:lvl8pPr marL="3200400" indent="0">
+            <a:lvl8pPr marL="3200320" indent="0">
               <a:buNone/>
               <a:defRPr sz="1000"/>
             </a:lvl8pPr>
-            <a:lvl9pPr marL="3657600" indent="0">
+            <a:lvl9pPr marL="3657509" indent="0">
               <a:buNone/>
               <a:defRPr sz="1000"/>
             </a:lvl9pPr>
@@ -2764,7 +2764,7 @@
           <a:p>
             <a:fld id="{ACE3B52F-493B-4126-A797-2AC36596430B}" type="datetimeFigureOut">
               <a:rPr lang="de-AT" smtClean="0"/>
-              <a:t>22.11.2017</a:t>
+              <a:t>23.11.2017</a:t>
             </a:fld>
             <a:endParaRPr lang="de-AT"/>
           </a:p>
@@ -2877,7 +2877,7 @@
         </p:nvSpPr>
         <p:spPr>
           <a:xfrm>
-            <a:off x="838200" y="365125"/>
+            <a:off x="838200" y="365129"/>
             <a:ext cx="10515600" cy="1325563"/>
           </a:xfrm>
           <a:prstGeom prst="rect">
@@ -2984,7 +2984,7 @@
         </p:nvSpPr>
         <p:spPr>
           <a:xfrm>
-            <a:off x="838200" y="6356350"/>
+            <a:off x="838200" y="6356354"/>
             <a:ext cx="2743200" cy="365125"/>
           </a:xfrm>
           <a:prstGeom prst="rect">
@@ -3007,7 +3007,7 @@
           <a:p>
             <a:fld id="{ACE3B52F-493B-4126-A797-2AC36596430B}" type="datetimeFigureOut">
               <a:rPr lang="de-AT" smtClean="0"/>
-              <a:t>22.11.2017</a:t>
+              <a:t>23.11.2017</a:t>
             </a:fld>
             <a:endParaRPr lang="de-AT"/>
           </a:p>
@@ -3031,7 +3031,7 @@
         </p:nvSpPr>
         <p:spPr>
           <a:xfrm>
-            <a:off x="4038600" y="6356350"/>
+            <a:off x="4038600" y="6356354"/>
             <a:ext cx="4114800" cy="365125"/>
           </a:xfrm>
           <a:prstGeom prst="rect">
@@ -3074,7 +3074,7 @@
         </p:nvSpPr>
         <p:spPr>
           <a:xfrm>
-            <a:off x="8610600" y="6356350"/>
+            <a:off x="8610600" y="6356354"/>
             <a:ext cx="2743200" cy="365125"/>
           </a:xfrm>
           <a:prstGeom prst="rect">
@@ -3126,7 +3126,7 @@
   </p:sldLayoutIdLst>
   <p:txStyles>
     <p:titleStyle>
-      <a:lvl1pPr algn="l" defTabSz="914400" rtl="0" eaLnBrk="1" latinLnBrk="0" hangingPunct="1">
+      <a:lvl1pPr algn="l" defTabSz="914377" rtl="0" eaLnBrk="1" latinLnBrk="0" hangingPunct="1">
         <a:lnSpc>
           <a:spcPct val="90000"/>
         </a:lnSpc>
@@ -3145,7 +3145,7 @@
       </a:lvl1pPr>
     </p:titleStyle>
     <p:bodyStyle>
-      <a:lvl1pPr marL="228600" indent="-228600" algn="l" defTabSz="914400" rtl="0" eaLnBrk="1" latinLnBrk="0" hangingPunct="1">
+      <a:lvl1pPr marL="228594" indent="-228594" algn="l" defTabSz="914377" rtl="0" eaLnBrk="1" latinLnBrk="0" hangingPunct="1">
         <a:lnSpc>
           <a:spcPct val="90000"/>
         </a:lnSpc>
@@ -3163,7 +3163,7 @@
           <a:cs typeface="+mn-cs"/>
         </a:defRPr>
       </a:lvl1pPr>
-      <a:lvl2pPr marL="685800" indent="-228600" algn="l" defTabSz="914400" rtl="0" eaLnBrk="1" latinLnBrk="0" hangingPunct="1">
+      <a:lvl2pPr marL="685783" indent="-228594" algn="l" defTabSz="914377" rtl="0" eaLnBrk="1" latinLnBrk="0" hangingPunct="1">
         <a:lnSpc>
           <a:spcPct val="90000"/>
         </a:lnSpc>
@@ -3181,7 +3181,7 @@
           <a:cs typeface="+mn-cs"/>
         </a:defRPr>
       </a:lvl2pPr>
-      <a:lvl3pPr marL="1143000" indent="-228600" algn="l" defTabSz="914400" rtl="0" eaLnBrk="1" latinLnBrk="0" hangingPunct="1">
+      <a:lvl3pPr marL="1142971" indent="-228594" algn="l" defTabSz="914377" rtl="0" eaLnBrk="1" latinLnBrk="0" hangingPunct="1">
         <a:lnSpc>
           <a:spcPct val="90000"/>
         </a:lnSpc>
@@ -3199,7 +3199,7 @@
           <a:cs typeface="+mn-cs"/>
         </a:defRPr>
       </a:lvl3pPr>
-      <a:lvl4pPr marL="1600200" indent="-228600" algn="l" defTabSz="914400" rtl="0" eaLnBrk="1" latinLnBrk="0" hangingPunct="1">
+      <a:lvl4pPr marL="1600160" indent="-228594" algn="l" defTabSz="914377" rtl="0" eaLnBrk="1" latinLnBrk="0" hangingPunct="1">
         <a:lnSpc>
           <a:spcPct val="90000"/>
         </a:lnSpc>
@@ -3217,7 +3217,7 @@
           <a:cs typeface="+mn-cs"/>
         </a:defRPr>
       </a:lvl4pPr>
-      <a:lvl5pPr marL="2057400" indent="-228600" algn="l" defTabSz="914400" rtl="0" eaLnBrk="1" latinLnBrk="0" hangingPunct="1">
+      <a:lvl5pPr marL="2057349" indent="-228594" algn="l" defTabSz="914377" rtl="0" eaLnBrk="1" latinLnBrk="0" hangingPunct="1">
         <a:lnSpc>
           <a:spcPct val="90000"/>
         </a:lnSpc>
@@ -3235,7 +3235,7 @@
           <a:cs typeface="+mn-cs"/>
         </a:defRPr>
       </a:lvl5pPr>
-      <a:lvl6pPr marL="2514600" indent="-228600" algn="l" defTabSz="914400" rtl="0" eaLnBrk="1" latinLnBrk="0" hangingPunct="1">
+      <a:lvl6pPr marL="2514537" indent="-228594" algn="l" defTabSz="914377" rtl="0" eaLnBrk="1" latinLnBrk="0" hangingPunct="1">
         <a:lnSpc>
           <a:spcPct val="90000"/>
         </a:lnSpc>
@@ -3253,7 +3253,7 @@
           <a:cs typeface="+mn-cs"/>
         </a:defRPr>
       </a:lvl6pPr>
-      <a:lvl7pPr marL="2971800" indent="-228600" algn="l" defTabSz="914400" rtl="0" eaLnBrk="1" latinLnBrk="0" hangingPunct="1">
+      <a:lvl7pPr marL="2971726" indent="-228594" algn="l" defTabSz="914377" rtl="0" eaLnBrk="1" latinLnBrk="0" hangingPunct="1">
         <a:lnSpc>
           <a:spcPct val="90000"/>
         </a:lnSpc>
@@ -3271,7 +3271,7 @@
           <a:cs typeface="+mn-cs"/>
         </a:defRPr>
       </a:lvl7pPr>
-      <a:lvl8pPr marL="3429000" indent="-228600" algn="l" defTabSz="914400" rtl="0" eaLnBrk="1" latinLnBrk="0" hangingPunct="1">
+      <a:lvl8pPr marL="3428914" indent="-228594" algn="l" defTabSz="914377" rtl="0" eaLnBrk="1" latinLnBrk="0" hangingPunct="1">
         <a:lnSpc>
           <a:spcPct val="90000"/>
         </a:lnSpc>
@@ -3289,7 +3289,7 @@
           <a:cs typeface="+mn-cs"/>
         </a:defRPr>
       </a:lvl8pPr>
-      <a:lvl9pPr marL="3886200" indent="-228600" algn="l" defTabSz="914400" rtl="0" eaLnBrk="1" latinLnBrk="0" hangingPunct="1">
+      <a:lvl9pPr marL="3886103" indent="-228594" algn="l" defTabSz="914377" rtl="0" eaLnBrk="1" latinLnBrk="0" hangingPunct="1">
         <a:lnSpc>
           <a:spcPct val="90000"/>
         </a:lnSpc>
@@ -3312,7 +3312,7 @@
       <a:defPPr>
         <a:defRPr lang="de-DE"/>
       </a:defPPr>
-      <a:lvl1pPr marL="0" algn="l" defTabSz="914400" rtl="0" eaLnBrk="1" latinLnBrk="0" hangingPunct="1">
+      <a:lvl1pPr marL="0" algn="l" defTabSz="914377" rtl="0" eaLnBrk="1" latinLnBrk="0" hangingPunct="1">
         <a:defRPr sz="1800" kern="1200">
           <a:solidFill>
             <a:schemeClr val="tx1"/>
@@ -3322,7 +3322,7 @@
           <a:cs typeface="+mn-cs"/>
         </a:defRPr>
       </a:lvl1pPr>
-      <a:lvl2pPr marL="457200" algn="l" defTabSz="914400" rtl="0" eaLnBrk="1" latinLnBrk="0" hangingPunct="1">
+      <a:lvl2pPr marL="457189" algn="l" defTabSz="914377" rtl="0" eaLnBrk="1" latinLnBrk="0" hangingPunct="1">
         <a:defRPr sz="1800" kern="1200">
           <a:solidFill>
             <a:schemeClr val="tx1"/>
@@ -3332,7 +3332,7 @@
           <a:cs typeface="+mn-cs"/>
         </a:defRPr>
       </a:lvl2pPr>
-      <a:lvl3pPr marL="914400" algn="l" defTabSz="914400" rtl="0" eaLnBrk="1" latinLnBrk="0" hangingPunct="1">
+      <a:lvl3pPr marL="914377" algn="l" defTabSz="914377" rtl="0" eaLnBrk="1" latinLnBrk="0" hangingPunct="1">
         <a:defRPr sz="1800" kern="1200">
           <a:solidFill>
             <a:schemeClr val="tx1"/>
@@ -3342,7 +3342,7 @@
           <a:cs typeface="+mn-cs"/>
         </a:defRPr>
       </a:lvl3pPr>
-      <a:lvl4pPr marL="1371600" algn="l" defTabSz="914400" rtl="0" eaLnBrk="1" latinLnBrk="0" hangingPunct="1">
+      <a:lvl4pPr marL="1371566" algn="l" defTabSz="914377" rtl="0" eaLnBrk="1" latinLnBrk="0" hangingPunct="1">
         <a:defRPr sz="1800" kern="1200">
           <a:solidFill>
             <a:schemeClr val="tx1"/>
@@ -3352,7 +3352,7 @@
           <a:cs typeface="+mn-cs"/>
         </a:defRPr>
       </a:lvl4pPr>
-      <a:lvl5pPr marL="1828800" algn="l" defTabSz="914400" rtl="0" eaLnBrk="1" latinLnBrk="0" hangingPunct="1">
+      <a:lvl5pPr marL="1828754" algn="l" defTabSz="914377" rtl="0" eaLnBrk="1" latinLnBrk="0" hangingPunct="1">
         <a:defRPr sz="1800" kern="1200">
           <a:solidFill>
             <a:schemeClr val="tx1"/>
@@ -3362,7 +3362,7 @@
           <a:cs typeface="+mn-cs"/>
         </a:defRPr>
       </a:lvl5pPr>
-      <a:lvl6pPr marL="2286000" algn="l" defTabSz="914400" rtl="0" eaLnBrk="1" latinLnBrk="0" hangingPunct="1">
+      <a:lvl6pPr marL="2285943" algn="l" defTabSz="914377" rtl="0" eaLnBrk="1" latinLnBrk="0" hangingPunct="1">
         <a:defRPr sz="1800" kern="1200">
           <a:solidFill>
             <a:schemeClr val="tx1"/>
@@ -3372,7 +3372,7 @@
           <a:cs typeface="+mn-cs"/>
         </a:defRPr>
       </a:lvl6pPr>
-      <a:lvl7pPr marL="2743200" algn="l" defTabSz="914400" rtl="0" eaLnBrk="1" latinLnBrk="0" hangingPunct="1">
+      <a:lvl7pPr marL="2743131" algn="l" defTabSz="914377" rtl="0" eaLnBrk="1" latinLnBrk="0" hangingPunct="1">
         <a:defRPr sz="1800" kern="1200">
           <a:solidFill>
             <a:schemeClr val="tx1"/>
@@ -3382,7 +3382,7 @@
           <a:cs typeface="+mn-cs"/>
         </a:defRPr>
       </a:lvl7pPr>
-      <a:lvl8pPr marL="3200400" algn="l" defTabSz="914400" rtl="0" eaLnBrk="1" latinLnBrk="0" hangingPunct="1">
+      <a:lvl8pPr marL="3200320" algn="l" defTabSz="914377" rtl="0" eaLnBrk="1" latinLnBrk="0" hangingPunct="1">
         <a:defRPr sz="1800" kern="1200">
           <a:solidFill>
             <a:schemeClr val="tx1"/>
@@ -3392,7 +3392,7 @@
           <a:cs typeface="+mn-cs"/>
         </a:defRPr>
       </a:lvl8pPr>
-      <a:lvl9pPr marL="3657600" algn="l" defTabSz="914400" rtl="0" eaLnBrk="1" latinLnBrk="0" hangingPunct="1">
+      <a:lvl9pPr marL="3657509" algn="l" defTabSz="914377" rtl="0" eaLnBrk="1" latinLnBrk="0" hangingPunct="1">
         <a:defRPr sz="1800" kern="1200">
           <a:solidFill>
             <a:schemeClr val="tx1"/>
@@ -3481,8 +3481,8 @@
         </p:nvSpPr>
         <p:spPr>
           <a:xfrm>
-            <a:off x="1021347" y="3602038"/>
-            <a:ext cx="6160168" cy="1655762"/>
+            <a:off x="1021347" y="3602037"/>
+            <a:ext cx="6160168" cy="1655763"/>
           </a:xfrm>
         </p:spPr>
         <p:txBody>
@@ -3541,7 +3541,7 @@
         </p:blipFill>
         <p:spPr>
           <a:xfrm>
-            <a:off x="7277768" y="2181916"/>
+            <a:off x="7277770" y="2181918"/>
             <a:ext cx="1760621" cy="1760621"/>
           </a:xfrm>
           <a:prstGeom prst="rect">
@@ -3633,8 +3633,8 @@
         </p:nvSpPr>
         <p:spPr>
           <a:xfrm>
-            <a:off x="4555958" y="1825625"/>
-            <a:ext cx="6797842" cy="4533611"/>
+            <a:off x="4555959" y="1825627"/>
+            <a:ext cx="6797843" cy="4533611"/>
           </a:xfrm>
         </p:spPr>
         <p:txBody>
@@ -3820,7 +3820,7 @@
         </p:blipFill>
         <p:spPr>
           <a:xfrm>
-            <a:off x="931026" y="1690688"/>
+            <a:off x="931027" y="1690689"/>
             <a:ext cx="2753944" cy="4895899"/>
           </a:xfrm>
           <a:prstGeom prst="rect">
@@ -3883,8 +3883,8 @@
         </p:nvSpPr>
         <p:spPr>
           <a:xfrm>
-            <a:off x="838199" y="438530"/>
-            <a:ext cx="11268103" cy="1252158"/>
+            <a:off x="838202" y="438532"/>
+            <a:ext cx="11268103" cy="1252159"/>
           </a:xfrm>
         </p:spPr>
         <p:txBody>
@@ -3925,8 +3925,8 @@
         </p:nvSpPr>
         <p:spPr>
           <a:xfrm>
-            <a:off x="1985396" y="2066585"/>
-            <a:ext cx="2395452" cy="4110378"/>
+            <a:off x="1985397" y="2066587"/>
+            <a:ext cx="2395452" cy="4110379"/>
           </a:xfrm>
         </p:spPr>
         <p:txBody>
@@ -4005,7 +4005,7 @@
         </p:blipFill>
         <p:spPr>
           <a:xfrm>
-            <a:off x="4533246" y="438530"/>
+            <a:off x="4533249" y="438534"/>
             <a:ext cx="5339541" cy="6137809"/>
           </a:xfrm>
           <a:prstGeom prst="rect">
@@ -4036,7 +4036,7 @@
         </p:nvCxnSpPr>
         <p:spPr>
           <a:xfrm>
-            <a:off x="4125920" y="2269364"/>
+            <a:off x="4125922" y="2269368"/>
             <a:ext cx="1418709" cy="323295"/>
           </a:xfrm>
           <a:prstGeom prst="straightConnector1">
@@ -4080,7 +4080,7 @@
         </p:nvCxnSpPr>
         <p:spPr>
           <a:xfrm>
-            <a:off x="3391629" y="3066072"/>
+            <a:off x="3391629" y="3066076"/>
             <a:ext cx="2610200" cy="107119"/>
           </a:xfrm>
           <a:prstGeom prst="straightConnector1">
@@ -4124,7 +4124,7 @@
         </p:nvCxnSpPr>
         <p:spPr>
           <a:xfrm flipH="1">
-            <a:off x="8902972" y="3066072"/>
+            <a:off x="8902974" y="3066074"/>
             <a:ext cx="1377141" cy="842981"/>
           </a:xfrm>
           <a:prstGeom prst="straightConnector1">
@@ -4168,7 +4168,7 @@
         </p:nvCxnSpPr>
         <p:spPr>
           <a:xfrm flipH="1">
-            <a:off x="8246266" y="2294714"/>
+            <a:off x="8246269" y="2294718"/>
             <a:ext cx="2033847" cy="1117457"/>
           </a:xfrm>
           <a:prstGeom prst="straightConnector1">
@@ -4212,8 +4212,8 @@
         </p:nvSpPr>
         <p:spPr>
           <a:xfrm>
-            <a:off x="10280113" y="2066585"/>
-            <a:ext cx="2395452" cy="4110378"/>
+            <a:off x="10280114" y="2066587"/>
+            <a:ext cx="2395452" cy="4110379"/>
           </a:xfrm>
           <a:prstGeom prst="rect">
             <a:avLst/>
@@ -4441,7 +4441,7 @@
         </p:nvCxnSpPr>
         <p:spPr>
           <a:xfrm>
-            <a:off x="3391629" y="3066072"/>
+            <a:off x="3391629" y="3066075"/>
             <a:ext cx="2610200" cy="2345513"/>
           </a:xfrm>
           <a:prstGeom prst="straightConnector1">
@@ -4593,8 +4593,8 @@
         </p:blipFill>
         <p:spPr>
           <a:xfrm>
-            <a:off x="1611797" y="1825625"/>
-            <a:ext cx="8968406" cy="4351338"/>
+            <a:off x="1611800" y="1825627"/>
+            <a:ext cx="8968407" cy="4351339"/>
           </a:xfrm>
           <a:prstGeom prst="rect">
             <a:avLst/>
@@ -4769,8 +4769,8 @@
         </p:blipFill>
         <p:spPr>
           <a:xfrm>
-            <a:off x="4669153" y="4546575"/>
-            <a:ext cx="3094318" cy="1946300"/>
+            <a:off x="4669156" y="4546575"/>
+            <a:ext cx="3094319" cy="1946300"/>
           </a:xfrm>
           <a:prstGeom prst="rect">
             <a:avLst/>
@@ -4811,8 +4811,8 @@
         </p:blipFill>
         <p:spPr>
           <a:xfrm>
-            <a:off x="919026" y="4552486"/>
-            <a:ext cx="3094318" cy="1587730"/>
+            <a:off x="919026" y="4552485"/>
+            <a:ext cx="3094319" cy="1587731"/>
           </a:xfrm>
           <a:prstGeom prst="rect">
             <a:avLst/>
@@ -4853,8 +4853,8 @@
         </p:blipFill>
         <p:spPr>
           <a:xfrm>
-            <a:off x="8419280" y="4546575"/>
-            <a:ext cx="3221986" cy="1931093"/>
+            <a:off x="8419282" y="4546578"/>
+            <a:ext cx="3221987" cy="1931093"/>
           </a:xfrm>
           <a:prstGeom prst="rect">
             <a:avLst/>
@@ -4895,8 +4895,8 @@
         </p:blipFill>
         <p:spPr>
           <a:xfrm>
-            <a:off x="7422360" y="1933662"/>
-            <a:ext cx="4218906" cy="1325563"/>
+            <a:off x="7422362" y="1933665"/>
+            <a:ext cx="4218907" cy="1325563"/>
           </a:xfrm>
           <a:prstGeom prst="rect">
             <a:avLst/>
@@ -5019,8 +5019,8 @@
         </p:blipFill>
         <p:spPr>
           <a:xfrm>
-            <a:off x="6997517" y="449379"/>
-            <a:ext cx="3350443" cy="5959242"/>
+            <a:off x="6997519" y="449381"/>
+            <a:ext cx="3350443" cy="5959243"/>
           </a:xfrm>
           <a:prstGeom prst="rect">
             <a:avLst/>
@@ -5050,8 +5050,8 @@
         </p:nvSpPr>
         <p:spPr>
           <a:xfrm>
-            <a:off x="838200" y="1690688"/>
-            <a:ext cx="6797842" cy="4533611"/>
+            <a:off x="838200" y="1690689"/>
+            <a:ext cx="6797843" cy="4533611"/>
           </a:xfrm>
           <a:prstGeom prst="rect">
             <a:avLst/>
@@ -5357,7 +5357,7 @@
         </p:blipFill>
         <p:spPr>
           <a:xfrm>
-            <a:off x="7277768" y="2173038"/>
+            <a:off x="7277770" y="2173041"/>
             <a:ext cx="1760621" cy="1760621"/>
           </a:xfrm>
           <a:prstGeom prst="rect">
@@ -5482,7 +5482,7 @@
             </a:r>
             <a:r>
               <a:rPr lang="de-AT" dirty="0" err="1"/>
-              <a:t>Moutain</a:t>
+              <a:t>moutain</a:t>
             </a:r>
             <a:r>
               <a:rPr lang="de-AT" dirty="0"/>
@@ -5490,7 +5490,7 @@
             </a:r>
             <a:r>
               <a:rPr lang="de-AT" dirty="0" err="1"/>
-              <a:t>Climbers</a:t>
+              <a:t>climbers</a:t>
             </a:r>
             <a:endParaRPr lang="de-AT" dirty="0"/>
           </a:p>
@@ -5528,7 +5528,15 @@
             </a:r>
             <a:r>
               <a:rPr lang="de-AT" dirty="0"/>
-              <a:t> Information:</a:t>
+              <a:t> </a:t>
+            </a:r>
+            <a:r>
+              <a:rPr lang="de-AT" dirty="0" err="1"/>
+              <a:t>information</a:t>
+            </a:r>
+            <a:r>
+              <a:rPr lang="de-AT" dirty="0"/>
+              <a:t>:</a:t>
             </a:r>
           </a:p>
           <a:p>
@@ -5543,7 +5551,7 @@
             </a:r>
             <a:r>
               <a:rPr lang="de-AT" dirty="0" err="1"/>
-              <a:t>Altitude</a:t>
+              <a:t>altitude</a:t>
             </a:r>
             <a:endParaRPr lang="de-AT" dirty="0"/>
           </a:p>
@@ -5603,7 +5611,7 @@
             </a:r>
             <a:r>
               <a:rPr lang="de-AT" dirty="0" err="1"/>
-              <a:t>Calories</a:t>
+              <a:t>calories</a:t>
             </a:r>
             <a:endParaRPr lang="de-AT" dirty="0"/>
           </a:p>
@@ -5707,8 +5715,8 @@
         </p:blipFill>
         <p:spPr>
           <a:xfrm>
-            <a:off x="4615447" y="2348832"/>
-            <a:ext cx="2961106" cy="2961106"/>
+            <a:off x="4615449" y="2348834"/>
+            <a:ext cx="2961107" cy="2961107"/>
           </a:xfrm>
           <a:prstGeom prst="rect">
             <a:avLst/>
@@ -6041,7 +6049,7 @@
         </p:nvSpPr>
         <p:spPr>
           <a:xfrm>
-            <a:off x="838200" y="6445584"/>
+            <a:off x="838200" y="6445587"/>
             <a:ext cx="10515600" cy="246221"/>
           </a:xfrm>
           <a:prstGeom prst="rect">
@@ -6246,30 +6254,45 @@
           <a:p>
             <a:r>
               <a:rPr lang="de-AT" dirty="0"/>
-              <a:t>General Information</a:t>
-            </a:r>
-          </a:p>
-          <a:p>
+              <a:t>General </a:t>
+            </a:r>
+            <a:r>
+              <a:rPr lang="de-AT" dirty="0" err="1"/>
+              <a:t>information</a:t>
+            </a:r>
             <a:endParaRPr lang="de-AT" dirty="0"/>
           </a:p>
           <a:p>
-            <a:r>
-              <a:rPr lang="de-AT" dirty="0"/>
-              <a:t>Track/Route Details</a:t>
-            </a:r>
-          </a:p>
-          <a:p>
             <a:endParaRPr lang="de-AT" dirty="0"/>
           </a:p>
           <a:p>
             <a:r>
+              <a:rPr lang="de-AT" dirty="0"/>
+              <a:t>Track/Route </a:t>
+            </a:r>
+            <a:r>
+              <a:rPr lang="de-AT" dirty="0" err="1"/>
+              <a:t>details</a:t>
+            </a:r>
+            <a:endParaRPr lang="de-AT" dirty="0"/>
+          </a:p>
+          <a:p>
+            <a:endParaRPr lang="de-AT" dirty="0"/>
+          </a:p>
+          <a:p>
+            <a:r>
               <a:rPr lang="de-AT" dirty="0" err="1"/>
               <a:t>Weather</a:t>
             </a:r>
             <a:r>
               <a:rPr lang="de-AT" dirty="0"/>
-              <a:t> Information</a:t>
-            </a:r>
+              <a:t> </a:t>
+            </a:r>
+            <a:r>
+              <a:rPr lang="de-AT" dirty="0" err="1"/>
+              <a:t>information</a:t>
+            </a:r>
+            <a:endParaRPr lang="de-AT" dirty="0"/>
           </a:p>
           <a:p>
             <a:endParaRPr lang="de-AT" dirty="0"/>
@@ -6296,7 +6319,7 @@
         </p:nvSpPr>
         <p:spPr>
           <a:xfrm>
-            <a:off x="838200" y="6445584"/>
+            <a:off x="838200" y="6445587"/>
             <a:ext cx="10515600" cy="246221"/>
           </a:xfrm>
           <a:prstGeom prst="rect">
@@ -6599,7 +6622,7 @@
         </p:nvSpPr>
         <p:spPr>
           <a:xfrm>
-            <a:off x="838200" y="6445584"/>
+            <a:off x="838200" y="6445587"/>
             <a:ext cx="10515600" cy="246221"/>
           </a:xfrm>
           <a:prstGeom prst="rect">
@@ -6777,7 +6800,7 @@
         </p:nvSpPr>
         <p:spPr>
           <a:xfrm>
-            <a:off x="838200" y="6445584"/>
+            <a:off x="838200" y="6445587"/>
             <a:ext cx="10515600" cy="246221"/>
           </a:xfrm>
           <a:prstGeom prst="rect">
@@ -6948,7 +6971,7 @@
         </p:blipFill>
         <p:spPr>
           <a:xfrm>
-            <a:off x="4873958" y="1690688"/>
+            <a:off x="4873959" y="1690688"/>
             <a:ext cx="2444084" cy="4335504"/>
           </a:xfrm>
           <a:prstGeom prst="rect">
@@ -6990,8 +7013,8 @@
         </p:blipFill>
         <p:spPr>
           <a:xfrm>
-            <a:off x="8921938" y="1690688"/>
-            <a:ext cx="2431862" cy="4335504"/>
+            <a:off x="8921940" y="1690688"/>
+            <a:ext cx="2431863" cy="4335504"/>
           </a:xfrm>
           <a:prstGeom prst="rect">
             <a:avLst/>
@@ -7081,7 +7104,7 @@
         </p:nvSpPr>
         <p:spPr>
           <a:xfrm>
-            <a:off x="838200" y="6445584"/>
+            <a:off x="838200" y="6445587"/>
             <a:ext cx="10515600" cy="246221"/>
           </a:xfrm>
           <a:prstGeom prst="rect">
@@ -7210,7 +7233,7 @@
         </p:blipFill>
         <p:spPr>
           <a:xfrm>
-            <a:off x="6938797" y="1690689"/>
+            <a:off x="6938800" y="1690689"/>
             <a:ext cx="2439151" cy="4335504"/>
           </a:xfrm>
           <a:prstGeom prst="rect">
@@ -7252,7 +7275,7 @@
         </p:blipFill>
         <p:spPr>
           <a:xfrm>
-            <a:off x="2672930" y="1690689"/>
+            <a:off x="2672934" y="1690690"/>
             <a:ext cx="2431137" cy="4333468"/>
           </a:xfrm>
           <a:prstGeom prst="rect">
